--- a/Sortări.pptx
+++ b/Sortări.pptx
@@ -2,11 +2,16 @@
 <file path=ppt/presentation.xml><?xml version="1.0" encoding="utf-8"?>
 <p:presentation xmlns:a="http://schemas.openxmlformats.org/drawingml/2006/main" xmlns:r="http://schemas.openxmlformats.org/officeDocument/2006/relationships" xmlns:p="http://schemas.openxmlformats.org/presentationml/2006/main" saveSubsetFonts="1">
   <p:sldMasterIdLst>
-    <p:sldMasterId id="2147483648" r:id="rId1"/>
+    <p:sldMasterId id="2147483660" r:id="rId1"/>
   </p:sldMasterIdLst>
   <p:sldIdLst>
     <p:sldId id="256" r:id="rId2"/>
     <p:sldId id="257" r:id="rId3"/>
+    <p:sldId id="258" r:id="rId4"/>
+    <p:sldId id="259" r:id="rId5"/>
+    <p:sldId id="260" r:id="rId6"/>
+    <p:sldId id="261" r:id="rId7"/>
+    <p:sldId id="262" r:id="rId8"/>
   </p:sldIdLst>
   <p:sldSz cx="12192000" cy="6858000"/>
   <p:notesSz cx="6858000" cy="9144000"/>
@@ -14,7 +19,7 @@
     <a:defPPr>
       <a:defRPr lang="en-US"/>
     </a:defPPr>
-    <a:lvl1pPr marL="0" algn="l" defTabSz="914400" rtl="0" eaLnBrk="1" latinLnBrk="0" hangingPunct="1">
+    <a:lvl1pPr marL="0" algn="l" defTabSz="457200" rtl="0" eaLnBrk="1" latinLnBrk="0" hangingPunct="1">
       <a:defRPr sz="1800" kern="1200">
         <a:solidFill>
           <a:schemeClr val="tx1"/>
@@ -24,7 +29,7 @@
         <a:cs typeface="+mn-cs"/>
       </a:defRPr>
     </a:lvl1pPr>
-    <a:lvl2pPr marL="457200" algn="l" defTabSz="914400" rtl="0" eaLnBrk="1" latinLnBrk="0" hangingPunct="1">
+    <a:lvl2pPr marL="457200" algn="l" defTabSz="457200" rtl="0" eaLnBrk="1" latinLnBrk="0" hangingPunct="1">
       <a:defRPr sz="1800" kern="1200">
         <a:solidFill>
           <a:schemeClr val="tx1"/>
@@ -34,7 +39,7 @@
         <a:cs typeface="+mn-cs"/>
       </a:defRPr>
     </a:lvl2pPr>
-    <a:lvl3pPr marL="914400" algn="l" defTabSz="914400" rtl="0" eaLnBrk="1" latinLnBrk="0" hangingPunct="1">
+    <a:lvl3pPr marL="914400" algn="l" defTabSz="457200" rtl="0" eaLnBrk="1" latinLnBrk="0" hangingPunct="1">
       <a:defRPr sz="1800" kern="1200">
         <a:solidFill>
           <a:schemeClr val="tx1"/>
@@ -44,7 +49,7 @@
         <a:cs typeface="+mn-cs"/>
       </a:defRPr>
     </a:lvl3pPr>
-    <a:lvl4pPr marL="1371600" algn="l" defTabSz="914400" rtl="0" eaLnBrk="1" latinLnBrk="0" hangingPunct="1">
+    <a:lvl4pPr marL="1371600" algn="l" defTabSz="457200" rtl="0" eaLnBrk="1" latinLnBrk="0" hangingPunct="1">
       <a:defRPr sz="1800" kern="1200">
         <a:solidFill>
           <a:schemeClr val="tx1"/>
@@ -54,7 +59,7 @@
         <a:cs typeface="+mn-cs"/>
       </a:defRPr>
     </a:lvl4pPr>
-    <a:lvl5pPr marL="1828800" algn="l" defTabSz="914400" rtl="0" eaLnBrk="1" latinLnBrk="0" hangingPunct="1">
+    <a:lvl5pPr marL="1828800" algn="l" defTabSz="457200" rtl="0" eaLnBrk="1" latinLnBrk="0" hangingPunct="1">
       <a:defRPr sz="1800" kern="1200">
         <a:solidFill>
           <a:schemeClr val="tx1"/>
@@ -64,7 +69,7 @@
         <a:cs typeface="+mn-cs"/>
       </a:defRPr>
     </a:lvl5pPr>
-    <a:lvl6pPr marL="2286000" algn="l" defTabSz="914400" rtl="0" eaLnBrk="1" latinLnBrk="0" hangingPunct="1">
+    <a:lvl6pPr marL="2286000" algn="l" defTabSz="457200" rtl="0" eaLnBrk="1" latinLnBrk="0" hangingPunct="1">
       <a:defRPr sz="1800" kern="1200">
         <a:solidFill>
           <a:schemeClr val="tx1"/>
@@ -74,7 +79,7 @@
         <a:cs typeface="+mn-cs"/>
       </a:defRPr>
     </a:lvl6pPr>
-    <a:lvl7pPr marL="2743200" algn="l" defTabSz="914400" rtl="0" eaLnBrk="1" latinLnBrk="0" hangingPunct="1">
+    <a:lvl7pPr marL="2743200" algn="l" defTabSz="457200" rtl="0" eaLnBrk="1" latinLnBrk="0" hangingPunct="1">
       <a:defRPr sz="1800" kern="1200">
         <a:solidFill>
           <a:schemeClr val="tx1"/>
@@ -84,7 +89,7 @@
         <a:cs typeface="+mn-cs"/>
       </a:defRPr>
     </a:lvl7pPr>
-    <a:lvl8pPr marL="3200400" algn="l" defTabSz="914400" rtl="0" eaLnBrk="1" latinLnBrk="0" hangingPunct="1">
+    <a:lvl8pPr marL="3200400" algn="l" defTabSz="457200" rtl="0" eaLnBrk="1" latinLnBrk="0" hangingPunct="1">
       <a:defRPr sz="1800" kern="1200">
         <a:solidFill>
           <a:schemeClr val="tx1"/>
@@ -94,7 +99,7 @@
         <a:cs typeface="+mn-cs"/>
       </a:defRPr>
     </a:lvl8pPr>
-    <a:lvl9pPr marL="3657600" algn="l" defTabSz="914400" rtl="0" eaLnBrk="1" latinLnBrk="0" hangingPunct="1">
+    <a:lvl9pPr marL="3657600" algn="l" defTabSz="457200" rtl="0" eaLnBrk="1" latinLnBrk="0" hangingPunct="1">
       <a:defRPr sz="1800" kern="1200">
         <a:solidFill>
           <a:schemeClr val="tx1"/>
@@ -105,12 +110,1195 @@
       </a:defRPr>
     </a:lvl9pPr>
   </p:defaultTextStyle>
+  <p:extLst>
+    <p:ext uri="{EFAFB233-063F-42B5-8137-9DF3F51BA10A}">
+      <p15:sldGuideLst xmlns:p15="http://schemas.microsoft.com/office/powerpoint/2012/main"/>
+    </p:ext>
+  </p:extLst>
 </p:presentation>
+</file>
+
+<file path=ppt/charts/chart1.xml><?xml version="1.0" encoding="utf-8"?>
+<c:chartSpace xmlns:c="http://schemas.openxmlformats.org/drawingml/2006/chart" xmlns:a="http://schemas.openxmlformats.org/drawingml/2006/main" xmlns:r="http://schemas.openxmlformats.org/officeDocument/2006/relationships" xmlns:c16r2="http://schemas.microsoft.com/office/drawing/2015/06/chart">
+  <c:date1904 val="0"/>
+  <c:lang val="en-US"/>
+  <c:roundedCorners val="0"/>
+  <mc:AlternateContent xmlns:mc="http://schemas.openxmlformats.org/markup-compatibility/2006">
+    <mc:Choice xmlns:c14="http://schemas.microsoft.com/office/drawing/2007/8/2/chart" Requires="c14">
+      <c14:style val="102"/>
+    </mc:Choice>
+    <mc:Fallback>
+      <c:style val="2"/>
+    </mc:Fallback>
+  </mc:AlternateContent>
+  <c:chart>
+    <c:title>
+      <c:overlay val="0"/>
+      <c:spPr>
+        <a:noFill/>
+        <a:ln>
+          <a:noFill/>
+        </a:ln>
+        <a:effectLst/>
+      </c:spPr>
+      <c:txPr>
+        <a:bodyPr rot="0" spcFirstLastPara="1" vertOverflow="ellipsis" vert="horz" wrap="square" anchor="ctr" anchorCtr="1"/>
+        <a:lstStyle/>
+        <a:p>
+          <a:pPr>
+            <a:defRPr sz="2200" b="0" i="0" u="none" strike="noStrike" kern="1200" cap="none" spc="0" normalizeH="0" baseline="0">
+              <a:solidFill>
+                <a:schemeClr val="tx1">
+                  <a:lumMod val="65000"/>
+                  <a:lumOff val="35000"/>
+                </a:schemeClr>
+              </a:solidFill>
+              <a:latin typeface="+mj-lt"/>
+              <a:ea typeface="+mj-ea"/>
+              <a:cs typeface="+mj-cs"/>
+            </a:defRPr>
+          </a:pPr>
+          <a:endParaRPr lang="en-US"/>
+        </a:p>
+      </c:txPr>
+    </c:title>
+    <c:autoTitleDeleted val="0"/>
+    <c:plotArea>
+      <c:layout/>
+      <c:barChart>
+        <c:barDir val="col"/>
+        <c:grouping val="clustered"/>
+        <c:varyColors val="0"/>
+        <c:ser>
+          <c:idx val="0"/>
+          <c:order val="0"/>
+          <c:tx>
+            <c:strRef>
+              <c:f>Sheet1!$B$1</c:f>
+              <c:strCache>
+                <c:ptCount val="1"/>
+                <c:pt idx="0">
+                  <c:v>Radix10</c:v>
+                </c:pt>
+              </c:strCache>
+            </c:strRef>
+          </c:tx>
+          <c:spPr>
+            <a:solidFill>
+              <a:schemeClr val="accent1"/>
+            </a:solidFill>
+            <a:ln>
+              <a:noFill/>
+            </a:ln>
+            <a:effectLst/>
+          </c:spPr>
+          <c:invertIfNegative val="0"/>
+          <c:cat>
+            <c:strRef>
+              <c:f>Sheet1!$A$2</c:f>
+              <c:strCache>
+                <c:ptCount val="1"/>
+                <c:pt idx="0">
+                  <c:v>Sortări</c:v>
+                </c:pt>
+              </c:strCache>
+            </c:strRef>
+          </c:cat>
+          <c:val>
+            <c:numRef>
+              <c:f>Sheet1!$B$2</c:f>
+              <c:numCache>
+                <c:formatCode>#,##0</c:formatCode>
+                <c:ptCount val="1"/>
+                <c:pt idx="0">
+                  <c:v>61.351999999999997</c:v>
+                </c:pt>
+              </c:numCache>
+            </c:numRef>
+          </c:val>
+          <c:extLst>
+            <c:ext xmlns:c16="http://schemas.microsoft.com/office/drawing/2014/chart" uri="{C3380CC4-5D6E-409C-BE32-E72D297353CC}">
+              <c16:uniqueId val="{00000000-3742-4284-B459-F27D5D4222D7}"/>
+            </c:ext>
+          </c:extLst>
+        </c:ser>
+        <c:ser>
+          <c:idx val="1"/>
+          <c:order val="1"/>
+          <c:tx>
+            <c:strRef>
+              <c:f>Sheet1!$C$1</c:f>
+              <c:strCache>
+                <c:ptCount val="1"/>
+                <c:pt idx="0">
+                  <c:v>Radix10.000</c:v>
+                </c:pt>
+              </c:strCache>
+            </c:strRef>
+          </c:tx>
+          <c:spPr>
+            <a:solidFill>
+              <a:schemeClr val="accent2"/>
+            </a:solidFill>
+            <a:ln>
+              <a:noFill/>
+            </a:ln>
+            <a:effectLst/>
+          </c:spPr>
+          <c:invertIfNegative val="0"/>
+          <c:cat>
+            <c:strRef>
+              <c:f>Sheet1!$A$2</c:f>
+              <c:strCache>
+                <c:ptCount val="1"/>
+                <c:pt idx="0">
+                  <c:v>Sortări</c:v>
+                </c:pt>
+              </c:strCache>
+            </c:strRef>
+          </c:cat>
+          <c:val>
+            <c:numRef>
+              <c:f>Sheet1!$C$2</c:f>
+              <c:numCache>
+                <c:formatCode>General</c:formatCode>
+                <c:ptCount val="1"/>
+                <c:pt idx="0">
+                  <c:v>23.13</c:v>
+                </c:pt>
+              </c:numCache>
+            </c:numRef>
+          </c:val>
+          <c:extLst>
+            <c:ext xmlns:c16="http://schemas.microsoft.com/office/drawing/2014/chart" uri="{C3380CC4-5D6E-409C-BE32-E72D297353CC}">
+              <c16:uniqueId val="{00000001-3742-4284-B459-F27D5D4222D7}"/>
+            </c:ext>
+          </c:extLst>
+        </c:ser>
+        <c:ser>
+          <c:idx val="2"/>
+          <c:order val="2"/>
+          <c:tx>
+            <c:strRef>
+              <c:f>Sheet1!$D$1</c:f>
+              <c:strCache>
+                <c:ptCount val="1"/>
+                <c:pt idx="0">
+                  <c:v>Radix2la16</c:v>
+                </c:pt>
+              </c:strCache>
+            </c:strRef>
+          </c:tx>
+          <c:spPr>
+            <a:solidFill>
+              <a:schemeClr val="accent3"/>
+            </a:solidFill>
+            <a:ln>
+              <a:noFill/>
+            </a:ln>
+            <a:effectLst/>
+          </c:spPr>
+          <c:invertIfNegative val="0"/>
+          <c:cat>
+            <c:strRef>
+              <c:f>Sheet1!$A$2</c:f>
+              <c:strCache>
+                <c:ptCount val="1"/>
+                <c:pt idx="0">
+                  <c:v>Sortări</c:v>
+                </c:pt>
+              </c:strCache>
+            </c:strRef>
+          </c:cat>
+          <c:val>
+            <c:numRef>
+              <c:f>Sheet1!$D$2</c:f>
+              <c:numCache>
+                <c:formatCode>General</c:formatCode>
+                <c:ptCount val="1"/>
+                <c:pt idx="0">
+                  <c:v>19.53</c:v>
+                </c:pt>
+              </c:numCache>
+            </c:numRef>
+          </c:val>
+          <c:extLst>
+            <c:ext xmlns:c16="http://schemas.microsoft.com/office/drawing/2014/chart" uri="{C3380CC4-5D6E-409C-BE32-E72D297353CC}">
+              <c16:uniqueId val="{00000002-3742-4284-B459-F27D5D4222D7}"/>
+            </c:ext>
+          </c:extLst>
+        </c:ser>
+        <c:ser>
+          <c:idx val="3"/>
+          <c:order val="3"/>
+          <c:tx>
+            <c:strRef>
+              <c:f>Sheet1!$E$1</c:f>
+              <c:strCache>
+                <c:ptCount val="1"/>
+                <c:pt idx="0">
+                  <c:v>Merge</c:v>
+                </c:pt>
+              </c:strCache>
+            </c:strRef>
+          </c:tx>
+          <c:spPr>
+            <a:solidFill>
+              <a:schemeClr val="accent4"/>
+            </a:solidFill>
+            <a:ln>
+              <a:noFill/>
+            </a:ln>
+            <a:effectLst/>
+          </c:spPr>
+          <c:invertIfNegative val="0"/>
+          <c:cat>
+            <c:strRef>
+              <c:f>Sheet1!$A$2</c:f>
+              <c:strCache>
+                <c:ptCount val="1"/>
+                <c:pt idx="0">
+                  <c:v>Sortări</c:v>
+                </c:pt>
+              </c:strCache>
+            </c:strRef>
+          </c:cat>
+          <c:val>
+            <c:numRef>
+              <c:f>Sheet1!$E$2</c:f>
+              <c:numCache>
+                <c:formatCode>#,##0</c:formatCode>
+                <c:ptCount val="1"/>
+                <c:pt idx="0">
+                  <c:v>135.60400000000001</c:v>
+                </c:pt>
+              </c:numCache>
+            </c:numRef>
+          </c:val>
+          <c:extLst>
+            <c:ext xmlns:c16="http://schemas.microsoft.com/office/drawing/2014/chart" uri="{C3380CC4-5D6E-409C-BE32-E72D297353CC}">
+              <c16:uniqueId val="{00000003-3742-4284-B459-F27D5D4222D7}"/>
+            </c:ext>
+          </c:extLst>
+        </c:ser>
+        <c:ser>
+          <c:idx val="4"/>
+          <c:order val="4"/>
+          <c:tx>
+            <c:strRef>
+              <c:f>Sheet1!$F$1</c:f>
+              <c:strCache>
+                <c:ptCount val="1"/>
+                <c:pt idx="0">
+                  <c:v>Shell</c:v>
+                </c:pt>
+              </c:strCache>
+            </c:strRef>
+          </c:tx>
+          <c:spPr>
+            <a:solidFill>
+              <a:schemeClr val="accent5"/>
+            </a:solidFill>
+            <a:ln>
+              <a:noFill/>
+            </a:ln>
+            <a:effectLst/>
+          </c:spPr>
+          <c:invertIfNegative val="0"/>
+          <c:cat>
+            <c:strRef>
+              <c:f>Sheet1!$A$2</c:f>
+              <c:strCache>
+                <c:ptCount val="1"/>
+                <c:pt idx="0">
+                  <c:v>Sortări</c:v>
+                </c:pt>
+              </c:strCache>
+            </c:strRef>
+          </c:cat>
+          <c:val>
+            <c:numRef>
+              <c:f>Sheet1!$F$2</c:f>
+              <c:numCache>
+                <c:formatCode>General</c:formatCode>
+                <c:ptCount val="1"/>
+                <c:pt idx="0">
+                  <c:v>157</c:v>
+                </c:pt>
+              </c:numCache>
+            </c:numRef>
+          </c:val>
+          <c:extLst>
+            <c:ext xmlns:c16="http://schemas.microsoft.com/office/drawing/2014/chart" uri="{C3380CC4-5D6E-409C-BE32-E72D297353CC}">
+              <c16:uniqueId val="{00000004-3742-4284-B459-F27D5D4222D7}"/>
+            </c:ext>
+          </c:extLst>
+        </c:ser>
+        <c:ser>
+          <c:idx val="5"/>
+          <c:order val="5"/>
+          <c:tx>
+            <c:strRef>
+              <c:f>Sheet1!$G$1</c:f>
+              <c:strCache>
+                <c:ptCount val="1"/>
+                <c:pt idx="0">
+                  <c:v>Count</c:v>
+                </c:pt>
+              </c:strCache>
+            </c:strRef>
+          </c:tx>
+          <c:spPr>
+            <a:solidFill>
+              <a:schemeClr val="accent6"/>
+            </a:solidFill>
+            <a:ln>
+              <a:noFill/>
+            </a:ln>
+            <a:effectLst/>
+          </c:spPr>
+          <c:invertIfNegative val="0"/>
+          <c:cat>
+            <c:strRef>
+              <c:f>Sheet1!$A$2</c:f>
+              <c:strCache>
+                <c:ptCount val="1"/>
+                <c:pt idx="0">
+                  <c:v>Sortări</c:v>
+                </c:pt>
+              </c:strCache>
+            </c:strRef>
+          </c:cat>
+          <c:val>
+            <c:numRef>
+              <c:f>Sheet1!$G$2</c:f>
+              <c:numCache>
+                <c:formatCode>General</c:formatCode>
+                <c:ptCount val="1"/>
+                <c:pt idx="0">
+                  <c:v>49</c:v>
+                </c:pt>
+              </c:numCache>
+            </c:numRef>
+          </c:val>
+          <c:extLst>
+            <c:ext xmlns:c16="http://schemas.microsoft.com/office/drawing/2014/chart" uri="{C3380CC4-5D6E-409C-BE32-E72D297353CC}">
+              <c16:uniqueId val="{00000005-3742-4284-B459-F27D5D4222D7}"/>
+            </c:ext>
+          </c:extLst>
+        </c:ser>
+        <c:ser>
+          <c:idx val="6"/>
+          <c:order val="6"/>
+          <c:tx>
+            <c:strRef>
+              <c:f>Sheet1!$H$1</c:f>
+              <c:strCache>
+                <c:ptCount val="1"/>
+                <c:pt idx="0">
+                  <c:v>Quick</c:v>
+                </c:pt>
+              </c:strCache>
+            </c:strRef>
+          </c:tx>
+          <c:spPr>
+            <a:solidFill>
+              <a:schemeClr val="accent1">
+                <a:lumMod val="60000"/>
+              </a:schemeClr>
+            </a:solidFill>
+            <a:ln>
+              <a:noFill/>
+            </a:ln>
+            <a:effectLst/>
+          </c:spPr>
+          <c:invertIfNegative val="0"/>
+          <c:cat>
+            <c:strRef>
+              <c:f>Sheet1!$A$2</c:f>
+              <c:strCache>
+                <c:ptCount val="1"/>
+                <c:pt idx="0">
+                  <c:v>Sortări</c:v>
+                </c:pt>
+              </c:strCache>
+            </c:strRef>
+          </c:cat>
+          <c:val>
+            <c:numRef>
+              <c:f>Sheet1!$H$2</c:f>
+              <c:numCache>
+                <c:formatCode>General</c:formatCode>
+                <c:ptCount val="1"/>
+                <c:pt idx="0">
+                  <c:v>123</c:v>
+                </c:pt>
+              </c:numCache>
+            </c:numRef>
+          </c:val>
+          <c:extLst>
+            <c:ext xmlns:c16="http://schemas.microsoft.com/office/drawing/2014/chart" uri="{C3380CC4-5D6E-409C-BE32-E72D297353CC}">
+              <c16:uniqueId val="{00000006-3742-4284-B459-F27D5D4222D7}"/>
+            </c:ext>
+          </c:extLst>
+        </c:ser>
+        <c:dLbls>
+          <c:showLegendKey val="0"/>
+          <c:showVal val="0"/>
+          <c:showCatName val="0"/>
+          <c:showSerName val="0"/>
+          <c:showPercent val="0"/>
+          <c:showBubbleSize val="0"/>
+        </c:dLbls>
+        <c:gapWidth val="199"/>
+        <c:axId val="1465931712"/>
+        <c:axId val="1465497648"/>
+      </c:barChart>
+      <c:catAx>
+        <c:axId val="1465931712"/>
+        <c:scaling>
+          <c:orientation val="minMax"/>
+        </c:scaling>
+        <c:delete val="0"/>
+        <c:axPos val="b"/>
+        <c:numFmt formatCode="General" sourceLinked="1"/>
+        <c:majorTickMark val="none"/>
+        <c:minorTickMark val="none"/>
+        <c:tickLblPos val="nextTo"/>
+        <c:spPr>
+          <a:noFill/>
+          <a:ln w="9525" cap="flat" cmpd="sng" algn="ctr">
+            <a:solidFill>
+              <a:schemeClr val="tx1">
+                <a:lumMod val="15000"/>
+                <a:lumOff val="85000"/>
+              </a:schemeClr>
+            </a:solidFill>
+            <a:round/>
+          </a:ln>
+          <a:effectLst/>
+        </c:spPr>
+        <c:txPr>
+          <a:bodyPr rot="-60000000" spcFirstLastPara="1" vertOverflow="ellipsis" vert="horz" wrap="square" anchor="ctr" anchorCtr="1"/>
+          <a:lstStyle/>
+          <a:p>
+            <a:pPr>
+              <a:defRPr sz="1197" b="0" i="0" u="none" strike="noStrike" kern="1200" cap="none" spc="0" normalizeH="0" baseline="0">
+                <a:solidFill>
+                  <a:schemeClr val="tx1">
+                    <a:lumMod val="65000"/>
+                    <a:lumOff val="35000"/>
+                  </a:schemeClr>
+                </a:solidFill>
+                <a:latin typeface="+mn-lt"/>
+                <a:ea typeface="+mn-ea"/>
+                <a:cs typeface="+mn-cs"/>
+              </a:defRPr>
+            </a:pPr>
+            <a:endParaRPr lang="en-US"/>
+          </a:p>
+        </c:txPr>
+        <c:crossAx val="1465497648"/>
+        <c:crosses val="autoZero"/>
+        <c:auto val="1"/>
+        <c:lblAlgn val="ctr"/>
+        <c:lblOffset val="100"/>
+        <c:noMultiLvlLbl val="0"/>
+      </c:catAx>
+      <c:valAx>
+        <c:axId val="1465497648"/>
+        <c:scaling>
+          <c:orientation val="minMax"/>
+        </c:scaling>
+        <c:delete val="0"/>
+        <c:axPos val="l"/>
+        <c:majorGridlines>
+          <c:spPr>
+            <a:ln w="9525" cap="flat" cmpd="sng" algn="ctr">
+              <a:solidFill>
+                <a:schemeClr val="tx1">
+                  <a:lumMod val="15000"/>
+                  <a:lumOff val="85000"/>
+                </a:schemeClr>
+              </a:solidFill>
+              <a:round/>
+            </a:ln>
+            <a:effectLst/>
+          </c:spPr>
+        </c:majorGridlines>
+        <c:minorGridlines>
+          <c:spPr>
+            <a:ln w="9525" cap="flat" cmpd="sng" algn="ctr">
+              <a:solidFill>
+                <a:schemeClr val="tx1">
+                  <a:lumMod val="5000"/>
+                  <a:lumOff val="95000"/>
+                </a:schemeClr>
+              </a:solidFill>
+              <a:round/>
+            </a:ln>
+            <a:effectLst/>
+          </c:spPr>
+        </c:minorGridlines>
+        <c:numFmt formatCode="#,##0" sourceLinked="1"/>
+        <c:majorTickMark val="none"/>
+        <c:minorTickMark val="none"/>
+        <c:tickLblPos val="nextTo"/>
+        <c:spPr>
+          <a:noFill/>
+          <a:ln>
+            <a:noFill/>
+          </a:ln>
+          <a:effectLst/>
+        </c:spPr>
+        <c:txPr>
+          <a:bodyPr rot="-60000000" spcFirstLastPara="1" vertOverflow="ellipsis" vert="horz" wrap="square" anchor="ctr" anchorCtr="1"/>
+          <a:lstStyle/>
+          <a:p>
+            <a:pPr>
+              <a:defRPr sz="1197" b="0" i="0" u="none" strike="noStrike" kern="1200" baseline="0">
+                <a:solidFill>
+                  <a:schemeClr val="tx1">
+                    <a:lumMod val="65000"/>
+                    <a:lumOff val="35000"/>
+                  </a:schemeClr>
+                </a:solidFill>
+                <a:latin typeface="+mn-lt"/>
+                <a:ea typeface="+mn-ea"/>
+                <a:cs typeface="+mn-cs"/>
+              </a:defRPr>
+            </a:pPr>
+            <a:endParaRPr lang="en-US"/>
+          </a:p>
+        </c:txPr>
+        <c:crossAx val="1465931712"/>
+        <c:crosses val="autoZero"/>
+        <c:crossBetween val="between"/>
+      </c:valAx>
+      <c:spPr>
+        <a:noFill/>
+        <a:ln>
+          <a:noFill/>
+        </a:ln>
+        <a:effectLst/>
+      </c:spPr>
+    </c:plotArea>
+    <c:legend>
+      <c:legendPos val="t"/>
+      <c:overlay val="0"/>
+      <c:spPr>
+        <a:noFill/>
+        <a:ln>
+          <a:noFill/>
+        </a:ln>
+        <a:effectLst/>
+      </c:spPr>
+      <c:txPr>
+        <a:bodyPr rot="0" spcFirstLastPara="1" vertOverflow="ellipsis" vert="horz" wrap="square" anchor="ctr" anchorCtr="1"/>
+        <a:lstStyle/>
+        <a:p>
+          <a:pPr>
+            <a:defRPr sz="1197" b="0" i="0" u="none" strike="noStrike" kern="1200" baseline="0">
+              <a:solidFill>
+                <a:schemeClr val="tx1">
+                  <a:lumMod val="65000"/>
+                  <a:lumOff val="35000"/>
+                </a:schemeClr>
+              </a:solidFill>
+              <a:latin typeface="+mn-lt"/>
+              <a:ea typeface="+mn-ea"/>
+              <a:cs typeface="+mn-cs"/>
+            </a:defRPr>
+          </a:pPr>
+          <a:endParaRPr lang="en-US"/>
+        </a:p>
+      </c:txPr>
+    </c:legend>
+    <c:plotVisOnly val="1"/>
+    <c:dispBlanksAs val="gap"/>
+    <c:extLst>
+      <c:ext xmlns:c16r3="http://schemas.microsoft.com/office/drawing/2017/03/chart" uri="{56B9EC1D-385E-4148-901F-78D8002777C0}">
+        <c16r3:dataDisplayOptions16>
+          <c16r3:dispNaAsBlank val="1"/>
+        </c16r3:dataDisplayOptions16>
+      </c:ext>
+    </c:extLst>
+    <c:showDLblsOverMax val="0"/>
+  </c:chart>
+  <c:spPr>
+    <a:noFill/>
+    <a:ln>
+      <a:noFill/>
+    </a:ln>
+    <a:effectLst/>
+  </c:spPr>
+  <c:txPr>
+    <a:bodyPr/>
+    <a:lstStyle/>
+    <a:p>
+      <a:pPr>
+        <a:defRPr/>
+      </a:pPr>
+      <a:endParaRPr lang="en-US"/>
+    </a:p>
+  </c:txPr>
+  <c:externalData r:id="rId3">
+    <c:autoUpdate val="0"/>
+  </c:externalData>
+</c:chartSpace>
+</file>
+
+<file path=ppt/charts/colors1.xml><?xml version="1.0" encoding="utf-8"?>
+<cs:colorStyle xmlns:cs="http://schemas.microsoft.com/office/drawing/2012/chartStyle" xmlns:a="http://schemas.openxmlformats.org/drawingml/2006/main" meth="cycle" id="10">
+  <a:schemeClr val="accent1"/>
+  <a:schemeClr val="accent2"/>
+  <a:schemeClr val="accent3"/>
+  <a:schemeClr val="accent4"/>
+  <a:schemeClr val="accent5"/>
+  <a:schemeClr val="accent6"/>
+  <cs:variation/>
+  <cs:variation>
+    <a:lumMod val="60000"/>
+  </cs:variation>
+  <cs:variation>
+    <a:lumMod val="80000"/>
+    <a:lumOff val="20000"/>
+  </cs:variation>
+  <cs:variation>
+    <a:lumMod val="80000"/>
+  </cs:variation>
+  <cs:variation>
+    <a:lumMod val="60000"/>
+    <a:lumOff val="40000"/>
+  </cs:variation>
+  <cs:variation>
+    <a:lumMod val="50000"/>
+  </cs:variation>
+  <cs:variation>
+    <a:lumMod val="70000"/>
+    <a:lumOff val="30000"/>
+  </cs:variation>
+  <cs:variation>
+    <a:lumMod val="70000"/>
+  </cs:variation>
+  <cs:variation>
+    <a:lumMod val="50000"/>
+    <a:lumOff val="50000"/>
+  </cs:variation>
+</cs:colorStyle>
+</file>
+
+<file path=ppt/charts/style1.xml><?xml version="1.0" encoding="utf-8"?>
+<cs:chartStyle xmlns:cs="http://schemas.microsoft.com/office/drawing/2012/chartStyle" xmlns:a="http://schemas.openxmlformats.org/drawingml/2006/main" id="212">
+  <cs:axisTitle>
+    <cs:lnRef idx="0"/>
+    <cs:fillRef idx="0"/>
+    <cs:effectRef idx="0"/>
+    <cs:fontRef idx="minor">
+      <a:schemeClr val="tx1">
+        <a:lumMod val="65000"/>
+        <a:lumOff val="35000"/>
+      </a:schemeClr>
+    </cs:fontRef>
+    <cs:defRPr sz="1197" kern="1200" cap="all"/>
+  </cs:axisTitle>
+  <cs:categoryAxis>
+    <cs:lnRef idx="0"/>
+    <cs:fillRef idx="0"/>
+    <cs:effectRef idx="0"/>
+    <cs:fontRef idx="minor">
+      <a:schemeClr val="tx1">
+        <a:lumMod val="65000"/>
+        <a:lumOff val="35000"/>
+      </a:schemeClr>
+    </cs:fontRef>
+    <cs:spPr>
+      <a:ln w="9525" cap="flat" cmpd="sng" algn="ctr">
+        <a:solidFill>
+          <a:schemeClr val="tx1">
+            <a:lumMod val="15000"/>
+            <a:lumOff val="85000"/>
+          </a:schemeClr>
+        </a:solidFill>
+        <a:round/>
+      </a:ln>
+    </cs:spPr>
+    <cs:defRPr sz="1197" b="0" kern="1200" cap="none" spc="0" normalizeH="0" baseline="0"/>
+  </cs:categoryAxis>
+  <cs:chartArea mods="allowNoFillOverride allowNoLineOverride">
+    <cs:lnRef idx="0"/>
+    <cs:fillRef idx="0"/>
+    <cs:effectRef idx="0"/>
+    <cs:fontRef idx="minor">
+      <a:schemeClr val="dk1"/>
+    </cs:fontRef>
+    <cs:spPr>
+      <a:solidFill>
+        <a:schemeClr val="bg1"/>
+      </a:solidFill>
+      <a:ln w="9525" cap="flat" cmpd="sng" algn="ctr">
+        <a:solidFill>
+          <a:schemeClr val="tx1">
+            <a:lumMod val="15000"/>
+            <a:lumOff val="85000"/>
+          </a:schemeClr>
+        </a:solidFill>
+        <a:round/>
+      </a:ln>
+    </cs:spPr>
+    <cs:defRPr sz="1197" kern="1200"/>
+  </cs:chartArea>
+  <cs:dataLabel>
+    <cs:lnRef idx="0"/>
+    <cs:fillRef idx="0"/>
+    <cs:effectRef idx="0"/>
+    <cs:fontRef idx="minor">
+      <a:schemeClr val="tx1">
+        <a:lumMod val="75000"/>
+        <a:lumOff val="25000"/>
+      </a:schemeClr>
+    </cs:fontRef>
+    <cs:defRPr sz="1197" kern="1200"/>
+  </cs:dataLabel>
+  <cs:dataLabelCallout>
+    <cs:lnRef idx="0"/>
+    <cs:fillRef idx="0"/>
+    <cs:effectRef idx="0"/>
+    <cs:fontRef idx="minor">
+      <a:schemeClr val="dk1">
+        <a:lumMod val="75000"/>
+        <a:lumOff val="25000"/>
+      </a:schemeClr>
+    </cs:fontRef>
+    <cs:spPr>
+      <a:solidFill>
+        <a:schemeClr val="dk1">
+          <a:lumMod val="15000"/>
+          <a:lumOff val="85000"/>
+        </a:schemeClr>
+      </a:solidFill>
+    </cs:spPr>
+    <cs:defRPr sz="1197" kern="1200"/>
+    <cs:bodyPr rot="0" spcFirstLastPara="1" vertOverflow="clip" horzOverflow="clip" vert="horz" wrap="square" lIns="36576" tIns="18288" rIns="36576" bIns="18288" anchor="ctr" anchorCtr="1">
+      <a:spAutoFit/>
+    </cs:bodyPr>
+  </cs:dataLabelCallout>
+  <cs:dataPoint>
+    <cs:lnRef idx="0"/>
+    <cs:fillRef idx="0">
+      <cs:styleClr val="auto"/>
+    </cs:fillRef>
+    <cs:effectRef idx="0"/>
+    <cs:fontRef idx="minor">
+      <a:schemeClr val="dk1"/>
+    </cs:fontRef>
+    <cs:spPr>
+      <a:solidFill>
+        <a:schemeClr val="phClr"/>
+      </a:solidFill>
+    </cs:spPr>
+  </cs:dataPoint>
+  <cs:dataPoint3D>
+    <cs:lnRef idx="0"/>
+    <cs:fillRef idx="0">
+      <cs:styleClr val="auto"/>
+    </cs:fillRef>
+    <cs:effectRef idx="0"/>
+    <cs:fontRef idx="minor">
+      <a:schemeClr val="dk1"/>
+    </cs:fontRef>
+    <cs:spPr>
+      <a:solidFill>
+        <a:schemeClr val="phClr"/>
+      </a:solidFill>
+    </cs:spPr>
+  </cs:dataPoint3D>
+  <cs:dataPointLine>
+    <cs:lnRef idx="0">
+      <cs:styleClr val="auto"/>
+    </cs:lnRef>
+    <cs:fillRef idx="0"/>
+    <cs:effectRef idx="0"/>
+    <cs:fontRef idx="minor">
+      <a:schemeClr val="dk1"/>
+    </cs:fontRef>
+    <cs:spPr>
+      <a:ln w="38100" cap="rnd">
+        <a:solidFill>
+          <a:schemeClr val="phClr"/>
+        </a:solidFill>
+        <a:round/>
+      </a:ln>
+    </cs:spPr>
+  </cs:dataPointLine>
+  <cs:dataPointMarker>
+    <cs:lnRef idx="0"/>
+    <cs:fillRef idx="0">
+      <cs:styleClr val="auto"/>
+    </cs:fillRef>
+    <cs:effectRef idx="0"/>
+    <cs:fontRef idx="minor">
+      <a:schemeClr val="dk1"/>
+    </cs:fontRef>
+    <cs:spPr>
+      <a:solidFill>
+        <a:schemeClr val="phClr"/>
+      </a:solidFill>
+    </cs:spPr>
+  </cs:dataPointMarker>
+  <cs:dataPointMarkerLayout symbol="circle" size="8"/>
+  <cs:dataPointWireframe>
+    <cs:lnRef idx="0">
+      <cs:styleClr val="auto"/>
+    </cs:lnRef>
+    <cs:fillRef idx="0"/>
+    <cs:effectRef idx="0"/>
+    <cs:fontRef idx="minor">
+      <a:schemeClr val="dk1"/>
+    </cs:fontRef>
+    <cs:spPr>
+      <a:ln w="9525" cap="rnd">
+        <a:solidFill>
+          <a:schemeClr val="phClr"/>
+        </a:solidFill>
+        <a:round/>
+      </a:ln>
+    </cs:spPr>
+  </cs:dataPointWireframe>
+  <cs:dataTable>
+    <cs:lnRef idx="0"/>
+    <cs:fillRef idx="0"/>
+    <cs:effectRef idx="0"/>
+    <cs:fontRef idx="minor">
+      <a:schemeClr val="tx1">
+        <a:lumMod val="65000"/>
+        <a:lumOff val="35000"/>
+      </a:schemeClr>
+    </cs:fontRef>
+    <cs:spPr>
+      <a:ln w="9525">
+        <a:solidFill>
+          <a:schemeClr val="tx1">
+            <a:lumMod val="15000"/>
+            <a:lumOff val="85000"/>
+          </a:schemeClr>
+        </a:solidFill>
+      </a:ln>
+    </cs:spPr>
+    <cs:defRPr sz="1197" kern="1200"/>
+  </cs:dataTable>
+  <cs:downBar>
+    <cs:lnRef idx="0"/>
+    <cs:fillRef idx="0"/>
+    <cs:effectRef idx="0"/>
+    <cs:fontRef idx="minor">
+      <a:schemeClr val="dk1"/>
+    </cs:fontRef>
+    <cs:spPr>
+      <a:solidFill>
+        <a:schemeClr val="dk1">
+          <a:lumMod val="75000"/>
+          <a:lumOff val="25000"/>
+        </a:schemeClr>
+      </a:solidFill>
+      <a:ln w="9525">
+        <a:solidFill>
+          <a:schemeClr val="tx1">
+            <a:lumMod val="50000"/>
+            <a:lumOff val="50000"/>
+          </a:schemeClr>
+        </a:solidFill>
+      </a:ln>
+    </cs:spPr>
+  </cs:downBar>
+  <cs:dropLine>
+    <cs:lnRef idx="0"/>
+    <cs:fillRef idx="0"/>
+    <cs:effectRef idx="0"/>
+    <cs:fontRef idx="minor">
+      <a:schemeClr val="dk1"/>
+    </cs:fontRef>
+    <cs:spPr>
+      <a:ln w="9525">
+        <a:solidFill>
+          <a:schemeClr val="tx1">
+            <a:lumMod val="50000"/>
+            <a:lumOff val="50000"/>
+          </a:schemeClr>
+        </a:solidFill>
+        <a:prstDash val="dash"/>
+      </a:ln>
+    </cs:spPr>
+  </cs:dropLine>
+  <cs:errorBar>
+    <cs:lnRef idx="0"/>
+    <cs:fillRef idx="0"/>
+    <cs:effectRef idx="0"/>
+    <cs:fontRef idx="minor">
+      <a:schemeClr val="dk1"/>
+    </cs:fontRef>
+    <cs:spPr>
+      <a:ln w="9525">
+        <a:solidFill>
+          <a:schemeClr val="tx1">
+            <a:lumMod val="50000"/>
+            <a:lumOff val="50000"/>
+          </a:schemeClr>
+        </a:solidFill>
+        <a:round/>
+      </a:ln>
+    </cs:spPr>
+  </cs:errorBar>
+  <cs:floor>
+    <cs:lnRef idx="0"/>
+    <cs:fillRef idx="0"/>
+    <cs:effectRef idx="0"/>
+    <cs:fontRef idx="minor">
+      <a:schemeClr val="dk1"/>
+    </cs:fontRef>
+  </cs:floor>
+  <cs:gridlineMajor>
+    <cs:lnRef idx="0"/>
+    <cs:fillRef idx="0"/>
+    <cs:effectRef idx="0"/>
+    <cs:fontRef idx="minor">
+      <a:schemeClr val="dk1"/>
+    </cs:fontRef>
+    <cs:spPr>
+      <a:ln w="9525" cap="flat" cmpd="sng" algn="ctr">
+        <a:solidFill>
+          <a:schemeClr val="tx1">
+            <a:lumMod val="15000"/>
+            <a:lumOff val="85000"/>
+          </a:schemeClr>
+        </a:solidFill>
+        <a:round/>
+      </a:ln>
+    </cs:spPr>
+  </cs:gridlineMajor>
+  <cs:gridlineMinor>
+    <cs:lnRef idx="0"/>
+    <cs:fillRef idx="0"/>
+    <cs:effectRef idx="0"/>
+    <cs:fontRef idx="minor">
+      <a:schemeClr val="dk1"/>
+    </cs:fontRef>
+    <cs:spPr>
+      <a:ln w="9525" cap="flat" cmpd="sng" algn="ctr">
+        <a:solidFill>
+          <a:schemeClr val="tx1">
+            <a:lumMod val="5000"/>
+            <a:lumOff val="95000"/>
+          </a:schemeClr>
+        </a:solidFill>
+        <a:round/>
+      </a:ln>
+    </cs:spPr>
+  </cs:gridlineMinor>
+  <cs:hiLoLine>
+    <cs:lnRef idx="0"/>
+    <cs:fillRef idx="0"/>
+    <cs:effectRef idx="0"/>
+    <cs:fontRef idx="minor">
+      <a:schemeClr val="dk1"/>
+    </cs:fontRef>
+    <cs:spPr>
+      <a:ln w="9525">
+        <a:solidFill>
+          <a:schemeClr val="tx1">
+            <a:lumMod val="50000"/>
+            <a:lumOff val="50000"/>
+          </a:schemeClr>
+        </a:solidFill>
+        <a:prstDash val="dash"/>
+      </a:ln>
+    </cs:spPr>
+  </cs:hiLoLine>
+  <cs:leaderLine>
+    <cs:lnRef idx="0"/>
+    <cs:fillRef idx="0"/>
+    <cs:effectRef idx="0"/>
+    <cs:fontRef idx="minor">
+      <a:schemeClr val="dk1"/>
+    </cs:fontRef>
+    <cs:spPr>
+      <a:ln w="9525">
+        <a:solidFill>
+          <a:schemeClr val="tx1">
+            <a:lumMod val="35000"/>
+            <a:lumOff val="65000"/>
+          </a:schemeClr>
+        </a:solidFill>
+      </a:ln>
+    </cs:spPr>
+  </cs:leaderLine>
+  <cs:legend>
+    <cs:lnRef idx="0"/>
+    <cs:fillRef idx="0"/>
+    <cs:effectRef idx="0"/>
+    <cs:fontRef idx="minor">
+      <a:schemeClr val="tx1">
+        <a:lumMod val="65000"/>
+        <a:lumOff val="35000"/>
+      </a:schemeClr>
+    </cs:fontRef>
+    <cs:defRPr sz="1197" kern="1200"/>
+  </cs:legend>
+  <cs:plotArea mods="allowNoFillOverride allowNoLineOverride">
+    <cs:lnRef idx="0"/>
+    <cs:fillRef idx="0"/>
+    <cs:effectRef idx="0"/>
+    <cs:fontRef idx="minor">
+      <a:schemeClr val="dk1"/>
+    </cs:fontRef>
+  </cs:plotArea>
+  <cs:plotArea3D mods="allowNoFillOverride allowNoLineOverride">
+    <cs:lnRef idx="0"/>
+    <cs:fillRef idx="0"/>
+    <cs:effectRef idx="0"/>
+    <cs:fontRef idx="minor">
+      <a:schemeClr val="dk1"/>
+    </cs:fontRef>
+  </cs:plotArea3D>
+  <cs:seriesAxis>
+    <cs:lnRef idx="0"/>
+    <cs:fillRef idx="0"/>
+    <cs:effectRef idx="0"/>
+    <cs:fontRef idx="minor">
+      <a:schemeClr val="tx1">
+        <a:lumMod val="65000"/>
+        <a:lumOff val="35000"/>
+      </a:schemeClr>
+    </cs:fontRef>
+    <cs:spPr>
+      <a:ln w="9525" cap="flat" cmpd="sng" algn="ctr">
+        <a:solidFill>
+          <a:schemeClr val="tx1">
+            <a:lumMod val="15000"/>
+            <a:lumOff val="85000"/>
+          </a:schemeClr>
+        </a:solidFill>
+        <a:round/>
+      </a:ln>
+    </cs:spPr>
+    <cs:defRPr sz="1197" kern="1200"/>
+  </cs:seriesAxis>
+  <cs:seriesLine>
+    <cs:lnRef idx="0"/>
+    <cs:fillRef idx="0"/>
+    <cs:effectRef idx="0"/>
+    <cs:fontRef idx="minor">
+      <a:schemeClr val="dk1"/>
+    </cs:fontRef>
+    <cs:spPr>
+      <a:ln w="9525">
+        <a:solidFill>
+          <a:schemeClr val="tx1">
+            <a:lumMod val="35000"/>
+            <a:lumOff val="65000"/>
+          </a:schemeClr>
+        </a:solidFill>
+        <a:round/>
+      </a:ln>
+    </cs:spPr>
+  </cs:seriesLine>
+  <cs:title>
+    <cs:lnRef idx="0"/>
+    <cs:fillRef idx="0"/>
+    <cs:effectRef idx="0"/>
+    <cs:fontRef idx="major">
+      <a:schemeClr val="tx1">
+        <a:lumMod val="65000"/>
+        <a:lumOff val="35000"/>
+      </a:schemeClr>
+    </cs:fontRef>
+    <cs:defRPr sz="2200" b="0" kern="1200" cap="none" spc="0" normalizeH="0" baseline="0"/>
+  </cs:title>
+  <cs:trendline>
+    <cs:lnRef idx="0">
+      <cs:styleClr val="auto"/>
+    </cs:lnRef>
+    <cs:fillRef idx="0"/>
+    <cs:effectRef idx="0"/>
+    <cs:fontRef idx="minor">
+      <a:schemeClr val="dk1"/>
+    </cs:fontRef>
+    <cs:spPr>
+      <a:ln w="19050" cap="rnd">
+        <a:solidFill>
+          <a:schemeClr val="phClr"/>
+        </a:solidFill>
+        <a:round/>
+      </a:ln>
+    </cs:spPr>
+  </cs:trendline>
+  <cs:trendlineLabel>
+    <cs:lnRef idx="0"/>
+    <cs:fillRef idx="0"/>
+    <cs:effectRef idx="0"/>
+    <cs:fontRef idx="minor">
+      <a:schemeClr val="tx1">
+        <a:lumMod val="65000"/>
+        <a:lumOff val="35000"/>
+      </a:schemeClr>
+    </cs:fontRef>
+    <cs:defRPr sz="1197" kern="1200"/>
+  </cs:trendlineLabel>
+  <cs:upBar>
+    <cs:lnRef idx="0"/>
+    <cs:fillRef idx="0"/>
+    <cs:effectRef idx="0"/>
+    <cs:fontRef idx="minor">
+      <a:schemeClr val="dk1"/>
+    </cs:fontRef>
+    <cs:spPr>
+      <a:solidFill>
+        <a:schemeClr val="lt1"/>
+      </a:solidFill>
+      <a:ln w="9525">
+        <a:solidFill>
+          <a:schemeClr val="tx1">
+            <a:lumMod val="50000"/>
+            <a:lumOff val="50000"/>
+          </a:schemeClr>
+        </a:solidFill>
+      </a:ln>
+    </cs:spPr>
+  </cs:upBar>
+  <cs:valueAxis>
+    <cs:lnRef idx="0"/>
+    <cs:fillRef idx="0"/>
+    <cs:effectRef idx="0"/>
+    <cs:fontRef idx="minor">
+      <a:schemeClr val="tx1">
+        <a:lumMod val="65000"/>
+        <a:lumOff val="35000"/>
+      </a:schemeClr>
+    </cs:fontRef>
+    <cs:defRPr sz="1197" kern="1200"/>
+  </cs:valueAxis>
+  <cs:wall>
+    <cs:lnRef idx="0"/>
+    <cs:fillRef idx="0"/>
+    <cs:effectRef idx="0"/>
+    <cs:fontRef idx="minor">
+      <a:schemeClr val="dk1"/>
+    </cs:fontRef>
+  </cs:wall>
+</cs:chartStyle>
 </file>
 
 <file path=ppt/slideLayouts/slideLayout1.xml><?xml version="1.0" encoding="utf-8"?>
 <p:sldLayout xmlns:a="http://schemas.openxmlformats.org/drawingml/2006/main" xmlns:r="http://schemas.openxmlformats.org/officeDocument/2006/relationships" xmlns:p="http://schemas.openxmlformats.org/presentationml/2006/main" type="title" preserve="1">
   <p:cSld name="Title Slide">
+    <p:bg>
+      <p:bgPr>
+        <a:solidFill>
+          <a:schemeClr val="accent2"/>
+        </a:solidFill>
+        <a:effectLst/>
+      </p:bgPr>
+    </p:bg>
     <p:spTree>
       <p:nvGrpSpPr>
         <p:cNvPr id="1" name=""/>
@@ -127,69 +1315,82 @@
       </p:grpSpPr>
       <p:sp>
         <p:nvSpPr>
-          <p:cNvPr id="2" name="Title 1">
-            <a:extLst>
-              <a:ext uri="{FF2B5EF4-FFF2-40B4-BE49-F238E27FC236}">
-                <a16:creationId xmlns:a16="http://schemas.microsoft.com/office/drawing/2014/main" id="{817EE2A4-1329-62D6-6BA3-6DE73644BFC6}"/>
-              </a:ext>
-            </a:extLst>
-          </p:cNvPr>
+          <p:cNvPr id="2" name="Title 1"/>
           <p:cNvSpPr>
             <a:spLocks noGrp="1"/>
           </p:cNvSpPr>
           <p:nvPr>
             <p:ph type="ctrTitle"/>
+          </p:nvPr>
+        </p:nvSpPr>
+        <p:spPr bwMode="blackWhite">
+          <a:xfrm>
+            <a:off x="1600200" y="2386744"/>
+            <a:ext cx="8991600" cy="1645920"/>
+          </a:xfrm>
+          <a:solidFill>
+            <a:srgbClr val="FFFFFF"/>
+          </a:solidFill>
+          <a:ln w="38100">
+            <a:solidFill>
+              <a:srgbClr val="404040"/>
+            </a:solidFill>
+          </a:ln>
+        </p:spPr>
+        <p:txBody>
+          <a:bodyPr lIns="274320" rIns="274320" anchor="ctr" anchorCtr="1">
+            <a:normAutofit/>
+          </a:bodyPr>
+          <a:lstStyle>
+            <a:lvl1pPr algn="ctr">
+              <a:defRPr sz="3800">
+                <a:solidFill>
+                  <a:srgbClr val="262626"/>
+                </a:solidFill>
+              </a:defRPr>
+            </a:lvl1pPr>
+          </a:lstStyle>
+          <a:p>
+            <a:r>
+              <a:rPr lang="en-US"/>
+              <a:t>Click to edit Master title style</a:t>
+            </a:r>
+            <a:endParaRPr lang="en-US" dirty="0"/>
+          </a:p>
+        </p:txBody>
+      </p:sp>
+      <p:sp>
+        <p:nvSpPr>
+          <p:cNvPr id="3" name="Subtitle 2"/>
+          <p:cNvSpPr>
+            <a:spLocks noGrp="1"/>
+          </p:cNvSpPr>
+          <p:nvPr>
+            <p:ph type="subTitle" idx="1"/>
           </p:nvPr>
         </p:nvSpPr>
         <p:spPr>
           <a:xfrm>
-            <a:off x="1524000" y="1122363"/>
-            <a:ext cx="9144000" cy="2387600"/>
+            <a:off x="2695194" y="4352544"/>
+            <a:ext cx="6801612" cy="1239894"/>
           </a:xfrm>
+          <a:noFill/>
         </p:spPr>
         <p:txBody>
-          <a:bodyPr anchor="b"/>
-          <a:lstStyle>
-            <a:lvl1pPr algn="ctr">
-              <a:defRPr sz="6000"/>
-            </a:lvl1pPr>
-          </a:lstStyle>
-          <a:p>
-            <a:r>
-              <a:rPr lang="en-US"/>
-              <a:t>Click to edit Master title style</a:t>
-            </a:r>
-          </a:p>
-        </p:txBody>
-      </p:sp>
-      <p:sp>
-        <p:nvSpPr>
-          <p:cNvPr id="3" name="Subtitle 2">
-            <a:extLst>
-              <a:ext uri="{FF2B5EF4-FFF2-40B4-BE49-F238E27FC236}">
-                <a16:creationId xmlns:a16="http://schemas.microsoft.com/office/drawing/2014/main" id="{D57B20FE-8231-801D-0D5F-525279D09370}"/>
-              </a:ext>
-            </a:extLst>
-          </p:cNvPr>
-          <p:cNvSpPr>
-            <a:spLocks noGrp="1"/>
-          </p:cNvSpPr>
-          <p:nvPr>
-            <p:ph type="subTitle" idx="1"/>
-          </p:nvPr>
-        </p:nvSpPr>
-        <p:spPr>
-          <a:xfrm>
-            <a:off x="1524000" y="3602038"/>
-            <a:ext cx="9144000" cy="1655762"/>
-          </a:xfrm>
-        </p:spPr>
-        <p:txBody>
-          <a:bodyPr/>
+          <a:bodyPr>
+            <a:normAutofit/>
+          </a:bodyPr>
           <a:lstStyle>
             <a:lvl1pPr marL="0" indent="0" algn="ctr">
               <a:buNone/>
-              <a:defRPr sz="2400"/>
+              <a:defRPr sz="2000">
+                <a:solidFill>
+                  <a:schemeClr val="tx1">
+                    <a:lumMod val="75000"/>
+                    <a:lumOff val="25000"/>
+                  </a:schemeClr>
+                </a:solidFill>
+              </a:defRPr>
             </a:lvl1pPr>
             <a:lvl2pPr marL="457200" indent="0" algn="ctr">
               <a:buNone/>
@@ -229,18 +1430,13 @@
               <a:rPr lang="en-US"/>
               <a:t>Click to edit Master subtitle style</a:t>
             </a:r>
-          </a:p>
-        </p:txBody>
-      </p:sp>
-      <p:sp>
-        <p:nvSpPr>
-          <p:cNvPr id="4" name="Date Placeholder 3">
-            <a:extLst>
-              <a:ext uri="{FF2B5EF4-FFF2-40B4-BE49-F238E27FC236}">
-                <a16:creationId xmlns:a16="http://schemas.microsoft.com/office/drawing/2014/main" id="{4FCC3F57-C1A2-2CF5-200B-38A1FA15A5EA}"/>
-              </a:ext>
-            </a:extLst>
-          </p:cNvPr>
+            <a:endParaRPr lang="en-US" dirty="0"/>
+          </a:p>
+        </p:txBody>
+      </p:sp>
+      <p:sp>
+        <p:nvSpPr>
+          <p:cNvPr id="7" name="Date Placeholder 6"/>
           <p:cNvSpPr>
             <a:spLocks noGrp="1"/>
           </p:cNvSpPr>
@@ -263,13 +1459,7 @@
       </p:sp>
       <p:sp>
         <p:nvSpPr>
-          <p:cNvPr id="5" name="Footer Placeholder 4">
-            <a:extLst>
-              <a:ext uri="{FF2B5EF4-FFF2-40B4-BE49-F238E27FC236}">
-                <a16:creationId xmlns:a16="http://schemas.microsoft.com/office/drawing/2014/main" id="{34656D10-649B-3109-38C4-DF2B05B57D92}"/>
-              </a:ext>
-            </a:extLst>
-          </p:cNvPr>
+          <p:cNvPr id="8" name="Footer Placeholder 7"/>
           <p:cNvSpPr>
             <a:spLocks noGrp="1"/>
           </p:cNvSpPr>
@@ -288,13 +1478,7 @@
       </p:sp>
       <p:sp>
         <p:nvSpPr>
-          <p:cNvPr id="6" name="Slide Number Placeholder 5">
-            <a:extLst>
-              <a:ext uri="{FF2B5EF4-FFF2-40B4-BE49-F238E27FC236}">
-                <a16:creationId xmlns:a16="http://schemas.microsoft.com/office/drawing/2014/main" id="{356F43DD-482D-E7FB-B172-6F91601FF57E}"/>
-              </a:ext>
-            </a:extLst>
-          </p:cNvPr>
+          <p:cNvPr id="9" name="Slide Number Placeholder 8"/>
           <p:cNvSpPr>
             <a:spLocks noGrp="1"/>
           </p:cNvSpPr>
@@ -318,12 +1502,12 @@
     </p:spTree>
     <p:extLst>
       <p:ext uri="{BB962C8B-B14F-4D97-AF65-F5344CB8AC3E}">
-        <p14:creationId xmlns:p14="http://schemas.microsoft.com/office/powerpoint/2010/main" val="2600005931"/>
+        <p14:creationId xmlns:p14="http://schemas.microsoft.com/office/powerpoint/2010/main" val="3885511077"/>
       </p:ext>
     </p:extLst>
   </p:cSld>
   <p:clrMapOvr>
-    <a:masterClrMapping/>
+    <a:overrideClrMapping bg1="dk1" tx1="lt1" bg2="dk2" tx2="lt2" accent1="accent1" accent2="accent2" accent3="accent3" accent4="accent4" accent5="accent5" accent6="accent6" hlink="hlink" folHlink="folHlink"/>
   </p:clrMapOvr>
 </p:sldLayout>
 </file>
@@ -347,13 +1531,7 @@
       </p:grpSpPr>
       <p:sp>
         <p:nvSpPr>
-          <p:cNvPr id="2" name="Title 1">
-            <a:extLst>
-              <a:ext uri="{FF2B5EF4-FFF2-40B4-BE49-F238E27FC236}">
-                <a16:creationId xmlns:a16="http://schemas.microsoft.com/office/drawing/2014/main" id="{71196C5A-0269-B7DA-C9D8-1161B72286F1}"/>
-              </a:ext>
-            </a:extLst>
-          </p:cNvPr>
+          <p:cNvPr id="2" name="Title 1"/>
           <p:cNvSpPr>
             <a:spLocks noGrp="1"/>
           </p:cNvSpPr>
@@ -370,18 +1548,13 @@
               <a:rPr lang="en-US"/>
               <a:t>Click to edit Master title style</a:t>
             </a:r>
-          </a:p>
-        </p:txBody>
-      </p:sp>
-      <p:sp>
-        <p:nvSpPr>
-          <p:cNvPr id="3" name="Vertical Text Placeholder 2">
-            <a:extLst>
-              <a:ext uri="{FF2B5EF4-FFF2-40B4-BE49-F238E27FC236}">
-                <a16:creationId xmlns:a16="http://schemas.microsoft.com/office/drawing/2014/main" id="{DCA53F4E-F788-120B-9921-129BD79E0F6F}"/>
-              </a:ext>
-            </a:extLst>
-          </p:cNvPr>
+            <a:endParaRPr lang="en-US" dirty="0"/>
+          </a:p>
+        </p:txBody>
+      </p:sp>
+      <p:sp>
+        <p:nvSpPr>
+          <p:cNvPr id="3" name="Vertical Text Placeholder 2"/>
           <p:cNvSpPr>
             <a:spLocks noGrp="1"/>
           </p:cNvSpPr>
@@ -427,18 +1600,13 @@
               <a:rPr lang="en-US"/>
               <a:t>Fifth level</a:t>
             </a:r>
-          </a:p>
-        </p:txBody>
-      </p:sp>
-      <p:sp>
-        <p:nvSpPr>
-          <p:cNvPr id="4" name="Date Placeholder 3">
-            <a:extLst>
-              <a:ext uri="{FF2B5EF4-FFF2-40B4-BE49-F238E27FC236}">
-                <a16:creationId xmlns:a16="http://schemas.microsoft.com/office/drawing/2014/main" id="{D3306BA2-48BF-DE17-8A11-3F194EC761E5}"/>
-              </a:ext>
-            </a:extLst>
-          </p:cNvPr>
+            <a:endParaRPr lang="en-US" dirty="0"/>
+          </a:p>
+        </p:txBody>
+      </p:sp>
+      <p:sp>
+        <p:nvSpPr>
+          <p:cNvPr id="4" name="Date Placeholder 3"/>
           <p:cNvSpPr>
             <a:spLocks noGrp="1"/>
           </p:cNvSpPr>
@@ -461,13 +1629,7 @@
       </p:sp>
       <p:sp>
         <p:nvSpPr>
-          <p:cNvPr id="5" name="Footer Placeholder 4">
-            <a:extLst>
-              <a:ext uri="{FF2B5EF4-FFF2-40B4-BE49-F238E27FC236}">
-                <a16:creationId xmlns:a16="http://schemas.microsoft.com/office/drawing/2014/main" id="{14A39B32-2744-2297-2CBD-96793E23AAE6}"/>
-              </a:ext>
-            </a:extLst>
-          </p:cNvPr>
+          <p:cNvPr id="5" name="Footer Placeholder 4"/>
           <p:cNvSpPr>
             <a:spLocks noGrp="1"/>
           </p:cNvSpPr>
@@ -486,13 +1648,7 @@
       </p:sp>
       <p:sp>
         <p:nvSpPr>
-          <p:cNvPr id="6" name="Slide Number Placeholder 5">
-            <a:extLst>
-              <a:ext uri="{FF2B5EF4-FFF2-40B4-BE49-F238E27FC236}">
-                <a16:creationId xmlns:a16="http://schemas.microsoft.com/office/drawing/2014/main" id="{83764478-291B-0133-B207-2D8591438B78}"/>
-              </a:ext>
-            </a:extLst>
-          </p:cNvPr>
+          <p:cNvPr id="6" name="Slide Number Placeholder 5"/>
           <p:cNvSpPr>
             <a:spLocks noGrp="1"/>
           </p:cNvSpPr>
@@ -516,7 +1672,7 @@
     </p:spTree>
     <p:extLst>
       <p:ext uri="{BB962C8B-B14F-4D97-AF65-F5344CB8AC3E}">
-        <p14:creationId xmlns:p14="http://schemas.microsoft.com/office/powerpoint/2010/main" val="3162486030"/>
+        <p14:creationId xmlns:p14="http://schemas.microsoft.com/office/powerpoint/2010/main" val="3419826434"/>
       </p:ext>
     </p:extLst>
   </p:cSld>
@@ -545,13 +1701,7 @@
       </p:grpSpPr>
       <p:sp>
         <p:nvSpPr>
-          <p:cNvPr id="2" name="Vertical Title 1">
-            <a:extLst>
-              <a:ext uri="{FF2B5EF4-FFF2-40B4-BE49-F238E27FC236}">
-                <a16:creationId xmlns:a16="http://schemas.microsoft.com/office/drawing/2014/main" id="{BECE1C44-29BD-A571-3834-D4CD228D3AA7}"/>
-              </a:ext>
-            </a:extLst>
-          </p:cNvPr>
+          <p:cNvPr id="2" name="Vertical Title 1"/>
           <p:cNvSpPr>
             <a:spLocks noGrp="1"/>
           </p:cNvSpPr>
@@ -561,8 +1711,8 @@
         </p:nvSpPr>
         <p:spPr>
           <a:xfrm>
-            <a:off x="8724900" y="365125"/>
-            <a:ext cx="2628900" cy="5811838"/>
+            <a:off x="8653112" y="937260"/>
+            <a:ext cx="1298608" cy="4983480"/>
           </a:xfrm>
         </p:spPr>
         <p:txBody>
@@ -573,18 +1723,13 @@
               <a:rPr lang="en-US"/>
               <a:t>Click to edit Master title style</a:t>
             </a:r>
-          </a:p>
-        </p:txBody>
-      </p:sp>
-      <p:sp>
-        <p:nvSpPr>
-          <p:cNvPr id="3" name="Vertical Text Placeholder 2">
-            <a:extLst>
-              <a:ext uri="{FF2B5EF4-FFF2-40B4-BE49-F238E27FC236}">
-                <a16:creationId xmlns:a16="http://schemas.microsoft.com/office/drawing/2014/main" id="{B9B14FB5-467D-8C08-A4F6-F393E199DA7E}"/>
-              </a:ext>
-            </a:extLst>
-          </p:cNvPr>
+            <a:endParaRPr lang="en-US" dirty="0"/>
+          </a:p>
+        </p:txBody>
+      </p:sp>
+      <p:sp>
+        <p:nvSpPr>
+          <p:cNvPr id="3" name="Vertical Text Placeholder 2"/>
           <p:cNvSpPr>
             <a:spLocks noGrp="1"/>
           </p:cNvSpPr>
@@ -594,8 +1739,8 @@
         </p:nvSpPr>
         <p:spPr>
           <a:xfrm>
-            <a:off x="838200" y="365125"/>
-            <a:ext cx="7734300" cy="5811838"/>
+            <a:off x="2231136" y="937260"/>
+            <a:ext cx="6198489" cy="4983480"/>
           </a:xfrm>
         </p:spPr>
         <p:txBody>
@@ -635,18 +1780,13 @@
               <a:rPr lang="en-US"/>
               <a:t>Fifth level</a:t>
             </a:r>
-          </a:p>
-        </p:txBody>
-      </p:sp>
-      <p:sp>
-        <p:nvSpPr>
-          <p:cNvPr id="4" name="Date Placeholder 3">
-            <a:extLst>
-              <a:ext uri="{FF2B5EF4-FFF2-40B4-BE49-F238E27FC236}">
-                <a16:creationId xmlns:a16="http://schemas.microsoft.com/office/drawing/2014/main" id="{23D3A666-8E51-5F61-A08D-10F4E891317D}"/>
-              </a:ext>
-            </a:extLst>
-          </p:cNvPr>
+            <a:endParaRPr lang="en-US" dirty="0"/>
+          </a:p>
+        </p:txBody>
+      </p:sp>
+      <p:sp>
+        <p:nvSpPr>
+          <p:cNvPr id="4" name="Date Placeholder 3"/>
           <p:cNvSpPr>
             <a:spLocks noGrp="1"/>
           </p:cNvSpPr>
@@ -669,13 +1809,7 @@
       </p:sp>
       <p:sp>
         <p:nvSpPr>
-          <p:cNvPr id="5" name="Footer Placeholder 4">
-            <a:extLst>
-              <a:ext uri="{FF2B5EF4-FFF2-40B4-BE49-F238E27FC236}">
-                <a16:creationId xmlns:a16="http://schemas.microsoft.com/office/drawing/2014/main" id="{D027A19B-9459-F7FA-E6E7-2DE054FBF7B3}"/>
-              </a:ext>
-            </a:extLst>
-          </p:cNvPr>
+          <p:cNvPr id="5" name="Footer Placeholder 4"/>
           <p:cNvSpPr>
             <a:spLocks noGrp="1"/>
           </p:cNvSpPr>
@@ -694,13 +1828,7 @@
       </p:sp>
       <p:sp>
         <p:nvSpPr>
-          <p:cNvPr id="6" name="Slide Number Placeholder 5">
-            <a:extLst>
-              <a:ext uri="{FF2B5EF4-FFF2-40B4-BE49-F238E27FC236}">
-                <a16:creationId xmlns:a16="http://schemas.microsoft.com/office/drawing/2014/main" id="{4376D1A9-3389-30B9-7964-E465DE587320}"/>
-              </a:ext>
-            </a:extLst>
-          </p:cNvPr>
+          <p:cNvPr id="6" name="Slide Number Placeholder 5"/>
           <p:cNvSpPr>
             <a:spLocks noGrp="1"/>
           </p:cNvSpPr>
@@ -724,7 +1852,7 @@
     </p:spTree>
     <p:extLst>
       <p:ext uri="{BB962C8B-B14F-4D97-AF65-F5344CB8AC3E}">
-        <p14:creationId xmlns:p14="http://schemas.microsoft.com/office/powerpoint/2010/main" val="1864811120"/>
+        <p14:creationId xmlns:p14="http://schemas.microsoft.com/office/powerpoint/2010/main" val="2038727465"/>
       </p:ext>
     </p:extLst>
   </p:cSld>
@@ -753,13 +1881,7 @@
       </p:grpSpPr>
       <p:sp>
         <p:nvSpPr>
-          <p:cNvPr id="2" name="Title 1">
-            <a:extLst>
-              <a:ext uri="{FF2B5EF4-FFF2-40B4-BE49-F238E27FC236}">
-                <a16:creationId xmlns:a16="http://schemas.microsoft.com/office/drawing/2014/main" id="{95CABA8F-71DC-34ED-02DF-9452A4128853}"/>
-              </a:ext>
-            </a:extLst>
-          </p:cNvPr>
+          <p:cNvPr id="2" name="Title 1"/>
           <p:cNvSpPr>
             <a:spLocks noGrp="1"/>
           </p:cNvSpPr>
@@ -776,18 +1898,13 @@
               <a:rPr lang="en-US"/>
               <a:t>Click to edit Master title style</a:t>
             </a:r>
-          </a:p>
-        </p:txBody>
-      </p:sp>
-      <p:sp>
-        <p:nvSpPr>
-          <p:cNvPr id="3" name="Content Placeholder 2">
-            <a:extLst>
-              <a:ext uri="{FF2B5EF4-FFF2-40B4-BE49-F238E27FC236}">
-                <a16:creationId xmlns:a16="http://schemas.microsoft.com/office/drawing/2014/main" id="{1E26568D-2EAF-4F22-ABB4-E3FB6C7AFEA8}"/>
-              </a:ext>
-            </a:extLst>
-          </p:cNvPr>
+            <a:endParaRPr lang="en-US" dirty="0"/>
+          </a:p>
+        </p:txBody>
+      </p:sp>
+      <p:sp>
+        <p:nvSpPr>
+          <p:cNvPr id="3" name="Content Placeholder 2"/>
           <p:cNvSpPr>
             <a:spLocks noGrp="1"/>
           </p:cNvSpPr>
@@ -833,18 +1950,13 @@
               <a:rPr lang="en-US"/>
               <a:t>Fifth level</a:t>
             </a:r>
-          </a:p>
-        </p:txBody>
-      </p:sp>
-      <p:sp>
-        <p:nvSpPr>
-          <p:cNvPr id="4" name="Date Placeholder 3">
-            <a:extLst>
-              <a:ext uri="{FF2B5EF4-FFF2-40B4-BE49-F238E27FC236}">
-                <a16:creationId xmlns:a16="http://schemas.microsoft.com/office/drawing/2014/main" id="{40795FC4-A312-ACB4-9395-6EC66182CD01}"/>
-              </a:ext>
-            </a:extLst>
-          </p:cNvPr>
+            <a:endParaRPr lang="en-US" dirty="0"/>
+          </a:p>
+        </p:txBody>
+      </p:sp>
+      <p:sp>
+        <p:nvSpPr>
+          <p:cNvPr id="7" name="Date Placeholder 6"/>
           <p:cNvSpPr>
             <a:spLocks noGrp="1"/>
           </p:cNvSpPr>
@@ -867,13 +1979,7 @@
       </p:sp>
       <p:sp>
         <p:nvSpPr>
-          <p:cNvPr id="5" name="Footer Placeholder 4">
-            <a:extLst>
-              <a:ext uri="{FF2B5EF4-FFF2-40B4-BE49-F238E27FC236}">
-                <a16:creationId xmlns:a16="http://schemas.microsoft.com/office/drawing/2014/main" id="{30260E0D-1812-1CAE-A96D-5BB787518141}"/>
-              </a:ext>
-            </a:extLst>
-          </p:cNvPr>
+          <p:cNvPr id="8" name="Footer Placeholder 7"/>
           <p:cNvSpPr>
             <a:spLocks noGrp="1"/>
           </p:cNvSpPr>
@@ -892,13 +1998,7 @@
       </p:sp>
       <p:sp>
         <p:nvSpPr>
-          <p:cNvPr id="6" name="Slide Number Placeholder 5">
-            <a:extLst>
-              <a:ext uri="{FF2B5EF4-FFF2-40B4-BE49-F238E27FC236}">
-                <a16:creationId xmlns:a16="http://schemas.microsoft.com/office/drawing/2014/main" id="{94836B63-CD70-6FF7-3530-4CD7555C127B}"/>
-              </a:ext>
-            </a:extLst>
-          </p:cNvPr>
+          <p:cNvPr id="9" name="Slide Number Placeholder 8"/>
           <p:cNvSpPr>
             <a:spLocks noGrp="1"/>
           </p:cNvSpPr>
@@ -922,7 +2022,7 @@
     </p:spTree>
     <p:extLst>
       <p:ext uri="{BB962C8B-B14F-4D97-AF65-F5344CB8AC3E}">
-        <p14:creationId xmlns:p14="http://schemas.microsoft.com/office/powerpoint/2010/main" val="1136592450"/>
+        <p14:creationId xmlns:p14="http://schemas.microsoft.com/office/powerpoint/2010/main" val="2420920290"/>
       </p:ext>
     </p:extLst>
   </p:cSld>
@@ -935,6 +2035,14 @@
 <file path=ppt/slideLayouts/slideLayout3.xml><?xml version="1.0" encoding="utf-8"?>
 <p:sldLayout xmlns:a="http://schemas.openxmlformats.org/drawingml/2006/main" xmlns:r="http://schemas.openxmlformats.org/officeDocument/2006/relationships" xmlns:p="http://schemas.openxmlformats.org/presentationml/2006/main" type="secHead" preserve="1">
   <p:cSld name="Section Header">
+    <p:bg>
+      <p:bgPr>
+        <a:solidFill>
+          <a:schemeClr val="accent1"/>
+        </a:solidFill>
+        <a:effectLst/>
+      </p:bgPr>
+    </p:bg>
     <p:spTree>
       <p:nvGrpSpPr>
         <p:cNvPr id="1" name=""/>
@@ -951,97 +2059,110 @@
       </p:grpSpPr>
       <p:sp>
         <p:nvSpPr>
-          <p:cNvPr id="2" name="Title 1">
-            <a:extLst>
-              <a:ext uri="{FF2B5EF4-FFF2-40B4-BE49-F238E27FC236}">
-                <a16:creationId xmlns:a16="http://schemas.microsoft.com/office/drawing/2014/main" id="{CCF28F41-EAAA-3C35-59BA-F3C7CAE63E15}"/>
-              </a:ext>
-            </a:extLst>
-          </p:cNvPr>
+          <p:cNvPr id="2" name="Title 1"/>
           <p:cNvSpPr>
             <a:spLocks noGrp="1"/>
           </p:cNvSpPr>
           <p:nvPr>
             <p:ph type="title"/>
+          </p:nvPr>
+        </p:nvSpPr>
+        <p:spPr bwMode="blackWhite">
+          <a:xfrm>
+            <a:off x="1600200" y="2386744"/>
+            <a:ext cx="8991600" cy="1645920"/>
+          </a:xfrm>
+          <a:solidFill>
+            <a:srgbClr val="FFFFFF"/>
+          </a:solidFill>
+          <a:ln w="38100">
+            <a:solidFill>
+              <a:srgbClr val="404040"/>
+            </a:solidFill>
+          </a:ln>
+        </p:spPr>
+        <p:txBody>
+          <a:bodyPr lIns="274320" rIns="274320" anchor="ctr" anchorCtr="1">
+            <a:normAutofit/>
+          </a:bodyPr>
+          <a:lstStyle>
+            <a:lvl1pPr>
+              <a:defRPr sz="3800">
+                <a:solidFill>
+                  <a:srgbClr val="262626"/>
+                </a:solidFill>
+              </a:defRPr>
+            </a:lvl1pPr>
+          </a:lstStyle>
+          <a:p>
+            <a:r>
+              <a:rPr lang="en-US"/>
+              <a:t>Click to edit Master title style</a:t>
+            </a:r>
+            <a:endParaRPr lang="en-US" dirty="0"/>
+          </a:p>
+        </p:txBody>
+      </p:sp>
+      <p:sp>
+        <p:nvSpPr>
+          <p:cNvPr id="3" name="Text Placeholder 2"/>
+          <p:cNvSpPr>
+            <a:spLocks noGrp="1"/>
+          </p:cNvSpPr>
+          <p:nvPr>
+            <p:ph type="body" idx="1"/>
           </p:nvPr>
         </p:nvSpPr>
         <p:spPr>
           <a:xfrm>
-            <a:off x="831850" y="1709738"/>
-            <a:ext cx="10515600" cy="2852737"/>
+            <a:off x="2695194" y="4352465"/>
+            <a:ext cx="6801612" cy="1265082"/>
           </a:xfrm>
         </p:spPr>
         <p:txBody>
-          <a:bodyPr anchor="b"/>
-          <a:lstStyle>
-            <a:lvl1pPr>
-              <a:defRPr sz="6000"/>
-            </a:lvl1pPr>
-          </a:lstStyle>
-          <a:p>
-            <a:r>
-              <a:rPr lang="en-US"/>
-              <a:t>Click to edit Master title style</a:t>
-            </a:r>
-          </a:p>
-        </p:txBody>
-      </p:sp>
-      <p:sp>
-        <p:nvSpPr>
-          <p:cNvPr id="3" name="Text Placeholder 2">
-            <a:extLst>
-              <a:ext uri="{FF2B5EF4-FFF2-40B4-BE49-F238E27FC236}">
-                <a16:creationId xmlns:a16="http://schemas.microsoft.com/office/drawing/2014/main" id="{F38DDF9E-5068-5ACA-ED9C-4F3D08A9C02E}"/>
-              </a:ext>
-            </a:extLst>
-          </p:cNvPr>
-          <p:cNvSpPr>
-            <a:spLocks noGrp="1"/>
-          </p:cNvSpPr>
-          <p:nvPr>
-            <p:ph type="body" idx="1"/>
-          </p:nvPr>
-        </p:nvSpPr>
-        <p:spPr>
-          <a:xfrm>
-            <a:off x="831850" y="4589463"/>
-            <a:ext cx="10515600" cy="1500187"/>
-          </a:xfrm>
-        </p:spPr>
-        <p:txBody>
-          <a:bodyPr/>
+          <a:bodyPr anchor="t" anchorCtr="1">
+            <a:normAutofit/>
+          </a:bodyPr>
           <a:lstStyle>
             <a:lvl1pPr marL="0" indent="0">
               <a:buNone/>
-              <a:defRPr sz="2400">
+              <a:defRPr sz="2000">
+                <a:solidFill>
+                  <a:schemeClr val="tx1"/>
+                </a:solidFill>
+              </a:defRPr>
+            </a:lvl1pPr>
+            <a:lvl2pPr marL="457200" indent="0">
+              <a:buNone/>
+              <a:defRPr sz="2000">
                 <a:solidFill>
                   <a:schemeClr val="tx1">
                     <a:tint val="75000"/>
                   </a:schemeClr>
                 </a:solidFill>
               </a:defRPr>
-            </a:lvl1pPr>
-            <a:lvl2pPr marL="457200" indent="0">
-              <a:buNone/>
-              <a:defRPr sz="2000">
+            </a:lvl2pPr>
+            <a:lvl3pPr marL="914400" indent="0">
+              <a:buNone/>
+              <a:defRPr sz="1800">
                 <a:solidFill>
                   <a:schemeClr val="tx1">
                     <a:tint val="75000"/>
                   </a:schemeClr>
                 </a:solidFill>
               </a:defRPr>
-            </a:lvl2pPr>
-            <a:lvl3pPr marL="914400" indent="0">
-              <a:buNone/>
-              <a:defRPr sz="1800">
+            </a:lvl3pPr>
+            <a:lvl4pPr marL="1371600" indent="0">
+              <a:buNone/>
+              <a:defRPr sz="1600">
                 <a:solidFill>
                   <a:schemeClr val="tx1">
                     <a:tint val="75000"/>
                   </a:schemeClr>
                 </a:solidFill>
               </a:defRPr>
-            </a:lvl3pPr>
-            <a:lvl4pPr marL="1371600" indent="0">
+            </a:lvl4pPr>
+            <a:lvl5pPr marL="1828800" indent="0">
               <a:buNone/>
               <a:defRPr sz="1600">
                 <a:solidFill>
@@ -1050,8 +2171,8 @@
                   </a:schemeClr>
                 </a:solidFill>
               </a:defRPr>
-            </a:lvl4pPr>
-            <a:lvl5pPr marL="1828800" indent="0">
+            </a:lvl5pPr>
+            <a:lvl6pPr marL="2286000" indent="0">
               <a:buNone/>
               <a:defRPr sz="1600">
                 <a:solidFill>
@@ -1060,8 +2181,8 @@
                   </a:schemeClr>
                 </a:solidFill>
               </a:defRPr>
-            </a:lvl5pPr>
-            <a:lvl6pPr marL="2286000" indent="0">
+            </a:lvl6pPr>
+            <a:lvl7pPr marL="2743200" indent="0">
               <a:buNone/>
               <a:defRPr sz="1600">
                 <a:solidFill>
@@ -1070,8 +2191,8 @@
                   </a:schemeClr>
                 </a:solidFill>
               </a:defRPr>
-            </a:lvl6pPr>
-            <a:lvl7pPr marL="2743200" indent="0">
+            </a:lvl7pPr>
+            <a:lvl8pPr marL="3200400" indent="0">
               <a:buNone/>
               <a:defRPr sz="1600">
                 <a:solidFill>
@@ -1080,8 +2201,8 @@
                   </a:schemeClr>
                 </a:solidFill>
               </a:defRPr>
-            </a:lvl7pPr>
-            <a:lvl8pPr marL="3200400" indent="0">
+            </a:lvl8pPr>
+            <a:lvl9pPr marL="3657600" indent="0">
               <a:buNone/>
               <a:defRPr sz="1600">
                 <a:solidFill>
@@ -1090,16 +2211,6 @@
                   </a:schemeClr>
                 </a:solidFill>
               </a:defRPr>
-            </a:lvl8pPr>
-            <a:lvl9pPr marL="3657600" indent="0">
-              <a:buNone/>
-              <a:defRPr sz="1600">
-                <a:solidFill>
-                  <a:schemeClr val="tx1">
-                    <a:tint val="75000"/>
-                  </a:schemeClr>
-                </a:solidFill>
-              </a:defRPr>
             </a:lvl9pPr>
           </a:lstStyle>
           <a:p>
@@ -1113,13 +2224,7 @@
       </p:sp>
       <p:sp>
         <p:nvSpPr>
-          <p:cNvPr id="4" name="Date Placeholder 3">
-            <a:extLst>
-              <a:ext uri="{FF2B5EF4-FFF2-40B4-BE49-F238E27FC236}">
-                <a16:creationId xmlns:a16="http://schemas.microsoft.com/office/drawing/2014/main" id="{E174D308-62C6-A7A2-CFB3-1D64AE027712}"/>
-              </a:ext>
-            </a:extLst>
-          </p:cNvPr>
+          <p:cNvPr id="7" name="Date Placeholder 6"/>
           <p:cNvSpPr>
             <a:spLocks noGrp="1"/>
           </p:cNvSpPr>
@@ -1142,13 +2247,7 @@
       </p:sp>
       <p:sp>
         <p:nvSpPr>
-          <p:cNvPr id="5" name="Footer Placeholder 4">
-            <a:extLst>
-              <a:ext uri="{FF2B5EF4-FFF2-40B4-BE49-F238E27FC236}">
-                <a16:creationId xmlns:a16="http://schemas.microsoft.com/office/drawing/2014/main" id="{64299441-68B4-F594-85A3-BE4952791424}"/>
-              </a:ext>
-            </a:extLst>
-          </p:cNvPr>
+          <p:cNvPr id="8" name="Footer Placeholder 7"/>
           <p:cNvSpPr>
             <a:spLocks noGrp="1"/>
           </p:cNvSpPr>
@@ -1167,13 +2266,7 @@
       </p:sp>
       <p:sp>
         <p:nvSpPr>
-          <p:cNvPr id="6" name="Slide Number Placeholder 5">
-            <a:extLst>
-              <a:ext uri="{FF2B5EF4-FFF2-40B4-BE49-F238E27FC236}">
-                <a16:creationId xmlns:a16="http://schemas.microsoft.com/office/drawing/2014/main" id="{8E464CEF-4955-A29C-7F64-41DAA7184B1E}"/>
-              </a:ext>
-            </a:extLst>
-          </p:cNvPr>
+          <p:cNvPr id="9" name="Slide Number Placeholder 8"/>
           <p:cNvSpPr>
             <a:spLocks noGrp="1"/>
           </p:cNvSpPr>
@@ -1197,12 +2290,12 @@
     </p:spTree>
     <p:extLst>
       <p:ext uri="{BB962C8B-B14F-4D97-AF65-F5344CB8AC3E}">
-        <p14:creationId xmlns:p14="http://schemas.microsoft.com/office/powerpoint/2010/main" val="1298317576"/>
+        <p14:creationId xmlns:p14="http://schemas.microsoft.com/office/powerpoint/2010/main" val="4091233615"/>
       </p:ext>
     </p:extLst>
   </p:cSld>
   <p:clrMapOvr>
-    <a:masterClrMapping/>
+    <a:overrideClrMapping bg1="dk1" tx1="lt1" bg2="dk2" tx2="lt2" accent1="accent1" accent2="accent2" accent3="accent3" accent4="accent4" accent5="accent5" accent6="accent6" hlink="hlink" folHlink="folHlink"/>
   </p:clrMapOvr>
 </p:sldLayout>
 </file>
@@ -1226,13 +2319,7 @@
       </p:grpSpPr>
       <p:sp>
         <p:nvSpPr>
-          <p:cNvPr id="2" name="Title 1">
-            <a:extLst>
-              <a:ext uri="{FF2B5EF4-FFF2-40B4-BE49-F238E27FC236}">
-                <a16:creationId xmlns:a16="http://schemas.microsoft.com/office/drawing/2014/main" id="{52D27B51-9A49-337E-EF5D-276831BFB94C}"/>
-              </a:ext>
-            </a:extLst>
-          </p:cNvPr>
+          <p:cNvPr id="2" name="Title 1"/>
           <p:cNvSpPr>
             <a:spLocks noGrp="1"/>
           </p:cNvSpPr>
@@ -1249,18 +2336,13 @@
               <a:rPr lang="en-US"/>
               <a:t>Click to edit Master title style</a:t>
             </a:r>
-          </a:p>
-        </p:txBody>
-      </p:sp>
-      <p:sp>
-        <p:nvSpPr>
-          <p:cNvPr id="3" name="Content Placeholder 2">
-            <a:extLst>
-              <a:ext uri="{FF2B5EF4-FFF2-40B4-BE49-F238E27FC236}">
-                <a16:creationId xmlns:a16="http://schemas.microsoft.com/office/drawing/2014/main" id="{C65DDF34-9B9A-A022-AC51-85EA0236AA93}"/>
-              </a:ext>
-            </a:extLst>
-          </p:cNvPr>
+            <a:endParaRPr lang="en-US" dirty="0"/>
+          </a:p>
+        </p:txBody>
+      </p:sp>
+      <p:sp>
+        <p:nvSpPr>
+          <p:cNvPr id="3" name="Content Placeholder 2"/>
           <p:cNvSpPr>
             <a:spLocks noGrp="1"/>
           </p:cNvSpPr>
@@ -1270,8 +2352,8 @@
         </p:nvSpPr>
         <p:spPr>
           <a:xfrm>
-            <a:off x="838200" y="1825625"/>
-            <a:ext cx="5181600" cy="4351338"/>
+            <a:off x="1581912" y="2638044"/>
+            <a:ext cx="4271771" cy="3101982"/>
           </a:xfrm>
         </p:spPr>
         <p:txBody>
@@ -1311,18 +2393,13 @@
               <a:rPr lang="en-US"/>
               <a:t>Fifth level</a:t>
             </a:r>
-          </a:p>
-        </p:txBody>
-      </p:sp>
-      <p:sp>
-        <p:nvSpPr>
-          <p:cNvPr id="4" name="Content Placeholder 3">
-            <a:extLst>
-              <a:ext uri="{FF2B5EF4-FFF2-40B4-BE49-F238E27FC236}">
-                <a16:creationId xmlns:a16="http://schemas.microsoft.com/office/drawing/2014/main" id="{055BB8DB-7B4B-E1A9-828C-A12AEB1F218B}"/>
-              </a:ext>
-            </a:extLst>
-          </p:cNvPr>
+            <a:endParaRPr lang="en-US" dirty="0"/>
+          </a:p>
+        </p:txBody>
+      </p:sp>
+      <p:sp>
+        <p:nvSpPr>
+          <p:cNvPr id="4" name="Content Placeholder 3"/>
           <p:cNvSpPr>
             <a:spLocks noGrp="1"/>
           </p:cNvSpPr>
@@ -1332,8 +2409,8 @@
         </p:nvSpPr>
         <p:spPr>
           <a:xfrm>
-            <a:off x="6172200" y="1825625"/>
-            <a:ext cx="5181600" cy="4351338"/>
+            <a:off x="6338315" y="2638044"/>
+            <a:ext cx="4270247" cy="3101982"/>
           </a:xfrm>
         </p:spPr>
         <p:txBody>
@@ -1373,18 +2450,13 @@
               <a:rPr lang="en-US"/>
               <a:t>Fifth level</a:t>
             </a:r>
-          </a:p>
-        </p:txBody>
-      </p:sp>
-      <p:sp>
-        <p:nvSpPr>
-          <p:cNvPr id="5" name="Date Placeholder 4">
-            <a:extLst>
-              <a:ext uri="{FF2B5EF4-FFF2-40B4-BE49-F238E27FC236}">
-                <a16:creationId xmlns:a16="http://schemas.microsoft.com/office/drawing/2014/main" id="{D6340162-6F7B-63B7-95F0-CFAC2B2C8FB9}"/>
-              </a:ext>
-            </a:extLst>
-          </p:cNvPr>
+            <a:endParaRPr lang="en-US" dirty="0"/>
+          </a:p>
+        </p:txBody>
+      </p:sp>
+      <p:sp>
+        <p:nvSpPr>
+          <p:cNvPr id="8" name="Date Placeholder 7"/>
           <p:cNvSpPr>
             <a:spLocks noGrp="1"/>
           </p:cNvSpPr>
@@ -1407,13 +2479,7 @@
       </p:sp>
       <p:sp>
         <p:nvSpPr>
-          <p:cNvPr id="6" name="Footer Placeholder 5">
-            <a:extLst>
-              <a:ext uri="{FF2B5EF4-FFF2-40B4-BE49-F238E27FC236}">
-                <a16:creationId xmlns:a16="http://schemas.microsoft.com/office/drawing/2014/main" id="{068F6AFD-0C08-89EA-708F-D027F64A4ED7}"/>
-              </a:ext>
-            </a:extLst>
-          </p:cNvPr>
+          <p:cNvPr id="9" name="Footer Placeholder 8"/>
           <p:cNvSpPr>
             <a:spLocks noGrp="1"/>
           </p:cNvSpPr>
@@ -1432,13 +2498,7 @@
       </p:sp>
       <p:sp>
         <p:nvSpPr>
-          <p:cNvPr id="7" name="Slide Number Placeholder 6">
-            <a:extLst>
-              <a:ext uri="{FF2B5EF4-FFF2-40B4-BE49-F238E27FC236}">
-                <a16:creationId xmlns:a16="http://schemas.microsoft.com/office/drawing/2014/main" id="{9BCCFB0B-9711-692E-B031-A29ADCCC6CD6}"/>
-              </a:ext>
-            </a:extLst>
-          </p:cNvPr>
+          <p:cNvPr id="10" name="Slide Number Placeholder 9"/>
           <p:cNvSpPr>
             <a:spLocks noGrp="1"/>
           </p:cNvSpPr>
@@ -1462,7 +2522,7 @@
     </p:spTree>
     <p:extLst>
       <p:ext uri="{BB962C8B-B14F-4D97-AF65-F5344CB8AC3E}">
-        <p14:creationId xmlns:p14="http://schemas.microsoft.com/office/powerpoint/2010/main" val="3491479632"/>
+        <p14:creationId xmlns:p14="http://schemas.microsoft.com/office/powerpoint/2010/main" val="4215213745"/>
       </p:ext>
     </p:extLst>
   </p:cSld>
@@ -1491,69 +2551,38 @@
       </p:grpSpPr>
       <p:sp>
         <p:nvSpPr>
-          <p:cNvPr id="2" name="Title 1">
-            <a:extLst>
-              <a:ext uri="{FF2B5EF4-FFF2-40B4-BE49-F238E27FC236}">
-                <a16:creationId xmlns:a16="http://schemas.microsoft.com/office/drawing/2014/main" id="{9CB786EB-CE7B-AC9B-DD25-8FB432389AA3}"/>
-              </a:ext>
-            </a:extLst>
-          </p:cNvPr>
-          <p:cNvSpPr>
-            <a:spLocks noGrp="1"/>
-          </p:cNvSpPr>
-          <p:nvPr>
-            <p:ph type="title"/>
+          <p:cNvPr id="3" name="Text Placeholder 2"/>
+          <p:cNvSpPr>
+            <a:spLocks noGrp="1"/>
+          </p:cNvSpPr>
+          <p:nvPr>
+            <p:ph type="body" idx="1"/>
           </p:nvPr>
         </p:nvSpPr>
         <p:spPr>
           <a:xfrm>
-            <a:off x="839788" y="365125"/>
-            <a:ext cx="10515600" cy="1325563"/>
+            <a:off x="1583436" y="2313433"/>
+            <a:ext cx="4270248" cy="704087"/>
           </a:xfrm>
         </p:spPr>
         <p:txBody>
-          <a:bodyPr/>
-          <a:lstStyle/>
-          <a:p>
-            <a:r>
-              <a:rPr lang="en-US"/>
-              <a:t>Click to edit Master title style</a:t>
-            </a:r>
-          </a:p>
-        </p:txBody>
-      </p:sp>
-      <p:sp>
-        <p:nvSpPr>
-          <p:cNvPr id="3" name="Text Placeholder 2">
-            <a:extLst>
-              <a:ext uri="{FF2B5EF4-FFF2-40B4-BE49-F238E27FC236}">
-                <a16:creationId xmlns:a16="http://schemas.microsoft.com/office/drawing/2014/main" id="{CB5D01DF-6F55-8ADD-18FF-23D22A82EC38}"/>
-              </a:ext>
-            </a:extLst>
-          </p:cNvPr>
-          <p:cNvSpPr>
-            <a:spLocks noGrp="1"/>
-          </p:cNvSpPr>
-          <p:nvPr>
-            <p:ph type="body" idx="1"/>
-          </p:nvPr>
-        </p:nvSpPr>
-        <p:spPr>
-          <a:xfrm>
-            <a:off x="839788" y="1681163"/>
-            <a:ext cx="5157787" cy="823912"/>
-          </a:xfrm>
-        </p:spPr>
-        <p:txBody>
-          <a:bodyPr anchor="b"/>
+          <a:bodyPr anchor="b" anchorCtr="1">
+            <a:normAutofit/>
+          </a:bodyPr>
           <a:lstStyle>
-            <a:lvl1pPr marL="0" indent="0">
-              <a:buNone/>
-              <a:defRPr sz="2400" b="1"/>
+            <a:lvl1pPr marL="0" indent="0" algn="ctr">
+              <a:buNone/>
+              <a:defRPr sz="1900" b="0" cap="all" spc="100" baseline="0">
+                <a:solidFill>
+                  <a:schemeClr val="accent2">
+                    <a:lumMod val="75000"/>
+                  </a:schemeClr>
+                </a:solidFill>
+              </a:defRPr>
             </a:lvl1pPr>
             <a:lvl2pPr marL="457200" indent="0">
               <a:buNone/>
-              <a:defRPr sz="2000" b="1"/>
+              <a:defRPr sz="1900" b="1"/>
             </a:lvl2pPr>
             <a:lvl3pPr marL="914400" indent="0">
               <a:buNone/>
@@ -1595,13 +2624,7 @@
       </p:sp>
       <p:sp>
         <p:nvSpPr>
-          <p:cNvPr id="4" name="Content Placeholder 3">
-            <a:extLst>
-              <a:ext uri="{FF2B5EF4-FFF2-40B4-BE49-F238E27FC236}">
-                <a16:creationId xmlns:a16="http://schemas.microsoft.com/office/drawing/2014/main" id="{061C723B-00D5-0AAE-A1A0-D04D8DA8F7C3}"/>
-              </a:ext>
-            </a:extLst>
-          </p:cNvPr>
+          <p:cNvPr id="4" name="Content Placeholder 3"/>
           <p:cNvSpPr>
             <a:spLocks noGrp="1"/>
           </p:cNvSpPr>
@@ -1611,8 +2634,8 @@
         </p:nvSpPr>
         <p:spPr>
           <a:xfrm>
-            <a:off x="839788" y="2505075"/>
-            <a:ext cx="5157787" cy="3684588"/>
+            <a:off x="1583436" y="3143250"/>
+            <a:ext cx="4270248" cy="2596776"/>
           </a:xfrm>
         </p:spPr>
         <p:txBody>
@@ -1652,41 +2675,105 @@
               <a:rPr lang="en-US"/>
               <a:t>Fifth level</a:t>
             </a:r>
-          </a:p>
-        </p:txBody>
-      </p:sp>
-      <p:sp>
-        <p:nvSpPr>
-          <p:cNvPr id="5" name="Text Placeholder 4">
-            <a:extLst>
-              <a:ext uri="{FF2B5EF4-FFF2-40B4-BE49-F238E27FC236}">
-                <a16:creationId xmlns:a16="http://schemas.microsoft.com/office/drawing/2014/main" id="{CC91C01D-6CBC-D993-6E9E-7919D30CFEA6}"/>
-              </a:ext>
-            </a:extLst>
-          </p:cNvPr>
-          <p:cNvSpPr>
-            <a:spLocks noGrp="1"/>
-          </p:cNvSpPr>
-          <p:nvPr>
-            <p:ph type="body" sz="quarter" idx="3"/>
+            <a:endParaRPr lang="en-US" dirty="0"/>
+          </a:p>
+        </p:txBody>
+      </p:sp>
+      <p:sp>
+        <p:nvSpPr>
+          <p:cNvPr id="6" name="Content Placeholder 5"/>
+          <p:cNvSpPr>
+            <a:spLocks noGrp="1"/>
+          </p:cNvSpPr>
+          <p:nvPr>
+            <p:ph sz="quarter" idx="4"/>
           </p:nvPr>
         </p:nvSpPr>
         <p:spPr>
           <a:xfrm>
-            <a:off x="6172200" y="1681163"/>
-            <a:ext cx="5183188" cy="823912"/>
+            <a:off x="6338316" y="3143250"/>
+            <a:ext cx="4253484" cy="2596776"/>
           </a:xfrm>
         </p:spPr>
         <p:txBody>
-          <a:bodyPr anchor="b"/>
+          <a:bodyPr/>
           <a:lstStyle>
-            <a:lvl1pPr marL="0" indent="0">
-              <a:buNone/>
-              <a:defRPr sz="2400" b="1"/>
+            <a:lvl5pPr>
+              <a:defRPr/>
+            </a:lvl5pPr>
+          </a:lstStyle>
+          <a:p>
+            <a:pPr lvl="0"/>
+            <a:r>
+              <a:rPr lang="en-US"/>
+              <a:t>Click to edit Master text styles</a:t>
+            </a:r>
+          </a:p>
+          <a:p>
+            <a:pPr lvl="1"/>
+            <a:r>
+              <a:rPr lang="en-US"/>
+              <a:t>Second level</a:t>
+            </a:r>
+          </a:p>
+          <a:p>
+            <a:pPr lvl="2"/>
+            <a:r>
+              <a:rPr lang="en-US"/>
+              <a:t>Third level</a:t>
+            </a:r>
+          </a:p>
+          <a:p>
+            <a:pPr lvl="3"/>
+            <a:r>
+              <a:rPr lang="en-US"/>
+              <a:t>Fourth level</a:t>
+            </a:r>
+          </a:p>
+          <a:p>
+            <a:pPr lvl="4"/>
+            <a:r>
+              <a:rPr lang="en-US"/>
+              <a:t>Fifth level</a:t>
+            </a:r>
+            <a:endParaRPr lang="en-US" dirty="0"/>
+          </a:p>
+        </p:txBody>
+      </p:sp>
+      <p:sp>
+        <p:nvSpPr>
+          <p:cNvPr id="11" name="Text Placeholder 4"/>
+          <p:cNvSpPr>
+            <a:spLocks noGrp="1"/>
+          </p:cNvSpPr>
+          <p:nvPr>
+            <p:ph type="body" sz="quarter" idx="13"/>
+          </p:nvPr>
+        </p:nvSpPr>
+        <p:spPr>
+          <a:xfrm>
+            <a:off x="6338316" y="2313433"/>
+            <a:ext cx="4270248" cy="704087"/>
+          </a:xfrm>
+        </p:spPr>
+        <p:txBody>
+          <a:bodyPr anchor="b" anchorCtr="1">
+            <a:normAutofit/>
+          </a:bodyPr>
+          <a:lstStyle>
+            <a:lvl1pPr marL="0" indent="0" algn="ctr">
+              <a:buNone/>
+              <a:defRPr sz="1900" b="0" cap="all" spc="100" baseline="0">
+                <a:solidFill>
+                  <a:schemeClr val="accent2">
+                    <a:lumMod val="75000"/>
+                  </a:schemeClr>
+                </a:solidFill>
+              </a:defRPr>
             </a:lvl1pPr>
             <a:lvl2pPr marL="457200" indent="0">
               <a:buNone/>
-              <a:defRPr sz="2000" b="1"/>
+              <a:defRPr sz="1900" b="1"/>
             </a:lvl2pPr>
             <a:lvl3pPr marL="914400" indent="0">
               <a:buNone/>
@@ -1728,75 +2815,7 @@
       </p:sp>
       <p:sp>
         <p:nvSpPr>
-          <p:cNvPr id="6" name="Content Placeholder 5">
-            <a:extLst>
-              <a:ext uri="{FF2B5EF4-FFF2-40B4-BE49-F238E27FC236}">
-                <a16:creationId xmlns:a16="http://schemas.microsoft.com/office/drawing/2014/main" id="{B979ADCD-5073-C232-79A0-D5A6C5FFAED1}"/>
-              </a:ext>
-            </a:extLst>
-          </p:cNvPr>
-          <p:cNvSpPr>
-            <a:spLocks noGrp="1"/>
-          </p:cNvSpPr>
-          <p:nvPr>
-            <p:ph sz="quarter" idx="4"/>
-          </p:nvPr>
-        </p:nvSpPr>
-        <p:spPr>
-          <a:xfrm>
-            <a:off x="6172200" y="2505075"/>
-            <a:ext cx="5183188" cy="3684588"/>
-          </a:xfrm>
-        </p:spPr>
-        <p:txBody>
-          <a:bodyPr/>
-          <a:lstStyle/>
-          <a:p>
-            <a:pPr lvl="0"/>
-            <a:r>
-              <a:rPr lang="en-US"/>
-              <a:t>Click to edit Master text styles</a:t>
-            </a:r>
-          </a:p>
-          <a:p>
-            <a:pPr lvl="1"/>
-            <a:r>
-              <a:rPr lang="en-US"/>
-              <a:t>Second level</a:t>
-            </a:r>
-          </a:p>
-          <a:p>
-            <a:pPr lvl="2"/>
-            <a:r>
-              <a:rPr lang="en-US"/>
-              <a:t>Third level</a:t>
-            </a:r>
-          </a:p>
-          <a:p>
-            <a:pPr lvl="3"/>
-            <a:r>
-              <a:rPr lang="en-US"/>
-              <a:t>Fourth level</a:t>
-            </a:r>
-          </a:p>
-          <a:p>
-            <a:pPr lvl="4"/>
-            <a:r>
-              <a:rPr lang="en-US"/>
-              <a:t>Fifth level</a:t>
-            </a:r>
-          </a:p>
-        </p:txBody>
-      </p:sp>
-      <p:sp>
-        <p:nvSpPr>
-          <p:cNvPr id="7" name="Date Placeholder 6">
-            <a:extLst>
-              <a:ext uri="{FF2B5EF4-FFF2-40B4-BE49-F238E27FC236}">
-                <a16:creationId xmlns:a16="http://schemas.microsoft.com/office/drawing/2014/main" id="{E279BFC5-4D58-D2B4-B93B-53336A966B58}"/>
-              </a:ext>
-            </a:extLst>
-          </p:cNvPr>
+          <p:cNvPr id="7" name="Date Placeholder 6"/>
           <p:cNvSpPr>
             <a:spLocks noGrp="1"/>
           </p:cNvSpPr>
@@ -1819,13 +2838,7 @@
       </p:sp>
       <p:sp>
         <p:nvSpPr>
-          <p:cNvPr id="8" name="Footer Placeholder 7">
-            <a:extLst>
-              <a:ext uri="{FF2B5EF4-FFF2-40B4-BE49-F238E27FC236}">
-                <a16:creationId xmlns:a16="http://schemas.microsoft.com/office/drawing/2014/main" id="{3AC74F8B-17DA-1EEB-7D1B-D87A86616D91}"/>
-              </a:ext>
-            </a:extLst>
-          </p:cNvPr>
+          <p:cNvPr id="8" name="Footer Placeholder 7"/>
           <p:cNvSpPr>
             <a:spLocks noGrp="1"/>
           </p:cNvSpPr>
@@ -1844,13 +2857,7 @@
       </p:sp>
       <p:sp>
         <p:nvSpPr>
-          <p:cNvPr id="9" name="Slide Number Placeholder 8">
-            <a:extLst>
-              <a:ext uri="{FF2B5EF4-FFF2-40B4-BE49-F238E27FC236}">
-                <a16:creationId xmlns:a16="http://schemas.microsoft.com/office/drawing/2014/main" id="{1CFFD5F2-6FFA-C452-56B0-EE5022C4CC1E}"/>
-              </a:ext>
-            </a:extLst>
-          </p:cNvPr>
+          <p:cNvPr id="9" name="Slide Number Placeholder 8"/>
           <p:cNvSpPr>
             <a:spLocks noGrp="1"/>
           </p:cNvSpPr>
@@ -1871,10 +2878,33 @@
           </a:p>
         </p:txBody>
       </p:sp>
+      <p:sp>
+        <p:nvSpPr>
+          <p:cNvPr id="10" name="Title 9"/>
+          <p:cNvSpPr>
+            <a:spLocks noGrp="1"/>
+          </p:cNvSpPr>
+          <p:nvPr>
+            <p:ph type="title"/>
+          </p:nvPr>
+        </p:nvSpPr>
+        <p:spPr/>
+        <p:txBody>
+          <a:bodyPr/>
+          <a:lstStyle/>
+          <a:p>
+            <a:r>
+              <a:rPr lang="en-US"/>
+              <a:t>Click to edit Master title style</a:t>
+            </a:r>
+            <a:endParaRPr lang="en-US" dirty="0"/>
+          </a:p>
+        </p:txBody>
+      </p:sp>
     </p:spTree>
     <p:extLst>
       <p:ext uri="{BB962C8B-B14F-4D97-AF65-F5344CB8AC3E}">
-        <p14:creationId xmlns:p14="http://schemas.microsoft.com/office/powerpoint/2010/main" val="170189149"/>
+        <p14:creationId xmlns:p14="http://schemas.microsoft.com/office/powerpoint/2010/main" val="629762062"/>
       </p:ext>
     </p:extLst>
   </p:cSld>
@@ -1903,13 +2933,7 @@
       </p:grpSpPr>
       <p:sp>
         <p:nvSpPr>
-          <p:cNvPr id="2" name="Title 1">
-            <a:extLst>
-              <a:ext uri="{FF2B5EF4-FFF2-40B4-BE49-F238E27FC236}">
-                <a16:creationId xmlns:a16="http://schemas.microsoft.com/office/drawing/2014/main" id="{341C1EDB-FA88-65BD-2F77-897B8EA15A80}"/>
-              </a:ext>
-            </a:extLst>
-          </p:cNvPr>
+          <p:cNvPr id="2" name="Title 1"/>
           <p:cNvSpPr>
             <a:spLocks noGrp="1"/>
           </p:cNvSpPr>
@@ -1926,18 +2950,13 @@
               <a:rPr lang="en-US"/>
               <a:t>Click to edit Master title style</a:t>
             </a:r>
-          </a:p>
-        </p:txBody>
-      </p:sp>
-      <p:sp>
-        <p:nvSpPr>
-          <p:cNvPr id="3" name="Date Placeholder 2">
-            <a:extLst>
-              <a:ext uri="{FF2B5EF4-FFF2-40B4-BE49-F238E27FC236}">
-                <a16:creationId xmlns:a16="http://schemas.microsoft.com/office/drawing/2014/main" id="{7DEB959B-DD7C-5EC3-78EC-7845A18F582B}"/>
-              </a:ext>
-            </a:extLst>
-          </p:cNvPr>
+            <a:endParaRPr lang="en-US" dirty="0"/>
+          </a:p>
+        </p:txBody>
+      </p:sp>
+      <p:sp>
+        <p:nvSpPr>
+          <p:cNvPr id="3" name="Date Placeholder 2"/>
           <p:cNvSpPr>
             <a:spLocks noGrp="1"/>
           </p:cNvSpPr>
@@ -1960,13 +2979,7 @@
       </p:sp>
       <p:sp>
         <p:nvSpPr>
-          <p:cNvPr id="4" name="Footer Placeholder 3">
-            <a:extLst>
-              <a:ext uri="{FF2B5EF4-FFF2-40B4-BE49-F238E27FC236}">
-                <a16:creationId xmlns:a16="http://schemas.microsoft.com/office/drawing/2014/main" id="{F6C90568-DBDC-739E-33C6-617515AD36DB}"/>
-              </a:ext>
-            </a:extLst>
-          </p:cNvPr>
+          <p:cNvPr id="4" name="Footer Placeholder 3"/>
           <p:cNvSpPr>
             <a:spLocks noGrp="1"/>
           </p:cNvSpPr>
@@ -1985,13 +2998,7 @@
       </p:sp>
       <p:sp>
         <p:nvSpPr>
-          <p:cNvPr id="5" name="Slide Number Placeholder 4">
-            <a:extLst>
-              <a:ext uri="{FF2B5EF4-FFF2-40B4-BE49-F238E27FC236}">
-                <a16:creationId xmlns:a16="http://schemas.microsoft.com/office/drawing/2014/main" id="{B84D3B92-1A70-695D-77B0-D84B49A30C67}"/>
-              </a:ext>
-            </a:extLst>
-          </p:cNvPr>
+          <p:cNvPr id="5" name="Slide Number Placeholder 4"/>
           <p:cNvSpPr>
             <a:spLocks noGrp="1"/>
           </p:cNvSpPr>
@@ -2015,7 +3022,7 @@
     </p:spTree>
     <p:extLst>
       <p:ext uri="{BB962C8B-B14F-4D97-AF65-F5344CB8AC3E}">
-        <p14:creationId xmlns:p14="http://schemas.microsoft.com/office/powerpoint/2010/main" val="244172005"/>
+        <p14:creationId xmlns:p14="http://schemas.microsoft.com/office/powerpoint/2010/main" val="2938910422"/>
       </p:ext>
     </p:extLst>
   </p:cSld>
@@ -2044,13 +3051,7 @@
       </p:grpSpPr>
       <p:sp>
         <p:nvSpPr>
-          <p:cNvPr id="2" name="Date Placeholder 1">
-            <a:extLst>
-              <a:ext uri="{FF2B5EF4-FFF2-40B4-BE49-F238E27FC236}">
-                <a16:creationId xmlns:a16="http://schemas.microsoft.com/office/drawing/2014/main" id="{1271AFC4-2CDA-F531-432B-E955018AE218}"/>
-              </a:ext>
-            </a:extLst>
-          </p:cNvPr>
+          <p:cNvPr id="2" name="Date Placeholder 1"/>
           <p:cNvSpPr>
             <a:spLocks noGrp="1"/>
           </p:cNvSpPr>
@@ -2073,13 +3074,7 @@
       </p:sp>
       <p:sp>
         <p:nvSpPr>
-          <p:cNvPr id="3" name="Footer Placeholder 2">
-            <a:extLst>
-              <a:ext uri="{FF2B5EF4-FFF2-40B4-BE49-F238E27FC236}">
-                <a16:creationId xmlns:a16="http://schemas.microsoft.com/office/drawing/2014/main" id="{C27566E8-AEB4-F569-91B2-36DB99D2BBE2}"/>
-              </a:ext>
-            </a:extLst>
-          </p:cNvPr>
+          <p:cNvPr id="3" name="Footer Placeholder 2"/>
           <p:cNvSpPr>
             <a:spLocks noGrp="1"/>
           </p:cNvSpPr>
@@ -2098,13 +3093,7 @@
       </p:sp>
       <p:sp>
         <p:nvSpPr>
-          <p:cNvPr id="4" name="Slide Number Placeholder 3">
-            <a:extLst>
-              <a:ext uri="{FF2B5EF4-FFF2-40B4-BE49-F238E27FC236}">
-                <a16:creationId xmlns:a16="http://schemas.microsoft.com/office/drawing/2014/main" id="{786B9719-8D73-1178-9550-6B561D93D32D}"/>
-              </a:ext>
-            </a:extLst>
-          </p:cNvPr>
+          <p:cNvPr id="4" name="Slide Number Placeholder 3"/>
           <p:cNvSpPr>
             <a:spLocks noGrp="1"/>
           </p:cNvSpPr>
@@ -2128,7 +3117,7 @@
     </p:spTree>
     <p:extLst>
       <p:ext uri="{BB962C8B-B14F-4D97-AF65-F5344CB8AC3E}">
-        <p14:creationId xmlns:p14="http://schemas.microsoft.com/office/powerpoint/2010/main" val="4034525179"/>
+        <p14:creationId xmlns:p14="http://schemas.microsoft.com/office/powerpoint/2010/main" val="2020587819"/>
       </p:ext>
     </p:extLst>
   </p:cSld>
@@ -2157,159 +3146,223 @@
       </p:grpSpPr>
       <p:sp>
         <p:nvSpPr>
-          <p:cNvPr id="2" name="Title 1">
-            <a:extLst>
-              <a:ext uri="{FF2B5EF4-FFF2-40B4-BE49-F238E27FC236}">
-                <a16:creationId xmlns:a16="http://schemas.microsoft.com/office/drawing/2014/main" id="{8D184CAA-1FFE-3430-AAF0-2C2B798A769E}"/>
-              </a:ext>
-            </a:extLst>
-          </p:cNvPr>
-          <p:cNvSpPr>
-            <a:spLocks noGrp="1"/>
-          </p:cNvSpPr>
-          <p:nvPr>
-            <p:ph type="title"/>
-          </p:nvPr>
+          <p:cNvPr id="26" name="Rectangle 25"/>
+          <p:cNvSpPr/>
+          <p:nvPr/>
         </p:nvSpPr>
         <p:spPr>
           <a:xfrm>
-            <a:off x="839788" y="457200"/>
-            <a:ext cx="3932237" cy="1600200"/>
+            <a:off x="0" y="0"/>
+            <a:ext cx="6096000" cy="6858000"/>
+          </a:xfrm>
+          <a:prstGeom prst="rect">
+            <a:avLst/>
+          </a:prstGeom>
+          <a:solidFill>
+            <a:schemeClr val="accent2"/>
+          </a:solidFill>
+          <a:ln>
+            <a:noFill/>
+          </a:ln>
+        </p:spPr>
+        <p:style>
+          <a:lnRef idx="2">
+            <a:schemeClr val="accent1">
+              <a:shade val="50000"/>
+            </a:schemeClr>
+          </a:lnRef>
+          <a:fillRef idx="1">
+            <a:schemeClr val="accent1"/>
+          </a:fillRef>
+          <a:effectRef idx="0">
+            <a:schemeClr val="accent1"/>
+          </a:effectRef>
+          <a:fontRef idx="minor">
+            <a:schemeClr val="lt1"/>
+          </a:fontRef>
+        </p:style>
+      </p:sp>
+      <p:sp>
+        <p:nvSpPr>
+          <p:cNvPr id="2" name="Title 1"/>
+          <p:cNvSpPr>
+            <a:spLocks noGrp="1"/>
+          </p:cNvSpPr>
+          <p:nvPr>
+            <p:ph type="title"/>
+          </p:nvPr>
+        </p:nvSpPr>
+        <p:spPr bwMode="blackWhite">
+          <a:xfrm>
+            <a:off x="804672" y="2243828"/>
+            <a:ext cx="4486656" cy="1141497"/>
+          </a:xfrm>
+          <a:solidFill>
+            <a:srgbClr val="FFFFFF"/>
+          </a:solidFill>
+          <a:ln>
+            <a:solidFill>
+              <a:srgbClr val="404040"/>
+            </a:solidFill>
+          </a:ln>
+        </p:spPr>
+        <p:txBody>
+          <a:bodyPr anchor="ctr" anchorCtr="1">
+            <a:normAutofit/>
+          </a:bodyPr>
+          <a:lstStyle>
+            <a:lvl1pPr>
+              <a:defRPr sz="2200">
+                <a:solidFill>
+                  <a:srgbClr val="262626"/>
+                </a:solidFill>
+              </a:defRPr>
+            </a:lvl1pPr>
+          </a:lstStyle>
+          <a:p>
+            <a:r>
+              <a:rPr lang="en-US"/>
+              <a:t>Click to edit Master title style</a:t>
+            </a:r>
+            <a:endParaRPr lang="en-US" dirty="0"/>
+          </a:p>
+        </p:txBody>
+      </p:sp>
+      <p:sp>
+        <p:nvSpPr>
+          <p:cNvPr id="3" name="Content Placeholder 2"/>
+          <p:cNvSpPr>
+            <a:spLocks noGrp="1"/>
+          </p:cNvSpPr>
+          <p:nvPr>
+            <p:ph idx="1"/>
+          </p:nvPr>
+        </p:nvSpPr>
+        <p:spPr>
+          <a:xfrm>
+            <a:off x="6736080" y="804672"/>
+            <a:ext cx="4815840" cy="5248656"/>
           </a:xfrm>
         </p:spPr>
         <p:txBody>
-          <a:bodyPr anchor="b"/>
+          <a:bodyPr>
+            <a:normAutofit/>
+          </a:bodyPr>
           <a:lstStyle>
             <a:lvl1pPr>
-              <a:defRPr sz="3200"/>
+              <a:defRPr sz="1900">
+                <a:solidFill>
+                  <a:schemeClr val="tx1"/>
+                </a:solidFill>
+              </a:defRPr>
             </a:lvl1pPr>
+            <a:lvl2pPr>
+              <a:defRPr sz="1600">
+                <a:solidFill>
+                  <a:schemeClr val="tx1"/>
+                </a:solidFill>
+              </a:defRPr>
+            </a:lvl2pPr>
+            <a:lvl3pPr>
+              <a:defRPr sz="1600">
+                <a:solidFill>
+                  <a:schemeClr val="tx1"/>
+                </a:solidFill>
+              </a:defRPr>
+            </a:lvl3pPr>
+            <a:lvl4pPr>
+              <a:defRPr sz="1600">
+                <a:solidFill>
+                  <a:schemeClr val="tx1"/>
+                </a:solidFill>
+              </a:defRPr>
+            </a:lvl4pPr>
+            <a:lvl5pPr>
+              <a:defRPr sz="1600">
+                <a:solidFill>
+                  <a:schemeClr val="tx1"/>
+                </a:solidFill>
+              </a:defRPr>
+            </a:lvl5pPr>
+            <a:lvl6pPr>
+              <a:defRPr sz="1600"/>
+            </a:lvl6pPr>
+            <a:lvl7pPr>
+              <a:defRPr sz="1600"/>
+            </a:lvl7pPr>
+            <a:lvl8pPr>
+              <a:defRPr sz="1600"/>
+            </a:lvl8pPr>
+            <a:lvl9pPr>
+              <a:defRPr sz="1600"/>
+            </a:lvl9pPr>
           </a:lstStyle>
           <a:p>
-            <a:r>
-              <a:rPr lang="en-US"/>
-              <a:t>Click to edit Master title style</a:t>
-            </a:r>
-          </a:p>
-        </p:txBody>
-      </p:sp>
-      <p:sp>
-        <p:nvSpPr>
-          <p:cNvPr id="3" name="Content Placeholder 2">
-            <a:extLst>
-              <a:ext uri="{FF2B5EF4-FFF2-40B4-BE49-F238E27FC236}">
-                <a16:creationId xmlns:a16="http://schemas.microsoft.com/office/drawing/2014/main" id="{C29F596C-360A-F2C9-C822-BD73FF77920D}"/>
-              </a:ext>
-            </a:extLst>
-          </p:cNvPr>
-          <p:cNvSpPr>
-            <a:spLocks noGrp="1"/>
-          </p:cNvSpPr>
-          <p:nvPr>
-            <p:ph idx="1"/>
+            <a:pPr lvl="0"/>
+            <a:r>
+              <a:rPr lang="en-US"/>
+              <a:t>Click to edit Master text styles</a:t>
+            </a:r>
+          </a:p>
+          <a:p>
+            <a:pPr lvl="1"/>
+            <a:r>
+              <a:rPr lang="en-US"/>
+              <a:t>Second level</a:t>
+            </a:r>
+          </a:p>
+          <a:p>
+            <a:pPr lvl="2"/>
+            <a:r>
+              <a:rPr lang="en-US"/>
+              <a:t>Third level</a:t>
+            </a:r>
+          </a:p>
+          <a:p>
+            <a:pPr lvl="3"/>
+            <a:r>
+              <a:rPr lang="en-US"/>
+              <a:t>Fourth level</a:t>
+            </a:r>
+          </a:p>
+          <a:p>
+            <a:pPr lvl="4"/>
+            <a:r>
+              <a:rPr lang="en-US"/>
+              <a:t>Fifth level</a:t>
+            </a:r>
+            <a:endParaRPr lang="en-US" dirty="0"/>
+          </a:p>
+        </p:txBody>
+      </p:sp>
+      <p:sp>
+        <p:nvSpPr>
+          <p:cNvPr id="4" name="Text Placeholder 3"/>
+          <p:cNvSpPr>
+            <a:spLocks noGrp="1"/>
+          </p:cNvSpPr>
+          <p:nvPr>
+            <p:ph type="body" sz="half" idx="2"/>
           </p:nvPr>
         </p:nvSpPr>
         <p:spPr>
           <a:xfrm>
-            <a:off x="5183188" y="987425"/>
-            <a:ext cx="6172200" cy="4873625"/>
+            <a:off x="1115568" y="3549918"/>
+            <a:ext cx="3794760" cy="2194036"/>
           </a:xfrm>
         </p:spPr>
         <p:txBody>
-          <a:bodyPr/>
+          <a:bodyPr anchor="t" anchorCtr="1">
+            <a:normAutofit/>
+          </a:bodyPr>
           <a:lstStyle>
-            <a:lvl1pPr>
-              <a:defRPr sz="3200"/>
-            </a:lvl1pPr>
-            <a:lvl2pPr>
-              <a:defRPr sz="2800"/>
-            </a:lvl2pPr>
-            <a:lvl3pPr>
-              <a:defRPr sz="2400"/>
-            </a:lvl3pPr>
-            <a:lvl4pPr>
-              <a:defRPr sz="2000"/>
-            </a:lvl4pPr>
-            <a:lvl5pPr>
-              <a:defRPr sz="2000"/>
-            </a:lvl5pPr>
-            <a:lvl6pPr>
-              <a:defRPr sz="2000"/>
-            </a:lvl6pPr>
-            <a:lvl7pPr>
-              <a:defRPr sz="2000"/>
-            </a:lvl7pPr>
-            <a:lvl8pPr>
-              <a:defRPr sz="2000"/>
-            </a:lvl8pPr>
-            <a:lvl9pPr>
-              <a:defRPr sz="2000"/>
-            </a:lvl9pPr>
-          </a:lstStyle>
-          <a:p>
-            <a:pPr lvl="0"/>
-            <a:r>
-              <a:rPr lang="en-US"/>
-              <a:t>Click to edit Master text styles</a:t>
-            </a:r>
-          </a:p>
-          <a:p>
-            <a:pPr lvl="1"/>
-            <a:r>
-              <a:rPr lang="en-US"/>
-              <a:t>Second level</a:t>
-            </a:r>
-          </a:p>
-          <a:p>
-            <a:pPr lvl="2"/>
-            <a:r>
-              <a:rPr lang="en-US"/>
-              <a:t>Third level</a:t>
-            </a:r>
-          </a:p>
-          <a:p>
-            <a:pPr lvl="3"/>
-            <a:r>
-              <a:rPr lang="en-US"/>
-              <a:t>Fourth level</a:t>
-            </a:r>
-          </a:p>
-          <a:p>
-            <a:pPr lvl="4"/>
-            <a:r>
-              <a:rPr lang="en-US"/>
-              <a:t>Fifth level</a:t>
-            </a:r>
-          </a:p>
-        </p:txBody>
-      </p:sp>
-      <p:sp>
-        <p:nvSpPr>
-          <p:cNvPr id="4" name="Text Placeholder 3">
-            <a:extLst>
-              <a:ext uri="{FF2B5EF4-FFF2-40B4-BE49-F238E27FC236}">
-                <a16:creationId xmlns:a16="http://schemas.microsoft.com/office/drawing/2014/main" id="{1683A4F7-0F3A-21AC-8175-D2E205CE2C9B}"/>
-              </a:ext>
-            </a:extLst>
-          </p:cNvPr>
-          <p:cNvSpPr>
-            <a:spLocks noGrp="1"/>
-          </p:cNvSpPr>
-          <p:nvPr>
-            <p:ph type="body" sz="half" idx="2"/>
-          </p:nvPr>
-        </p:nvSpPr>
-        <p:spPr>
-          <a:xfrm>
-            <a:off x="839788" y="2057400"/>
-            <a:ext cx="3932237" cy="3811588"/>
-          </a:xfrm>
-        </p:spPr>
-        <p:txBody>
-          <a:bodyPr/>
-          <a:lstStyle>
-            <a:lvl1pPr marL="0" indent="0">
-              <a:buNone/>
-              <a:defRPr sz="1600"/>
+            <a:lvl1pPr marL="0" indent="0" algn="ctr">
+              <a:buNone/>
+              <a:defRPr sz="1500">
+                <a:solidFill>
+                  <a:srgbClr val="FFFFFF"/>
+                </a:solidFill>
+              </a:defRPr>
             </a:lvl1pPr>
             <a:lvl2pPr marL="457200" indent="0">
               <a:buNone/>
@@ -2355,13 +3408,7 @@
       </p:sp>
       <p:sp>
         <p:nvSpPr>
-          <p:cNvPr id="5" name="Date Placeholder 4">
-            <a:extLst>
-              <a:ext uri="{FF2B5EF4-FFF2-40B4-BE49-F238E27FC236}">
-                <a16:creationId xmlns:a16="http://schemas.microsoft.com/office/drawing/2014/main" id="{FE43E0DE-65D4-0C33-915E-260A537C8A08}"/>
-              </a:ext>
-            </a:extLst>
-          </p:cNvPr>
+          <p:cNvPr id="9" name="Date Placeholder 8"/>
           <p:cNvSpPr>
             <a:spLocks noGrp="1"/>
           </p:cNvSpPr>
@@ -2384,13 +3431,7 @@
       </p:sp>
       <p:sp>
         <p:nvSpPr>
-          <p:cNvPr id="6" name="Footer Placeholder 5">
-            <a:extLst>
-              <a:ext uri="{FF2B5EF4-FFF2-40B4-BE49-F238E27FC236}">
-                <a16:creationId xmlns:a16="http://schemas.microsoft.com/office/drawing/2014/main" id="{03B9EDF0-CDB7-8811-C4BB-7CF175AE8792}"/>
-              </a:ext>
-            </a:extLst>
-          </p:cNvPr>
+          <p:cNvPr id="10" name="Footer Placeholder 9"/>
           <p:cNvSpPr>
             <a:spLocks noGrp="1"/>
           </p:cNvSpPr>
@@ -2398,10 +3439,25 @@
             <p:ph type="ftr" sz="quarter" idx="11"/>
           </p:nvPr>
         </p:nvSpPr>
-        <p:spPr/>
+        <p:spPr>
+          <a:xfrm>
+            <a:off x="804672" y="6236208"/>
+            <a:ext cx="5124797" cy="320040"/>
+          </a:xfrm>
+        </p:spPr>
         <p:txBody>
           <a:bodyPr/>
-          <a:lstStyle/>
+          <a:lstStyle>
+            <a:lvl1pPr>
+              <a:defRPr>
+                <a:solidFill>
+                  <a:srgbClr val="FFFFFF">
+                    <a:alpha val="70000"/>
+                  </a:srgbClr>
+                </a:solidFill>
+              </a:defRPr>
+            </a:lvl1pPr>
+          </a:lstStyle>
           <a:p>
             <a:endParaRPr lang="en-US"/>
           </a:p>
@@ -2409,13 +3465,7 @@
       </p:sp>
       <p:sp>
         <p:nvSpPr>
-          <p:cNvPr id="7" name="Slide Number Placeholder 6">
-            <a:extLst>
-              <a:ext uri="{FF2B5EF4-FFF2-40B4-BE49-F238E27FC236}">
-                <a16:creationId xmlns:a16="http://schemas.microsoft.com/office/drawing/2014/main" id="{5A23C6FB-ED09-2A2B-6A63-FFC62EE112B4}"/>
-              </a:ext>
-            </a:extLst>
-          </p:cNvPr>
+          <p:cNvPr id="11" name="Slide Number Placeholder 10"/>
           <p:cNvSpPr>
             <a:spLocks noGrp="1"/>
           </p:cNvSpPr>
@@ -2439,7 +3489,7 @@
     </p:spTree>
     <p:extLst>
       <p:ext uri="{BB962C8B-B14F-4D97-AF65-F5344CB8AC3E}">
-        <p14:creationId xmlns:p14="http://schemas.microsoft.com/office/powerpoint/2010/main" val="2693314993"/>
+        <p14:creationId xmlns:p14="http://schemas.microsoft.com/office/powerpoint/2010/main" val="3411553061"/>
       </p:ext>
     </p:extLst>
   </p:cSld>
@@ -2468,31 +3518,77 @@
       </p:grpSpPr>
       <p:sp>
         <p:nvSpPr>
-          <p:cNvPr id="2" name="Title 1">
-            <a:extLst>
-              <a:ext uri="{FF2B5EF4-FFF2-40B4-BE49-F238E27FC236}">
-                <a16:creationId xmlns:a16="http://schemas.microsoft.com/office/drawing/2014/main" id="{30F72255-47AD-8DE1-B5BC-16C922DD7991}"/>
-              </a:ext>
-            </a:extLst>
-          </p:cNvPr>
-          <p:cNvSpPr>
-            <a:spLocks noGrp="1"/>
-          </p:cNvSpPr>
-          <p:nvPr>
-            <p:ph type="title"/>
-          </p:nvPr>
+          <p:cNvPr id="18" name="Rectangle 17"/>
+          <p:cNvSpPr/>
+          <p:nvPr/>
         </p:nvSpPr>
         <p:spPr>
           <a:xfrm>
-            <a:off x="839788" y="457200"/>
-            <a:ext cx="3932237" cy="1600200"/>
+            <a:off x="0" y="0"/>
+            <a:ext cx="6095999" cy="6858000"/>
           </a:xfrm>
+          <a:prstGeom prst="rect">
+            <a:avLst/>
+          </a:prstGeom>
+          <a:solidFill>
+            <a:schemeClr val="accent2"/>
+          </a:solidFill>
+          <a:ln>
+            <a:noFill/>
+          </a:ln>
         </p:spPr>
-        <p:txBody>
-          <a:bodyPr anchor="b"/>
+        <p:style>
+          <a:lnRef idx="2">
+            <a:schemeClr val="accent1">
+              <a:shade val="50000"/>
+            </a:schemeClr>
+          </a:lnRef>
+          <a:fillRef idx="1">
+            <a:schemeClr val="accent1"/>
+          </a:fillRef>
+          <a:effectRef idx="0">
+            <a:schemeClr val="accent1"/>
+          </a:effectRef>
+          <a:fontRef idx="minor">
+            <a:schemeClr val="lt1"/>
+          </a:fontRef>
+        </p:style>
+      </p:sp>
+      <p:sp>
+        <p:nvSpPr>
+          <p:cNvPr id="2" name="Title 1"/>
+          <p:cNvSpPr>
+            <a:spLocks noGrp="1"/>
+          </p:cNvSpPr>
+          <p:nvPr>
+            <p:ph type="title"/>
+          </p:nvPr>
+        </p:nvSpPr>
+        <p:spPr bwMode="blackWhite">
+          <a:xfrm>
+            <a:off x="808523" y="2243828"/>
+            <a:ext cx="4494998" cy="1134640"/>
+          </a:xfrm>
+          <a:solidFill>
+            <a:srgbClr val="FFFFFF"/>
+          </a:solidFill>
+          <a:ln>
+            <a:solidFill>
+              <a:srgbClr val="404040"/>
+            </a:solidFill>
+          </a:ln>
+        </p:spPr>
+        <p:txBody>
+          <a:bodyPr anchor="ctr" anchorCtr="1">
+            <a:noAutofit/>
+          </a:bodyPr>
           <a:lstStyle>
             <a:lvl1pPr>
-              <a:defRPr sz="3200"/>
+              <a:defRPr sz="2200">
+                <a:solidFill>
+                  <a:srgbClr val="262626"/>
+                </a:solidFill>
+              </a:defRPr>
             </a:lvl1pPr>
           </a:lstStyle>
           <a:p>
@@ -2500,20 +3596,15 @@
               <a:rPr lang="en-US"/>
               <a:t>Click to edit Master title style</a:t>
             </a:r>
-          </a:p>
-        </p:txBody>
-      </p:sp>
-      <p:sp>
-        <p:nvSpPr>
-          <p:cNvPr id="3" name="Picture Placeholder 2">
-            <a:extLst>
-              <a:ext uri="{FF2B5EF4-FFF2-40B4-BE49-F238E27FC236}">
-                <a16:creationId xmlns:a16="http://schemas.microsoft.com/office/drawing/2014/main" id="{79DBBC2D-EBAE-56C0-9FA8-343ABE888DAD}"/>
-              </a:ext>
-            </a:extLst>
-          </p:cNvPr>
-          <p:cNvSpPr>
-            <a:spLocks noGrp="1"/>
+            <a:endParaRPr lang="en-US" dirty="0"/>
+          </a:p>
+        </p:txBody>
+      </p:sp>
+      <p:sp>
+        <p:nvSpPr>
+          <p:cNvPr id="3" name="Picture Placeholder 2"/>
+          <p:cNvSpPr>
+            <a:spLocks noGrp="1" noChangeAspect="1"/>
           </p:cNvSpPr>
           <p:nvPr>
             <p:ph type="pic" idx="1"/>
@@ -2521,16 +3612,28 @@
         </p:nvSpPr>
         <p:spPr>
           <a:xfrm>
-            <a:off x="5183188" y="987425"/>
-            <a:ext cx="6172200" cy="4873625"/>
+            <a:off x="6095999" y="0"/>
+            <a:ext cx="6102097" cy="6858000"/>
           </a:xfrm>
+          <a:solidFill>
+            <a:schemeClr val="bg1">
+              <a:lumMod val="75000"/>
+            </a:schemeClr>
+          </a:solidFill>
         </p:spPr>
         <p:txBody>
-          <a:bodyPr/>
+          <a:bodyPr anchor="t"/>
           <a:lstStyle>
             <a:lvl1pPr marL="0" indent="0">
               <a:buNone/>
-              <a:defRPr sz="3200"/>
+              <a:defRPr sz="3200">
+                <a:solidFill>
+                  <a:schemeClr val="bg1">
+                    <a:lumMod val="85000"/>
+                    <a:lumOff val="15000"/>
+                  </a:schemeClr>
+                </a:solidFill>
+              </a:defRPr>
             </a:lvl1pPr>
             <a:lvl2pPr marL="457200" indent="0">
               <a:buNone/>
@@ -2566,19 +3669,17 @@
             </a:lvl9pPr>
           </a:lstStyle>
           <a:p>
-            <a:endParaRPr lang="en-US"/>
-          </a:p>
-        </p:txBody>
-      </p:sp>
-      <p:sp>
-        <p:nvSpPr>
-          <p:cNvPr id="4" name="Text Placeholder 3">
-            <a:extLst>
-              <a:ext uri="{FF2B5EF4-FFF2-40B4-BE49-F238E27FC236}">
-                <a16:creationId xmlns:a16="http://schemas.microsoft.com/office/drawing/2014/main" id="{EF00C358-98CB-3857-E8FD-8537174C8B4B}"/>
-              </a:ext>
-            </a:extLst>
-          </p:cNvPr>
+            <a:r>
+              <a:rPr lang="en-US"/>
+              <a:t>Click icon to add picture</a:t>
+            </a:r>
+            <a:endParaRPr lang="en-US" dirty="0"/>
+          </a:p>
+        </p:txBody>
+      </p:sp>
+      <p:sp>
+        <p:nvSpPr>
+          <p:cNvPr id="4" name="Text Placeholder 3"/>
           <p:cNvSpPr>
             <a:spLocks noGrp="1"/>
           </p:cNvSpPr>
@@ -2588,16 +3689,22 @@
         </p:nvSpPr>
         <p:spPr>
           <a:xfrm>
-            <a:off x="839788" y="2057400"/>
-            <a:ext cx="3932237" cy="3811588"/>
+            <a:off x="1115568" y="3549918"/>
+            <a:ext cx="3794760" cy="2194037"/>
           </a:xfrm>
         </p:spPr>
         <p:txBody>
-          <a:bodyPr/>
+          <a:bodyPr anchor="t" anchorCtr="1">
+            <a:normAutofit/>
+          </a:bodyPr>
           <a:lstStyle>
-            <a:lvl1pPr marL="0" indent="0">
-              <a:buNone/>
-              <a:defRPr sz="1600"/>
+            <a:lvl1pPr marL="0" indent="0" algn="ctr">
+              <a:buNone/>
+              <a:defRPr sz="1500">
+                <a:solidFill>
+                  <a:srgbClr val="FFFFFF"/>
+                </a:solidFill>
+              </a:defRPr>
             </a:lvl1pPr>
             <a:lvl2pPr marL="457200" indent="0">
               <a:buNone/>
@@ -2643,13 +3750,7 @@
       </p:sp>
       <p:sp>
         <p:nvSpPr>
-          <p:cNvPr id="5" name="Date Placeholder 4">
-            <a:extLst>
-              <a:ext uri="{FF2B5EF4-FFF2-40B4-BE49-F238E27FC236}">
-                <a16:creationId xmlns:a16="http://schemas.microsoft.com/office/drawing/2014/main" id="{97C5613C-95AC-916E-F8EA-FE81281CD9F6}"/>
-              </a:ext>
-            </a:extLst>
-          </p:cNvPr>
+          <p:cNvPr id="8" name="Date Placeholder 7"/>
           <p:cNvSpPr>
             <a:spLocks noGrp="1"/>
           </p:cNvSpPr>
@@ -2660,7 +3761,22 @@
         <p:spPr/>
         <p:txBody>
           <a:bodyPr/>
-          <a:lstStyle/>
+          <a:lstStyle>
+            <a:lvl1pPr>
+              <a:defRPr>
+                <a:solidFill>
+                  <a:srgbClr val="FFFFFF"/>
+                </a:solidFill>
+                <a:effectLst>
+                  <a:outerShdw blurRad="50800" dist="38100" dir="2700000" algn="tl" rotWithShape="0">
+                    <a:prstClr val="black">
+                      <a:alpha val="43000"/>
+                    </a:prstClr>
+                  </a:outerShdw>
+                </a:effectLst>
+              </a:defRPr>
+            </a:lvl1pPr>
+          </a:lstStyle>
           <a:p>
             <a:fld id="{658C8457-9A6F-402A-9C4F-0EF08DFA136E}" type="datetimeFigureOut">
               <a:rPr lang="en-US" smtClean="0"/>
@@ -2672,13 +3788,7 @@
       </p:sp>
       <p:sp>
         <p:nvSpPr>
-          <p:cNvPr id="6" name="Footer Placeholder 5">
-            <a:extLst>
-              <a:ext uri="{FF2B5EF4-FFF2-40B4-BE49-F238E27FC236}">
-                <a16:creationId xmlns:a16="http://schemas.microsoft.com/office/drawing/2014/main" id="{014F8AC2-40E1-8A1D-F851-BD2197193269}"/>
-              </a:ext>
-            </a:extLst>
-          </p:cNvPr>
+          <p:cNvPr id="9" name="Footer Placeholder 8"/>
           <p:cNvSpPr>
             <a:spLocks noGrp="1"/>
           </p:cNvSpPr>
@@ -2686,10 +3796,25 @@
             <p:ph type="ftr" sz="quarter" idx="11"/>
           </p:nvPr>
         </p:nvSpPr>
-        <p:spPr/>
+        <p:spPr>
+          <a:xfrm>
+            <a:off x="804672" y="6236208"/>
+            <a:ext cx="5124797" cy="320040"/>
+          </a:xfrm>
+        </p:spPr>
         <p:txBody>
           <a:bodyPr/>
-          <a:lstStyle/>
+          <a:lstStyle>
+            <a:lvl1pPr>
+              <a:defRPr>
+                <a:solidFill>
+                  <a:srgbClr val="FFFFFF">
+                    <a:alpha val="70000"/>
+                  </a:srgbClr>
+                </a:solidFill>
+              </a:defRPr>
+            </a:lvl1pPr>
+          </a:lstStyle>
           <a:p>
             <a:endParaRPr lang="en-US"/>
           </a:p>
@@ -2697,13 +3822,7 @@
       </p:sp>
       <p:sp>
         <p:nvSpPr>
-          <p:cNvPr id="7" name="Slide Number Placeholder 6">
-            <a:extLst>
-              <a:ext uri="{FF2B5EF4-FFF2-40B4-BE49-F238E27FC236}">
-                <a16:creationId xmlns:a16="http://schemas.microsoft.com/office/drawing/2014/main" id="{FB438D73-F2DA-1415-FB4D-32012CC39702}"/>
-              </a:ext>
-            </a:extLst>
-          </p:cNvPr>
+          <p:cNvPr id="10" name="Slide Number Placeholder 9"/>
           <p:cNvSpPr>
             <a:spLocks noGrp="1"/>
           </p:cNvSpPr>
@@ -2727,7 +3846,7 @@
     </p:spTree>
     <p:extLst>
       <p:ext uri="{BB962C8B-B14F-4D97-AF65-F5344CB8AC3E}">
-        <p14:creationId xmlns:p14="http://schemas.microsoft.com/office/powerpoint/2010/main" val="1045339252"/>
+        <p14:creationId xmlns:p14="http://schemas.microsoft.com/office/powerpoint/2010/main" val="1978419200"/>
       </p:ext>
     </p:extLst>
   </p:cSld>
@@ -2741,9 +3860,14 @@
 <p:sldMaster xmlns:a="http://schemas.openxmlformats.org/drawingml/2006/main" xmlns:r="http://schemas.openxmlformats.org/officeDocument/2006/relationships" xmlns:p="http://schemas.openxmlformats.org/presentationml/2006/main">
   <p:cSld>
     <p:bg>
-      <p:bgRef idx="1001">
-        <a:schemeClr val="bg1"/>
-      </p:bgRef>
+      <p:bgPr>
+        <a:solidFill>
+          <a:schemeClr val="bg1">
+            <a:lumMod val="95000"/>
+          </a:schemeClr>
+        </a:solidFill>
+        <a:effectLst/>
+      </p:bgPr>
     </p:bg>
     <p:spTree>
       <p:nvGrpSpPr>
@@ -2761,129 +3885,163 @@
       </p:grpSpPr>
       <p:sp>
         <p:nvSpPr>
-          <p:cNvPr id="2" name="Title Placeholder 1">
-            <a:extLst>
-              <a:ext uri="{FF2B5EF4-FFF2-40B4-BE49-F238E27FC236}">
-                <a16:creationId xmlns:a16="http://schemas.microsoft.com/office/drawing/2014/main" id="{A27B8D9B-406D-3923-4630-016AEF05284A}"/>
-              </a:ext>
-            </a:extLst>
-          </p:cNvPr>
+          <p:cNvPr id="2" name="Title Placeholder 1"/>
           <p:cNvSpPr>
             <a:spLocks noGrp="1"/>
           </p:cNvSpPr>
           <p:nvPr>
             <p:ph type="title"/>
+          </p:nvPr>
+        </p:nvSpPr>
+        <p:spPr bwMode="black">
+          <a:xfrm>
+            <a:off x="2231136" y="964692"/>
+            <a:ext cx="7729728" cy="1188720"/>
+          </a:xfrm>
+          <a:prstGeom prst="rect">
+            <a:avLst/>
+          </a:prstGeom>
+          <a:solidFill>
+            <a:srgbClr val="FFFFFF"/>
+          </a:solidFill>
+          <a:ln w="31750" cap="sq">
+            <a:solidFill>
+              <a:srgbClr val="404040"/>
+            </a:solidFill>
+            <a:miter lim="800000"/>
+          </a:ln>
+        </p:spPr>
+        <p:txBody>
+          <a:bodyPr vert="horz" lIns="182880" tIns="182880" rIns="182880" bIns="182880" rtlCol="0" anchor="ctr">
+            <a:normAutofit/>
+          </a:bodyPr>
+          <a:lstStyle/>
+          <a:p>
+            <a:r>
+              <a:rPr lang="en-US"/>
+              <a:t>Click to edit Master title style</a:t>
+            </a:r>
+            <a:endParaRPr lang="en-US" dirty="0"/>
+          </a:p>
+        </p:txBody>
+      </p:sp>
+      <p:sp>
+        <p:nvSpPr>
+          <p:cNvPr id="3" name="Text Placeholder 2"/>
+          <p:cNvSpPr>
+            <a:spLocks noGrp="1"/>
+          </p:cNvSpPr>
+          <p:nvPr>
+            <p:ph type="body" idx="1"/>
           </p:nvPr>
         </p:nvSpPr>
         <p:spPr>
           <a:xfrm>
-            <a:off x="838200" y="365125"/>
-            <a:ext cx="10515600" cy="1325563"/>
+            <a:off x="2231136" y="2638044"/>
+            <a:ext cx="7729728" cy="3101983"/>
           </a:xfrm>
           <a:prstGeom prst="rect">
             <a:avLst/>
           </a:prstGeom>
         </p:spPr>
         <p:txBody>
-          <a:bodyPr vert="horz" lIns="91440" tIns="45720" rIns="91440" bIns="45720" rtlCol="0" anchor="ctr">
+          <a:bodyPr vert="horz" lIns="91440" tIns="45720" rIns="91440" bIns="45720" rtlCol="0">
             <a:normAutofit/>
           </a:bodyPr>
           <a:lstStyle/>
           <a:p>
-            <a:r>
-              <a:rPr lang="en-US"/>
-              <a:t>Click to edit Master title style</a:t>
-            </a:r>
-          </a:p>
-        </p:txBody>
-      </p:sp>
-      <p:sp>
-        <p:nvSpPr>
-          <p:cNvPr id="3" name="Text Placeholder 2">
-            <a:extLst>
-              <a:ext uri="{FF2B5EF4-FFF2-40B4-BE49-F238E27FC236}">
-                <a16:creationId xmlns:a16="http://schemas.microsoft.com/office/drawing/2014/main" id="{B50342BE-9AF0-66D8-8C01-36BE2B8CDB6C}"/>
-              </a:ext>
-            </a:extLst>
-          </p:cNvPr>
-          <p:cNvSpPr>
-            <a:spLocks noGrp="1"/>
-          </p:cNvSpPr>
-          <p:nvPr>
-            <p:ph type="body" idx="1"/>
+            <a:pPr lvl="0"/>
+            <a:r>
+              <a:rPr lang="en-US"/>
+              <a:t>Click to edit Master text styles</a:t>
+            </a:r>
+          </a:p>
+          <a:p>
+            <a:pPr lvl="1"/>
+            <a:r>
+              <a:rPr lang="en-US"/>
+              <a:t>Second level</a:t>
+            </a:r>
+          </a:p>
+          <a:p>
+            <a:pPr lvl="2"/>
+            <a:r>
+              <a:rPr lang="en-US"/>
+              <a:t>Third level</a:t>
+            </a:r>
+          </a:p>
+          <a:p>
+            <a:pPr lvl="3"/>
+            <a:r>
+              <a:rPr lang="en-US"/>
+              <a:t>Fourth level</a:t>
+            </a:r>
+          </a:p>
+          <a:p>
+            <a:pPr lvl="4"/>
+            <a:r>
+              <a:rPr lang="en-US"/>
+              <a:t>Fifth level</a:t>
+            </a:r>
+            <a:endParaRPr lang="en-US" dirty="0"/>
+          </a:p>
+        </p:txBody>
+      </p:sp>
+      <p:sp>
+        <p:nvSpPr>
+          <p:cNvPr id="4" name="Date Placeholder 3"/>
+          <p:cNvSpPr>
+            <a:spLocks noGrp="1"/>
+          </p:cNvSpPr>
+          <p:nvPr>
+            <p:ph type="dt" sz="half" idx="2"/>
           </p:nvPr>
         </p:nvSpPr>
         <p:spPr>
           <a:xfrm>
-            <a:off x="838200" y="1825625"/>
-            <a:ext cx="10515600" cy="4351338"/>
+            <a:off x="7821429" y="6238816"/>
+            <a:ext cx="2753746" cy="323968"/>
           </a:xfrm>
           <a:prstGeom prst="rect">
             <a:avLst/>
           </a:prstGeom>
         </p:spPr>
         <p:txBody>
-          <a:bodyPr vert="horz" lIns="91440" tIns="45720" rIns="91440" bIns="45720" rtlCol="0">
-            <a:normAutofit/>
-          </a:bodyPr>
-          <a:lstStyle/>
-          <a:p>
-            <a:pPr lvl="0"/>
-            <a:r>
-              <a:rPr lang="en-US"/>
-              <a:t>Click to edit Master text styles</a:t>
-            </a:r>
-          </a:p>
-          <a:p>
-            <a:pPr lvl="1"/>
-            <a:r>
-              <a:rPr lang="en-US"/>
-              <a:t>Second level</a:t>
-            </a:r>
-          </a:p>
-          <a:p>
-            <a:pPr lvl="2"/>
-            <a:r>
-              <a:rPr lang="en-US"/>
-              <a:t>Third level</a:t>
-            </a:r>
-          </a:p>
-          <a:p>
-            <a:pPr lvl="3"/>
-            <a:r>
-              <a:rPr lang="en-US"/>
-              <a:t>Fourth level</a:t>
-            </a:r>
-          </a:p>
-          <a:p>
-            <a:pPr lvl="4"/>
-            <a:r>
-              <a:rPr lang="en-US"/>
-              <a:t>Fifth level</a:t>
-            </a:r>
-          </a:p>
-        </p:txBody>
-      </p:sp>
-      <p:sp>
-        <p:nvSpPr>
-          <p:cNvPr id="4" name="Date Placeholder 3">
-            <a:extLst>
-              <a:ext uri="{FF2B5EF4-FFF2-40B4-BE49-F238E27FC236}">
-                <a16:creationId xmlns:a16="http://schemas.microsoft.com/office/drawing/2014/main" id="{2EA39A64-BC6D-395D-7ED2-7580C032CFEC}"/>
-              </a:ext>
-            </a:extLst>
-          </p:cNvPr>
-          <p:cNvSpPr>
-            <a:spLocks noGrp="1"/>
-          </p:cNvSpPr>
-          <p:nvPr>
-            <p:ph type="dt" sz="half" idx="2"/>
+          <a:bodyPr vert="horz" lIns="91440" tIns="45720" rIns="91440" bIns="45720" rtlCol="0" anchor="ctr"/>
+          <a:lstStyle>
+            <a:lvl1pPr algn="r">
+              <a:defRPr sz="1050">
+                <a:solidFill>
+                  <a:schemeClr val="tx1">
+                    <a:alpha val="70000"/>
+                  </a:schemeClr>
+                </a:solidFill>
+              </a:defRPr>
+            </a:lvl1pPr>
+          </a:lstStyle>
+          <a:p>
+            <a:fld id="{658C8457-9A6F-402A-9C4F-0EF08DFA136E}" type="datetimeFigureOut">
+              <a:rPr lang="en-US" smtClean="0"/>
+              <a:t>18-Mar-23</a:t>
+            </a:fld>
+            <a:endParaRPr lang="en-US"/>
+          </a:p>
+        </p:txBody>
+      </p:sp>
+      <p:sp>
+        <p:nvSpPr>
+          <p:cNvPr id="5" name="Footer Placeholder 4"/>
+          <p:cNvSpPr>
+            <a:spLocks noGrp="1"/>
+          </p:cNvSpPr>
+          <p:nvPr>
+            <p:ph type="ftr" sz="quarter" idx="3"/>
           </p:nvPr>
         </p:nvSpPr>
         <p:spPr>
           <a:xfrm>
-            <a:off x="838200" y="6356350"/>
-            <a:ext cx="2743200" cy="365125"/>
+            <a:off x="1600200" y="6236208"/>
+            <a:ext cx="5901189" cy="320040"/>
           </a:xfrm>
           <a:prstGeom prst="rect">
             <a:avLst/>
@@ -2893,101 +4051,53 @@
           <a:bodyPr vert="horz" lIns="91440" tIns="45720" rIns="91440" bIns="45720" rtlCol="0" anchor="ctr"/>
           <a:lstStyle>
             <a:lvl1pPr algn="l">
-              <a:defRPr sz="1200">
+              <a:defRPr sz="1050">
                 <a:solidFill>
                   <a:schemeClr val="tx1">
-                    <a:tint val="75000"/>
+                    <a:alpha val="70000"/>
                   </a:schemeClr>
                 </a:solidFill>
               </a:defRPr>
             </a:lvl1pPr>
           </a:lstStyle>
           <a:p>
-            <a:fld id="{658C8457-9A6F-402A-9C4F-0EF08DFA136E}" type="datetimeFigureOut">
-              <a:rPr lang="en-US" smtClean="0"/>
-              <a:t>18-Mar-23</a:t>
-            </a:fld>
             <a:endParaRPr lang="en-US"/>
           </a:p>
         </p:txBody>
       </p:sp>
       <p:sp>
         <p:nvSpPr>
-          <p:cNvPr id="5" name="Footer Placeholder 4">
-            <a:extLst>
-              <a:ext uri="{FF2B5EF4-FFF2-40B4-BE49-F238E27FC236}">
-                <a16:creationId xmlns:a16="http://schemas.microsoft.com/office/drawing/2014/main" id="{96F51B5C-FAB7-7D1B-7EE8-09F9BADAA6CE}"/>
-              </a:ext>
-            </a:extLst>
-          </p:cNvPr>
-          <p:cNvSpPr>
-            <a:spLocks noGrp="1"/>
-          </p:cNvSpPr>
-          <p:nvPr>
-            <p:ph type="ftr" sz="quarter" idx="3"/>
+          <p:cNvPr id="6" name="Slide Number Placeholder 5"/>
+          <p:cNvSpPr>
+            <a:spLocks noGrp="1"/>
+          </p:cNvSpPr>
+          <p:nvPr>
+            <p:ph type="sldNum" sz="quarter" idx="4"/>
           </p:nvPr>
         </p:nvSpPr>
         <p:spPr>
           <a:xfrm>
-            <a:off x="4038600" y="6356350"/>
-            <a:ext cx="4114800" cy="365125"/>
+            <a:off x="10758922" y="6217920"/>
+            <a:ext cx="365760" cy="365760"/>
           </a:xfrm>
-          <a:prstGeom prst="rect">
+          <a:prstGeom prst="ellipse">
             <a:avLst/>
           </a:prstGeom>
+          <a:solidFill>
+            <a:srgbClr val="1D1D1D">
+              <a:alpha val="70000"/>
+            </a:srgbClr>
+          </a:solidFill>
         </p:spPr>
         <p:txBody>
-          <a:bodyPr vert="horz" lIns="91440" tIns="45720" rIns="91440" bIns="45720" rtlCol="0" anchor="ctr"/>
+          <a:bodyPr vert="horz" lIns="18288" tIns="45720" rIns="18288" bIns="45720" rtlCol="0" anchor="ctr">
+            <a:noAutofit/>
+          </a:bodyPr>
           <a:lstStyle>
             <a:lvl1pPr algn="ctr">
-              <a:defRPr sz="1200">
-                <a:solidFill>
-                  <a:schemeClr val="tx1">
-                    <a:tint val="75000"/>
-                  </a:schemeClr>
-                </a:solidFill>
-              </a:defRPr>
-            </a:lvl1pPr>
-          </a:lstStyle>
-          <a:p>
-            <a:endParaRPr lang="en-US"/>
-          </a:p>
-        </p:txBody>
-      </p:sp>
-      <p:sp>
-        <p:nvSpPr>
-          <p:cNvPr id="6" name="Slide Number Placeholder 5">
-            <a:extLst>
-              <a:ext uri="{FF2B5EF4-FFF2-40B4-BE49-F238E27FC236}">
-                <a16:creationId xmlns:a16="http://schemas.microsoft.com/office/drawing/2014/main" id="{555D3291-06EF-5E3F-1296-A735978DB095}"/>
-              </a:ext>
-            </a:extLst>
-          </p:cNvPr>
-          <p:cNvSpPr>
-            <a:spLocks noGrp="1"/>
-          </p:cNvSpPr>
-          <p:nvPr>
-            <p:ph type="sldNum" sz="quarter" idx="4"/>
-          </p:nvPr>
-        </p:nvSpPr>
-        <p:spPr>
-          <a:xfrm>
-            <a:off x="8610600" y="6356350"/>
-            <a:ext cx="2743200" cy="365125"/>
-          </a:xfrm>
-          <a:prstGeom prst="rect">
-            <a:avLst/>
-          </a:prstGeom>
-        </p:spPr>
-        <p:txBody>
-          <a:bodyPr vert="horz" lIns="91440" tIns="45720" rIns="91440" bIns="45720" rtlCol="0" anchor="ctr"/>
-          <a:lstStyle>
-            <a:lvl1pPr algn="r">
-              <a:defRPr sz="1200">
-                <a:solidFill>
-                  <a:schemeClr val="tx1">
-                    <a:tint val="75000"/>
-                  </a:schemeClr>
+              <a:defRPr sz="1100" spc="0" baseline="0">
+                <a:solidFill>
+                  <a:srgbClr val="FFFFFF"/>
                 </a:solidFill>
               </a:defRPr>
             </a:lvl1pPr>
@@ -3004,27 +4114,27 @@
     </p:spTree>
     <p:extLst>
       <p:ext uri="{BB962C8B-B14F-4D97-AF65-F5344CB8AC3E}">
-        <p14:creationId xmlns:p14="http://schemas.microsoft.com/office/powerpoint/2010/main" val="387896820"/>
+        <p14:creationId xmlns:p14="http://schemas.microsoft.com/office/powerpoint/2010/main" val="2879093829"/>
       </p:ext>
     </p:extLst>
   </p:cSld>
   <p:clrMap bg1="lt1" tx1="dk1" bg2="lt2" tx2="dk2" accent1="accent1" accent2="accent2" accent3="accent3" accent4="accent4" accent5="accent5" accent6="accent6" hlink="hlink" folHlink="folHlink"/>
   <p:sldLayoutIdLst>
-    <p:sldLayoutId id="2147483649" r:id="rId1"/>
-    <p:sldLayoutId id="2147483650" r:id="rId2"/>
-    <p:sldLayoutId id="2147483651" r:id="rId3"/>
-    <p:sldLayoutId id="2147483652" r:id="rId4"/>
-    <p:sldLayoutId id="2147483653" r:id="rId5"/>
-    <p:sldLayoutId id="2147483654" r:id="rId6"/>
-    <p:sldLayoutId id="2147483655" r:id="rId7"/>
-    <p:sldLayoutId id="2147483656" r:id="rId8"/>
-    <p:sldLayoutId id="2147483657" r:id="rId9"/>
-    <p:sldLayoutId id="2147483658" r:id="rId10"/>
-    <p:sldLayoutId id="2147483659" r:id="rId11"/>
+    <p:sldLayoutId id="2147483661" r:id="rId1"/>
+    <p:sldLayoutId id="2147483662" r:id="rId2"/>
+    <p:sldLayoutId id="2147483663" r:id="rId3"/>
+    <p:sldLayoutId id="2147483664" r:id="rId4"/>
+    <p:sldLayoutId id="2147483665" r:id="rId5"/>
+    <p:sldLayoutId id="2147483666" r:id="rId6"/>
+    <p:sldLayoutId id="2147483667" r:id="rId7"/>
+    <p:sldLayoutId id="2147483668" r:id="rId8"/>
+    <p:sldLayoutId id="2147483669" r:id="rId9"/>
+    <p:sldLayoutId id="2147483670" r:id="rId10"/>
+    <p:sldLayoutId id="2147483671" r:id="rId11"/>
   </p:sldLayoutIdLst>
   <p:txStyles>
     <p:titleStyle>
-      <a:lvl1pPr algn="l" defTabSz="914400" rtl="0" eaLnBrk="1" latinLnBrk="0" hangingPunct="1">
+      <a:lvl1pPr algn="ctr" defTabSz="914400" rtl="0" eaLnBrk="1" latinLnBrk="0" hangingPunct="1">
         <a:lnSpc>
           <a:spcPct val="90000"/>
         </a:lnSpc>
@@ -3032,9 +4142,9 @@
           <a:spcPct val="0"/>
         </a:spcBef>
         <a:buNone/>
-        <a:defRPr sz="4400" kern="1200">
+        <a:defRPr sz="2800" kern="1200" cap="all" spc="200" baseline="0">
           <a:solidFill>
-            <a:schemeClr val="tx1"/>
+            <a:srgbClr val="262626"/>
           </a:solidFill>
           <a:latin typeface="+mj-lt"/>
           <a:ea typeface="+mj-ea"/>
@@ -3045,104 +4155,137 @@
     <p:bodyStyle>
       <a:lvl1pPr marL="228600" indent="-228600" algn="l" defTabSz="914400" rtl="0" eaLnBrk="1" latinLnBrk="0" hangingPunct="1">
         <a:lnSpc>
-          <a:spcPct val="90000"/>
+          <a:spcPct val="100000"/>
         </a:lnSpc>
         <a:spcBef>
           <a:spcPts val="1000"/>
         </a:spcBef>
+        <a:buClr>
+          <a:schemeClr val="accent2"/>
+        </a:buClr>
         <a:buFont typeface="Arial" panose="020B0604020202020204" pitchFamily="34" charset="0"/>
         <a:buChar char="•"/>
-        <a:defRPr sz="2800" kern="1200">
+        <a:defRPr sz="1800" kern="1200">
           <a:solidFill>
-            <a:schemeClr val="tx1"/>
+            <a:schemeClr val="tx1">
+              <a:lumMod val="85000"/>
+              <a:lumOff val="15000"/>
+            </a:schemeClr>
           </a:solidFill>
           <a:latin typeface="+mn-lt"/>
           <a:ea typeface="+mn-ea"/>
           <a:cs typeface="+mn-cs"/>
         </a:defRPr>
       </a:lvl1pPr>
-      <a:lvl2pPr marL="685800" indent="-228600" algn="l" defTabSz="914400" rtl="0" eaLnBrk="1" latinLnBrk="0" hangingPunct="1">
+      <a:lvl2pPr marL="457200" indent="-228600" algn="l" defTabSz="914400" rtl="0" eaLnBrk="1" latinLnBrk="0" hangingPunct="1">
         <a:lnSpc>
-          <a:spcPct val="90000"/>
+          <a:spcPct val="100000"/>
         </a:lnSpc>
         <a:spcBef>
-          <a:spcPts val="500"/>
+          <a:spcPts val="1000"/>
         </a:spcBef>
+        <a:buClr>
+          <a:schemeClr val="accent2"/>
+        </a:buClr>
         <a:buFont typeface="Arial" panose="020B0604020202020204" pitchFamily="34" charset="0"/>
         <a:buChar char="•"/>
-        <a:defRPr sz="2400" kern="1200">
+        <a:defRPr sz="1600" kern="1200">
           <a:solidFill>
-            <a:schemeClr val="tx1"/>
+            <a:schemeClr val="tx1">
+              <a:lumMod val="85000"/>
+              <a:lumOff val="15000"/>
+            </a:schemeClr>
           </a:solidFill>
           <a:latin typeface="+mn-lt"/>
           <a:ea typeface="+mn-ea"/>
           <a:cs typeface="+mn-cs"/>
         </a:defRPr>
       </a:lvl2pPr>
-      <a:lvl3pPr marL="1143000" indent="-228600" algn="l" defTabSz="914400" rtl="0" eaLnBrk="1" latinLnBrk="0" hangingPunct="1">
+      <a:lvl3pPr marL="685800" indent="-228600" algn="l" defTabSz="914400" rtl="0" eaLnBrk="1" latinLnBrk="0" hangingPunct="1">
         <a:lnSpc>
-          <a:spcPct val="90000"/>
+          <a:spcPct val="100000"/>
         </a:lnSpc>
         <a:spcBef>
-          <a:spcPts val="500"/>
+          <a:spcPts val="1000"/>
         </a:spcBef>
+        <a:buClr>
+          <a:schemeClr val="accent2"/>
+        </a:buClr>
         <a:buFont typeface="Arial" panose="020B0604020202020204" pitchFamily="34" charset="0"/>
         <a:buChar char="•"/>
-        <a:defRPr sz="2000" kern="1200">
+        <a:defRPr sz="1600" kern="1200">
           <a:solidFill>
-            <a:schemeClr val="tx1"/>
+            <a:schemeClr val="tx1">
+              <a:lumMod val="85000"/>
+              <a:lumOff val="15000"/>
+            </a:schemeClr>
           </a:solidFill>
           <a:latin typeface="+mn-lt"/>
           <a:ea typeface="+mn-ea"/>
           <a:cs typeface="+mn-cs"/>
         </a:defRPr>
       </a:lvl3pPr>
-      <a:lvl4pPr marL="1600200" indent="-228600" algn="l" defTabSz="914400" rtl="0" eaLnBrk="1" latinLnBrk="0" hangingPunct="1">
+      <a:lvl4pPr marL="914400" indent="-228600" algn="l" defTabSz="914400" rtl="0" eaLnBrk="1" latinLnBrk="0" hangingPunct="1">
         <a:lnSpc>
-          <a:spcPct val="90000"/>
+          <a:spcPct val="100000"/>
         </a:lnSpc>
         <a:spcBef>
-          <a:spcPts val="500"/>
+          <a:spcPts val="1000"/>
         </a:spcBef>
+        <a:buClr>
+          <a:schemeClr val="accent2"/>
+        </a:buClr>
         <a:buFont typeface="Arial" panose="020B0604020202020204" pitchFamily="34" charset="0"/>
         <a:buChar char="•"/>
-        <a:defRPr sz="1800" kern="1200">
+        <a:defRPr sz="1600" kern="1200">
           <a:solidFill>
-            <a:schemeClr val="tx1"/>
+            <a:schemeClr val="tx1">
+              <a:lumMod val="85000"/>
+              <a:lumOff val="15000"/>
+            </a:schemeClr>
           </a:solidFill>
           <a:latin typeface="+mn-lt"/>
           <a:ea typeface="+mn-ea"/>
           <a:cs typeface="+mn-cs"/>
         </a:defRPr>
       </a:lvl4pPr>
-      <a:lvl5pPr marL="2057400" indent="-228600" algn="l" defTabSz="914400" rtl="0" eaLnBrk="1" latinLnBrk="0" hangingPunct="1">
+      <a:lvl5pPr marL="1143000" indent="-228600" algn="l" defTabSz="914400" rtl="0" eaLnBrk="1" latinLnBrk="0" hangingPunct="1">
         <a:lnSpc>
-          <a:spcPct val="90000"/>
+          <a:spcPct val="100000"/>
         </a:lnSpc>
         <a:spcBef>
-          <a:spcPts val="500"/>
+          <a:spcPts val="1000"/>
         </a:spcBef>
+        <a:buClr>
+          <a:schemeClr val="accent2"/>
+        </a:buClr>
         <a:buFont typeface="Arial" panose="020B0604020202020204" pitchFamily="34" charset="0"/>
         <a:buChar char="•"/>
-        <a:defRPr sz="1800" kern="1200">
+        <a:defRPr sz="1600" kern="1200">
           <a:solidFill>
-            <a:schemeClr val="tx1"/>
+            <a:schemeClr val="tx1">
+              <a:lumMod val="85000"/>
+              <a:lumOff val="15000"/>
+            </a:schemeClr>
           </a:solidFill>
           <a:latin typeface="+mn-lt"/>
           <a:ea typeface="+mn-ea"/>
           <a:cs typeface="+mn-cs"/>
         </a:defRPr>
       </a:lvl5pPr>
-      <a:lvl6pPr marL="2514600" indent="-228600" algn="l" defTabSz="914400" rtl="0" eaLnBrk="1" latinLnBrk="0" hangingPunct="1">
+      <a:lvl6pPr marL="1312863" indent="-228600" algn="l" defTabSz="914400" rtl="0" eaLnBrk="1" latinLnBrk="0" hangingPunct="1">
         <a:lnSpc>
-          <a:spcPct val="90000"/>
+          <a:spcPct val="100000"/>
         </a:lnSpc>
         <a:spcBef>
-          <a:spcPts val="500"/>
+          <a:spcPts val="1000"/>
         </a:spcBef>
+        <a:buClr>
+          <a:schemeClr val="accent2"/>
+        </a:buClr>
         <a:buFont typeface="Arial" panose="020B0604020202020204" pitchFamily="34" charset="0"/>
         <a:buChar char="•"/>
-        <a:defRPr sz="1800" kern="1200">
+        <a:defRPr sz="1600" kern="1200">
           <a:solidFill>
             <a:schemeClr val="tx1"/>
           </a:solidFill>
@@ -3151,16 +4294,19 @@
           <a:cs typeface="+mn-cs"/>
         </a:defRPr>
       </a:lvl6pPr>
-      <a:lvl7pPr marL="2971800" indent="-228600" algn="l" defTabSz="914400" rtl="0" eaLnBrk="1" latinLnBrk="0" hangingPunct="1">
+      <a:lvl7pPr marL="1484313" indent="-228600" algn="l" defTabSz="914400" rtl="0" eaLnBrk="1" latinLnBrk="0" hangingPunct="1">
         <a:lnSpc>
-          <a:spcPct val="90000"/>
+          <a:spcPct val="100000"/>
         </a:lnSpc>
         <a:spcBef>
-          <a:spcPts val="500"/>
+          <a:spcPts val="1000"/>
         </a:spcBef>
+        <a:buClr>
+          <a:schemeClr val="accent2"/>
+        </a:buClr>
         <a:buFont typeface="Arial" panose="020B0604020202020204" pitchFamily="34" charset="0"/>
         <a:buChar char="•"/>
-        <a:defRPr sz="1800" kern="1200">
+        <a:defRPr sz="1600" kern="1200">
           <a:solidFill>
             <a:schemeClr val="tx1"/>
           </a:solidFill>
@@ -3169,16 +4315,19 @@
           <a:cs typeface="+mn-cs"/>
         </a:defRPr>
       </a:lvl7pPr>
-      <a:lvl8pPr marL="3429000" indent="-228600" algn="l" defTabSz="914400" rtl="0" eaLnBrk="1" latinLnBrk="0" hangingPunct="1">
+      <a:lvl8pPr marL="1657350" indent="-228600" algn="l" defTabSz="914400" rtl="0" eaLnBrk="1" latinLnBrk="0" hangingPunct="1">
         <a:lnSpc>
-          <a:spcPct val="90000"/>
+          <a:spcPct val="100000"/>
         </a:lnSpc>
         <a:spcBef>
-          <a:spcPts val="500"/>
+          <a:spcPts val="1000"/>
         </a:spcBef>
+        <a:buClr>
+          <a:schemeClr val="accent2"/>
+        </a:buClr>
         <a:buFont typeface="Arial" panose="020B0604020202020204" pitchFamily="34" charset="0"/>
         <a:buChar char="•"/>
-        <a:defRPr sz="1800" kern="1200">
+        <a:defRPr sz="1600" kern="1200" baseline="0">
           <a:solidFill>
             <a:schemeClr val="tx1"/>
           </a:solidFill>
@@ -3187,16 +4336,19 @@
           <a:cs typeface="+mn-cs"/>
         </a:defRPr>
       </a:lvl8pPr>
-      <a:lvl9pPr marL="3886200" indent="-228600" algn="l" defTabSz="914400" rtl="0" eaLnBrk="1" latinLnBrk="0" hangingPunct="1">
+      <a:lvl9pPr marL="1882775" indent="-228600" algn="l" defTabSz="914400" rtl="0" eaLnBrk="1" latinLnBrk="0" hangingPunct="1">
         <a:lnSpc>
-          <a:spcPct val="90000"/>
+          <a:spcPct val="100000"/>
         </a:lnSpc>
         <a:spcBef>
-          <a:spcPts val="500"/>
+          <a:spcPts val="1000"/>
         </a:spcBef>
+        <a:buClr>
+          <a:schemeClr val="accent2"/>
+        </a:buClr>
         <a:buFont typeface="Arial" panose="020B0604020202020204" pitchFamily="34" charset="0"/>
         <a:buChar char="•"/>
-        <a:defRPr sz="1800" kern="1200">
+        <a:defRPr sz="1600" kern="1200" baseline="0">
           <a:solidFill>
             <a:schemeClr val="tx1"/>
           </a:solidFill>
@@ -3464,7 +4616,193 @@
           <a:bodyPr/>
           <a:lstStyle/>
           <a:p>
-            <a:endParaRPr lang="en-US"/>
+            <a:pPr marL="0" indent="0">
+              <a:buNone/>
+            </a:pPr>
+            <a:r>
+              <a:rPr lang="ro-RO" dirty="0"/>
+              <a:t>Am implementat 3 baze pentru a le compara:</a:t>
+            </a:r>
+          </a:p>
+          <a:p>
+            <a:r>
+              <a:rPr lang="ro-RO" dirty="0"/>
+              <a:t>10 </a:t>
+            </a:r>
+            <a:r>
+              <a:rPr lang="en-US" dirty="0">
+                <a:sym typeface="Wingdings" panose="05000000000000000000" pitchFamily="2" charset="2"/>
+              </a:rPr>
+              <a:t> </a:t>
+            </a:r>
+            <a:r>
+              <a:rPr lang="en-US" dirty="0">
+                <a:solidFill>
+                  <a:srgbClr val="00B050"/>
+                </a:solidFill>
+                <a:sym typeface="Wingdings" panose="05000000000000000000" pitchFamily="2" charset="2"/>
+              </a:rPr>
+              <a:t>a </a:t>
+            </a:r>
+            <a:r>
+              <a:rPr lang="ro-RO" dirty="0">
+                <a:solidFill>
+                  <a:srgbClr val="00B050"/>
+                </a:solidFill>
+                <a:sym typeface="Wingdings" panose="05000000000000000000" pitchFamily="2" charset="2"/>
+              </a:rPr>
+              <a:t>fost cea mai eficientă sortare pentru 1.000 de elemente</a:t>
+            </a:r>
+          </a:p>
+          <a:p>
+            <a:pPr marL="457200" lvl="1" indent="0">
+              <a:buNone/>
+            </a:pPr>
+            <a:r>
+              <a:rPr lang="ro-RO" dirty="0">
+                <a:solidFill>
+                  <a:srgbClr val="92D050"/>
+                </a:solidFill>
+              </a:rPr>
+              <a:t>*pentru</a:t>
+            </a:r>
+            <a:r>
+              <a:rPr lang="en-US" dirty="0">
+                <a:solidFill>
+                  <a:srgbClr val="92D050"/>
+                </a:solidFill>
+              </a:rPr>
+              <a:t> 1.000 de </a:t>
+            </a:r>
+            <a:r>
+              <a:rPr lang="ro-RO" dirty="0">
+                <a:solidFill>
+                  <a:srgbClr val="92D050"/>
+                </a:solidFill>
+              </a:rPr>
+              <a:t>elemente</a:t>
+            </a:r>
+            <a:r>
+              <a:rPr lang="en-US" dirty="0">
+                <a:solidFill>
+                  <a:srgbClr val="92D050"/>
+                </a:solidFill>
+              </a:rPr>
+              <a:t> p</a:t>
+            </a:r>
+            <a:r>
+              <a:rPr lang="ro-RO" dirty="0">
+                <a:solidFill>
+                  <a:srgbClr val="92D050"/>
+                </a:solidFill>
+              </a:rPr>
+              <a:t>ână în 10⁹ a fost cea mai eficienta implementare a radix sortului</a:t>
+            </a:r>
+          </a:p>
+          <a:p>
+            <a:r>
+              <a:rPr lang="ro-RO" dirty="0"/>
+              <a:t>10⁴ </a:t>
+            </a:r>
+            <a:r>
+              <a:rPr lang="ro-RO" dirty="0">
+                <a:sym typeface="Wingdings" panose="05000000000000000000" pitchFamily="2" charset="2"/>
+              </a:rPr>
+              <a:t> </a:t>
+            </a:r>
+            <a:r>
+              <a:rPr lang="ro-RO" dirty="0">
+                <a:solidFill>
+                  <a:srgbClr val="00B050"/>
+                </a:solidFill>
+                <a:sym typeface="Wingdings" panose="05000000000000000000" pitchFamily="2" charset="2"/>
+              </a:rPr>
+              <a:t>pentru 10</a:t>
+            </a:r>
+            <a:r>
+              <a:rPr lang="ro-RO" dirty="0">
+                <a:solidFill>
+                  <a:srgbClr val="00B050"/>
+                </a:solidFill>
+              </a:rPr>
+              <a:t>⁶</a:t>
+            </a:r>
+            <a:r>
+              <a:rPr lang="ro-RO" dirty="0">
+                <a:solidFill>
+                  <a:srgbClr val="00B050"/>
+                </a:solidFill>
+                <a:sym typeface="Wingdings" panose="05000000000000000000" pitchFamily="2" charset="2"/>
+              </a:rPr>
+              <a:t> de elemente până în 10</a:t>
+            </a:r>
+            <a:r>
+              <a:rPr lang="ro-RO" dirty="0">
+                <a:solidFill>
+                  <a:srgbClr val="00B050"/>
+                </a:solidFill>
+              </a:rPr>
+              <a:t>⁶</a:t>
+            </a:r>
+            <a:r>
+              <a:rPr lang="ro-RO" dirty="0">
+                <a:solidFill>
+                  <a:srgbClr val="00B050"/>
+                </a:solidFill>
+                <a:sym typeface="Wingdings" panose="05000000000000000000" pitchFamily="2" charset="2"/>
+              </a:rPr>
+              <a:t> cea mai eficientă </a:t>
+            </a:r>
+            <a:r>
+              <a:rPr lang="ro-RO" dirty="0">
+                <a:solidFill>
+                  <a:srgbClr val="00B050"/>
+                </a:solidFill>
+              </a:rPr>
+              <a:t>implementare a radix sortului</a:t>
+            </a:r>
+          </a:p>
+          <a:p>
+            <a:r>
+              <a:rPr lang="ro-RO" dirty="0"/>
+              <a:t>2¹⁶ </a:t>
+            </a:r>
+            <a:r>
+              <a:rPr lang="ro-RO" dirty="0">
+                <a:sym typeface="Wingdings" panose="05000000000000000000" pitchFamily="2" charset="2"/>
+              </a:rPr>
+              <a:t> </a:t>
+            </a:r>
+            <a:r>
+              <a:rPr lang="ro-RO" dirty="0">
+                <a:solidFill>
+                  <a:srgbClr val="00B050"/>
+                </a:solidFill>
+                <a:sym typeface="Wingdings" panose="05000000000000000000" pitchFamily="2" charset="2"/>
+              </a:rPr>
+              <a:t>pentru restul testelor cea mai eficientă </a:t>
+            </a:r>
+            <a:r>
+              <a:rPr lang="ro-RO" dirty="0">
+                <a:solidFill>
+                  <a:srgbClr val="00B050"/>
+                </a:solidFill>
+              </a:rPr>
+              <a:t>implementare a radix sortului</a:t>
+            </a:r>
+          </a:p>
+          <a:p>
+            <a:pPr marL="457200" lvl="1" indent="0">
+              <a:buNone/>
+            </a:pPr>
+            <a:r>
+              <a:rPr lang="ro-RO" dirty="0">
+                <a:solidFill>
+                  <a:srgbClr val="92D050"/>
+                </a:solidFill>
+              </a:rPr>
+              <a:t>*pentru 10⁶ de elemente până în 10⁶ cea mai eficientă sortare per total</a:t>
+            </a:r>
           </a:p>
         </p:txBody>
       </p:sp>
@@ -3481,109 +4819,855 @@
 </p:sld>
 </file>
 
+<file path=ppt/slides/slide3.xml><?xml version="1.0" encoding="utf-8"?>
+<p:sld xmlns:a="http://schemas.openxmlformats.org/drawingml/2006/main" xmlns:r="http://schemas.openxmlformats.org/officeDocument/2006/relationships" xmlns:p="http://schemas.openxmlformats.org/presentationml/2006/main">
+  <p:cSld>
+    <p:spTree>
+      <p:nvGrpSpPr>
+        <p:cNvPr id="1" name=""/>
+        <p:cNvGrpSpPr/>
+        <p:nvPr/>
+      </p:nvGrpSpPr>
+      <p:grpSpPr>
+        <a:xfrm>
+          <a:off x="0" y="0"/>
+          <a:ext cx="0" cy="0"/>
+          <a:chOff x="0" y="0"/>
+          <a:chExt cx="0" cy="0"/>
+        </a:xfrm>
+      </p:grpSpPr>
+      <p:sp>
+        <p:nvSpPr>
+          <p:cNvPr id="2" name="Title 1">
+            <a:extLst>
+              <a:ext uri="{FF2B5EF4-FFF2-40B4-BE49-F238E27FC236}">
+                <a16:creationId xmlns:a16="http://schemas.microsoft.com/office/drawing/2014/main" id="{2FAFAC88-566D-7CD8-B375-C7B54892622F}"/>
+              </a:ext>
+            </a:extLst>
+          </p:cNvPr>
+          <p:cNvSpPr>
+            <a:spLocks noGrp="1"/>
+          </p:cNvSpPr>
+          <p:nvPr>
+            <p:ph type="title"/>
+          </p:nvPr>
+        </p:nvSpPr>
+        <p:spPr/>
+        <p:txBody>
+          <a:bodyPr/>
+          <a:lstStyle/>
+          <a:p>
+            <a:r>
+              <a:rPr lang="ro-RO" dirty="0"/>
+              <a:t>Radix sort – cazuri particulare</a:t>
+            </a:r>
+            <a:endParaRPr lang="en-US" dirty="0"/>
+          </a:p>
+        </p:txBody>
+      </p:sp>
+      <p:sp>
+        <p:nvSpPr>
+          <p:cNvPr id="3" name="Content Placeholder 2">
+            <a:extLst>
+              <a:ext uri="{FF2B5EF4-FFF2-40B4-BE49-F238E27FC236}">
+                <a16:creationId xmlns:a16="http://schemas.microsoft.com/office/drawing/2014/main" id="{778002FC-EBF2-CEB8-1536-0AB196FFB620}"/>
+              </a:ext>
+            </a:extLst>
+          </p:cNvPr>
+          <p:cNvSpPr>
+            <a:spLocks noGrp="1"/>
+          </p:cNvSpPr>
+          <p:nvPr>
+            <p:ph idx="1"/>
+          </p:nvPr>
+        </p:nvSpPr>
+        <p:spPr>
+          <a:xfrm>
+            <a:off x="838200" y="2444375"/>
+            <a:ext cx="9850515" cy="855922"/>
+          </a:xfrm>
+        </p:spPr>
+        <p:txBody>
+          <a:bodyPr/>
+          <a:lstStyle/>
+          <a:p>
+            <a:r>
+              <a:rPr lang="ro-RO" dirty="0">
+                <a:solidFill>
+                  <a:srgbClr val="00B050"/>
+                </a:solidFill>
+              </a:rPr>
+              <a:t>Pentru toate cazurile particulare(șir constant, șir crescător, șir descrescător), implementările Radix sort au ocupat locurile 2, 3, 4 la viteza de executare.</a:t>
+            </a:r>
+          </a:p>
+          <a:p>
+            <a:endParaRPr lang="en-US" dirty="0"/>
+          </a:p>
+        </p:txBody>
+      </p:sp>
+      <p:sp>
+        <p:nvSpPr>
+          <p:cNvPr id="5" name="TextBox 4">
+            <a:extLst>
+              <a:ext uri="{FF2B5EF4-FFF2-40B4-BE49-F238E27FC236}">
+                <a16:creationId xmlns:a16="http://schemas.microsoft.com/office/drawing/2014/main" id="{0A28FCD5-E8FF-C10E-D893-AA61A545A7F5}"/>
+              </a:ext>
+            </a:extLst>
+          </p:cNvPr>
+          <p:cNvSpPr txBox="1"/>
+          <p:nvPr/>
+        </p:nvSpPr>
+        <p:spPr>
+          <a:xfrm>
+            <a:off x="838200" y="5246977"/>
+            <a:ext cx="9703294" cy="646331"/>
+          </a:xfrm>
+          <a:prstGeom prst="rect">
+            <a:avLst/>
+          </a:prstGeom>
+          <a:noFill/>
+        </p:spPr>
+        <p:txBody>
+          <a:bodyPr wrap="square" rtlCol="0">
+            <a:spAutoFit/>
+          </a:bodyPr>
+          <a:lstStyle/>
+          <a:p>
+            <a:pPr marL="457200" indent="-457200">
+              <a:buFont typeface="Arial" panose="020B0604020202020204" pitchFamily="34" charset="0"/>
+              <a:buChar char="•"/>
+            </a:pPr>
+            <a:r>
+              <a:rPr lang="ro-RO" dirty="0">
+                <a:solidFill>
+                  <a:srgbClr val="C00000"/>
+                </a:solidFill>
+              </a:rPr>
+              <a:t>Ocupă spațiu suplimentar - O(n)</a:t>
+            </a:r>
+          </a:p>
+          <a:p>
+            <a:pPr marL="457200" indent="-457200">
+              <a:buFont typeface="Arial" panose="020B0604020202020204" pitchFamily="34" charset="0"/>
+              <a:buChar char="•"/>
+            </a:pPr>
+            <a:r>
+              <a:rPr lang="ro-RO" dirty="0">
+                <a:solidFill>
+                  <a:srgbClr val="C00000"/>
+                </a:solidFill>
+              </a:rPr>
+              <a:t>Bazele mici la vectori mari sunt ineficiente ca timp de executare</a:t>
+            </a:r>
+            <a:endParaRPr lang="en-US" dirty="0">
+              <a:solidFill>
+                <a:srgbClr val="C00000"/>
+              </a:solidFill>
+            </a:endParaRPr>
+          </a:p>
+        </p:txBody>
+      </p:sp>
+      <p:sp>
+        <p:nvSpPr>
+          <p:cNvPr id="7" name="Title 1">
+            <a:extLst>
+              <a:ext uri="{FF2B5EF4-FFF2-40B4-BE49-F238E27FC236}">
+                <a16:creationId xmlns:a16="http://schemas.microsoft.com/office/drawing/2014/main" id="{51728F19-59D1-B73B-1BC3-1F047F0A6566}"/>
+              </a:ext>
+            </a:extLst>
+          </p:cNvPr>
+          <p:cNvSpPr txBox="1">
+            <a:spLocks/>
+          </p:cNvSpPr>
+          <p:nvPr/>
+        </p:nvSpPr>
+        <p:spPr bwMode="black">
+          <a:xfrm>
+            <a:off x="2231136" y="3557703"/>
+            <a:ext cx="7729728" cy="1188720"/>
+          </a:xfrm>
+          <a:prstGeom prst="rect">
+            <a:avLst/>
+          </a:prstGeom>
+          <a:solidFill>
+            <a:srgbClr val="FFFFFF"/>
+          </a:solidFill>
+          <a:ln w="31750" cap="sq">
+            <a:solidFill>
+              <a:srgbClr val="404040"/>
+            </a:solidFill>
+            <a:miter lim="800000"/>
+          </a:ln>
+        </p:spPr>
+        <p:txBody>
+          <a:bodyPr vert="horz" lIns="182880" tIns="182880" rIns="182880" bIns="182880" rtlCol="0" anchor="ctr">
+            <a:normAutofit/>
+          </a:bodyPr>
+          <a:lstStyle>
+            <a:lvl1pPr algn="ctr" defTabSz="914400" rtl="0" eaLnBrk="1" latinLnBrk="0" hangingPunct="1">
+              <a:lnSpc>
+                <a:spcPct val="90000"/>
+              </a:lnSpc>
+              <a:spcBef>
+                <a:spcPct val="0"/>
+              </a:spcBef>
+              <a:buNone/>
+              <a:defRPr sz="2800" kern="1200" cap="all" spc="200" baseline="0">
+                <a:solidFill>
+                  <a:srgbClr val="262626"/>
+                </a:solidFill>
+                <a:latin typeface="+mj-lt"/>
+                <a:ea typeface="+mj-ea"/>
+                <a:cs typeface="+mj-cs"/>
+              </a:defRPr>
+            </a:lvl1pPr>
+          </a:lstStyle>
+          <a:p>
+            <a:r>
+              <a:rPr lang="ro-RO" dirty="0"/>
+              <a:t>Radix sort – dezavantaje</a:t>
+            </a:r>
+            <a:endParaRPr lang="en-US" dirty="0"/>
+          </a:p>
+        </p:txBody>
+      </p:sp>
+    </p:spTree>
+    <p:extLst>
+      <p:ext uri="{BB962C8B-B14F-4D97-AF65-F5344CB8AC3E}">
+        <p14:creationId xmlns:p14="http://schemas.microsoft.com/office/powerpoint/2010/main" val="2513583815"/>
+      </p:ext>
+    </p:extLst>
+  </p:cSld>
+  <p:clrMapOvr>
+    <a:masterClrMapping/>
+  </p:clrMapOvr>
+</p:sld>
+</file>
+
+<file path=ppt/slides/slide4.xml><?xml version="1.0" encoding="utf-8"?>
+<p:sld xmlns:a="http://schemas.openxmlformats.org/drawingml/2006/main" xmlns:r="http://schemas.openxmlformats.org/officeDocument/2006/relationships" xmlns:p="http://schemas.openxmlformats.org/presentationml/2006/main">
+  <p:cSld>
+    <p:spTree>
+      <p:nvGrpSpPr>
+        <p:cNvPr id="1" name=""/>
+        <p:cNvGrpSpPr/>
+        <p:nvPr/>
+      </p:nvGrpSpPr>
+      <p:grpSpPr>
+        <a:xfrm>
+          <a:off x="0" y="0"/>
+          <a:ext cx="0" cy="0"/>
+          <a:chOff x="0" y="0"/>
+          <a:chExt cx="0" cy="0"/>
+        </a:xfrm>
+      </p:grpSpPr>
+      <p:sp>
+        <p:nvSpPr>
+          <p:cNvPr id="2" name="Title 1">
+            <a:extLst>
+              <a:ext uri="{FF2B5EF4-FFF2-40B4-BE49-F238E27FC236}">
+                <a16:creationId xmlns:a16="http://schemas.microsoft.com/office/drawing/2014/main" id="{6A1C34F0-9E8C-8F82-C465-C0D0729B3DE7}"/>
+              </a:ext>
+            </a:extLst>
+          </p:cNvPr>
+          <p:cNvSpPr>
+            <a:spLocks noGrp="1"/>
+          </p:cNvSpPr>
+          <p:nvPr>
+            <p:ph type="title"/>
+          </p:nvPr>
+        </p:nvSpPr>
+        <p:spPr/>
+        <p:txBody>
+          <a:bodyPr/>
+          <a:lstStyle/>
+          <a:p>
+            <a:r>
+              <a:rPr lang="ro-RO" dirty="0"/>
+              <a:t>Merge sort + Quick Sort</a:t>
+            </a:r>
+            <a:endParaRPr lang="en-US" dirty="0"/>
+          </a:p>
+        </p:txBody>
+      </p:sp>
+      <p:sp>
+        <p:nvSpPr>
+          <p:cNvPr id="3" name="Content Placeholder 2">
+            <a:extLst>
+              <a:ext uri="{FF2B5EF4-FFF2-40B4-BE49-F238E27FC236}">
+                <a16:creationId xmlns:a16="http://schemas.microsoft.com/office/drawing/2014/main" id="{F0C16E13-829A-574A-5F1D-DA17AAEAB746}"/>
+              </a:ext>
+            </a:extLst>
+          </p:cNvPr>
+          <p:cNvSpPr>
+            <a:spLocks noGrp="1"/>
+          </p:cNvSpPr>
+          <p:nvPr>
+            <p:ph idx="1"/>
+          </p:nvPr>
+        </p:nvSpPr>
+        <p:spPr/>
+        <p:txBody>
+          <a:bodyPr>
+            <a:normAutofit/>
+          </a:bodyPr>
+          <a:lstStyle/>
+          <a:p>
+            <a:r>
+              <a:rPr lang="ro-RO" dirty="0"/>
+              <a:t>Rezultate comparabile cu Quick Sort la timpul de executare</a:t>
+            </a:r>
+          </a:p>
+          <a:p>
+            <a:pPr lvl="1"/>
+            <a:r>
+              <a:rPr lang="ro-RO" dirty="0">
+                <a:solidFill>
+                  <a:srgbClr val="00B050"/>
+                </a:solidFill>
+              </a:rPr>
+              <a:t>Pentru puține numere(</a:t>
+            </a:r>
+            <a:r>
+              <a:rPr lang="en-US" dirty="0">
+                <a:solidFill>
+                  <a:srgbClr val="00B050"/>
+                </a:solidFill>
+              </a:rPr>
+              <a:t>&lt;10</a:t>
+            </a:r>
+            <a:r>
+              <a:rPr lang="ro-RO" dirty="0">
+                <a:solidFill>
+                  <a:srgbClr val="00B050"/>
+                </a:solidFill>
+              </a:rPr>
+              <a:t>⁶) este printre primele sortări ca timp de executare</a:t>
+            </a:r>
+          </a:p>
+          <a:p>
+            <a:pPr lvl="1"/>
+            <a:r>
+              <a:rPr lang="ro-RO" dirty="0">
+                <a:solidFill>
+                  <a:srgbClr val="C00000"/>
+                </a:solidFill>
+              </a:rPr>
+              <a:t>Pentru multe numere(</a:t>
+            </a:r>
+            <a:r>
+              <a:rPr lang="en-US" dirty="0">
+                <a:solidFill>
+                  <a:srgbClr val="C00000"/>
+                </a:solidFill>
+              </a:rPr>
+              <a:t>&gt;10</a:t>
+            </a:r>
+            <a:r>
+              <a:rPr lang="ro-RO" dirty="0">
+                <a:solidFill>
+                  <a:srgbClr val="C00000"/>
+                </a:solidFill>
+              </a:rPr>
+              <a:t>⁶)</a:t>
+            </a:r>
+            <a:r>
+              <a:rPr lang="en-US" dirty="0">
+                <a:solidFill>
+                  <a:srgbClr val="C00000"/>
+                </a:solidFill>
+              </a:rPr>
+              <a:t> </a:t>
+            </a:r>
+            <a:r>
+              <a:rPr lang="ro-RO" dirty="0">
+                <a:solidFill>
+                  <a:srgbClr val="C00000"/>
+                </a:solidFill>
+              </a:rPr>
+              <a:t>se clasează pe ultimul loc ca timp de executare(500+ secunde)</a:t>
+            </a:r>
+          </a:p>
+          <a:p>
+            <a:pPr lvl="1"/>
+            <a:r>
+              <a:rPr lang="ro-RO" dirty="0">
+                <a:solidFill>
+                  <a:srgbClr val="C00000"/>
+                </a:solidFill>
+              </a:rPr>
+              <a:t>La cazurile particulare Merge sort se clasează la coada clasamentului împreună cu Quick sort ca timp de executare</a:t>
+            </a:r>
+          </a:p>
+          <a:p>
+            <a:r>
+              <a:rPr lang="ro-RO" dirty="0"/>
+              <a:t>Spre deosebire de Quick sort, Merge sort poate rula pentru orice test, Quick sort având riscul să intre într-o recursie prea adâncă pentru Python în cazul în care numărul de elemente din șir este mult mai mare decât maximul posibil.  </a:t>
+            </a:r>
+            <a:endParaRPr lang="en-US" dirty="0"/>
+          </a:p>
+        </p:txBody>
+      </p:sp>
+    </p:spTree>
+    <p:extLst>
+      <p:ext uri="{BB962C8B-B14F-4D97-AF65-F5344CB8AC3E}">
+        <p14:creationId xmlns:p14="http://schemas.microsoft.com/office/powerpoint/2010/main" val="3857922023"/>
+      </p:ext>
+    </p:extLst>
+  </p:cSld>
+  <p:clrMapOvr>
+    <a:masterClrMapping/>
+  </p:clrMapOvr>
+</p:sld>
+</file>
+
+<file path=ppt/slides/slide5.xml><?xml version="1.0" encoding="utf-8"?>
+<p:sld xmlns:a="http://schemas.openxmlformats.org/drawingml/2006/main" xmlns:r="http://schemas.openxmlformats.org/officeDocument/2006/relationships" xmlns:p="http://schemas.openxmlformats.org/presentationml/2006/main">
+  <p:cSld>
+    <p:spTree>
+      <p:nvGrpSpPr>
+        <p:cNvPr id="1" name=""/>
+        <p:cNvGrpSpPr/>
+        <p:nvPr/>
+      </p:nvGrpSpPr>
+      <p:grpSpPr>
+        <a:xfrm>
+          <a:off x="0" y="0"/>
+          <a:ext cx="0" cy="0"/>
+          <a:chOff x="0" y="0"/>
+          <a:chExt cx="0" cy="0"/>
+        </a:xfrm>
+      </p:grpSpPr>
+      <p:sp>
+        <p:nvSpPr>
+          <p:cNvPr id="2" name="Title 1">
+            <a:extLst>
+              <a:ext uri="{FF2B5EF4-FFF2-40B4-BE49-F238E27FC236}">
+                <a16:creationId xmlns:a16="http://schemas.microsoft.com/office/drawing/2014/main" id="{007640A8-A192-D227-56FF-CDAF6B5F36BE}"/>
+              </a:ext>
+            </a:extLst>
+          </p:cNvPr>
+          <p:cNvSpPr>
+            <a:spLocks noGrp="1"/>
+          </p:cNvSpPr>
+          <p:nvPr>
+            <p:ph type="title"/>
+          </p:nvPr>
+        </p:nvSpPr>
+        <p:spPr/>
+        <p:txBody>
+          <a:bodyPr/>
+          <a:lstStyle/>
+          <a:p>
+            <a:r>
+              <a:rPr lang="ro-RO" dirty="0"/>
+              <a:t>Shell sort</a:t>
+            </a:r>
+            <a:endParaRPr lang="en-US" dirty="0"/>
+          </a:p>
+        </p:txBody>
+      </p:sp>
+      <p:sp>
+        <p:nvSpPr>
+          <p:cNvPr id="3" name="Content Placeholder 2">
+            <a:extLst>
+              <a:ext uri="{FF2B5EF4-FFF2-40B4-BE49-F238E27FC236}">
+                <a16:creationId xmlns:a16="http://schemas.microsoft.com/office/drawing/2014/main" id="{BDC08A2A-AA60-D6BB-5AE1-F6ACAEEC7734}"/>
+              </a:ext>
+            </a:extLst>
+          </p:cNvPr>
+          <p:cNvSpPr>
+            <a:spLocks noGrp="1"/>
+          </p:cNvSpPr>
+          <p:nvPr>
+            <p:ph idx="1"/>
+          </p:nvPr>
+        </p:nvSpPr>
+        <p:spPr>
+          <a:xfrm>
+            <a:off x="2231136" y="3224813"/>
+            <a:ext cx="7729728" cy="3101983"/>
+          </a:xfrm>
+        </p:spPr>
+        <p:txBody>
+          <a:bodyPr/>
+          <a:lstStyle/>
+          <a:p>
+            <a:r>
+              <a:rPr lang="ro-RO" dirty="0">
+                <a:solidFill>
+                  <a:srgbClr val="00B050"/>
+                </a:solidFill>
+              </a:rPr>
+              <a:t>Se clasează pe primul loc la teste cu puține numere.</a:t>
+            </a:r>
+          </a:p>
+          <a:p>
+            <a:r>
+              <a:rPr lang="ro-RO" dirty="0">
+                <a:solidFill>
+                  <a:srgbClr val="C00000"/>
+                </a:solidFill>
+              </a:rPr>
+              <a:t>La testele cu 10⁶ numere se clasează pe ultimul loc.</a:t>
+            </a:r>
+          </a:p>
+          <a:p>
+            <a:r>
+              <a:rPr lang="ro-RO" dirty="0">
+                <a:solidFill>
+                  <a:srgbClr val="C00000"/>
+                </a:solidFill>
+              </a:rPr>
+              <a:t>La testele cu 10⁹ numere shell sort este prea lent.</a:t>
+            </a:r>
+            <a:endParaRPr lang="en-US" dirty="0">
+              <a:solidFill>
+                <a:srgbClr val="C00000"/>
+              </a:solidFill>
+            </a:endParaRPr>
+          </a:p>
+        </p:txBody>
+      </p:sp>
+    </p:spTree>
+    <p:extLst>
+      <p:ext uri="{BB962C8B-B14F-4D97-AF65-F5344CB8AC3E}">
+        <p14:creationId xmlns:p14="http://schemas.microsoft.com/office/powerpoint/2010/main" val="2733862954"/>
+      </p:ext>
+    </p:extLst>
+  </p:cSld>
+  <p:clrMapOvr>
+    <a:masterClrMapping/>
+  </p:clrMapOvr>
+</p:sld>
+</file>
+
+<file path=ppt/slides/slide6.xml><?xml version="1.0" encoding="utf-8"?>
+<p:sld xmlns:a="http://schemas.openxmlformats.org/drawingml/2006/main" xmlns:r="http://schemas.openxmlformats.org/officeDocument/2006/relationships" xmlns:p="http://schemas.openxmlformats.org/presentationml/2006/main">
+  <p:cSld>
+    <p:spTree>
+      <p:nvGrpSpPr>
+        <p:cNvPr id="1" name=""/>
+        <p:cNvGrpSpPr/>
+        <p:nvPr/>
+      </p:nvGrpSpPr>
+      <p:grpSpPr>
+        <a:xfrm>
+          <a:off x="0" y="0"/>
+          <a:ext cx="0" cy="0"/>
+          <a:chOff x="0" y="0"/>
+          <a:chExt cx="0" cy="0"/>
+        </a:xfrm>
+      </p:grpSpPr>
+      <p:sp>
+        <p:nvSpPr>
+          <p:cNvPr id="2" name="Title 1">
+            <a:extLst>
+              <a:ext uri="{FF2B5EF4-FFF2-40B4-BE49-F238E27FC236}">
+                <a16:creationId xmlns:a16="http://schemas.microsoft.com/office/drawing/2014/main" id="{4C0A3891-0BCC-04B7-88CE-C6037D690BEA}"/>
+              </a:ext>
+            </a:extLst>
+          </p:cNvPr>
+          <p:cNvSpPr>
+            <a:spLocks noGrp="1"/>
+          </p:cNvSpPr>
+          <p:nvPr>
+            <p:ph type="title"/>
+          </p:nvPr>
+        </p:nvSpPr>
+        <p:spPr/>
+        <p:txBody>
+          <a:bodyPr/>
+          <a:lstStyle/>
+          <a:p>
+            <a:r>
+              <a:rPr lang="ro-RO" dirty="0"/>
+              <a:t>Count sort</a:t>
+            </a:r>
+            <a:endParaRPr lang="en-US" dirty="0"/>
+          </a:p>
+        </p:txBody>
+      </p:sp>
+      <p:sp>
+        <p:nvSpPr>
+          <p:cNvPr id="3" name="Content Placeholder 2">
+            <a:extLst>
+              <a:ext uri="{FF2B5EF4-FFF2-40B4-BE49-F238E27FC236}">
+                <a16:creationId xmlns:a16="http://schemas.microsoft.com/office/drawing/2014/main" id="{4859196E-232C-49D0-23C8-01F606FF42C9}"/>
+              </a:ext>
+            </a:extLst>
+          </p:cNvPr>
+          <p:cNvSpPr>
+            <a:spLocks noGrp="1"/>
+          </p:cNvSpPr>
+          <p:nvPr>
+            <p:ph idx="1"/>
+          </p:nvPr>
+        </p:nvSpPr>
+        <p:spPr/>
+        <p:txBody>
+          <a:bodyPr/>
+          <a:lstStyle/>
+          <a:p>
+            <a:r>
+              <a:rPr lang="ro-RO" dirty="0">
+                <a:solidFill>
+                  <a:srgbClr val="00B050"/>
+                </a:solidFill>
+              </a:rPr>
+              <a:t>Cel mai rapid algoritm de sortare(unde poate rula).</a:t>
+            </a:r>
+          </a:p>
+          <a:p>
+            <a:r>
+              <a:rPr lang="ro-RO" dirty="0">
+                <a:solidFill>
+                  <a:srgbClr val="C00000"/>
+                </a:solidFill>
+              </a:rPr>
+              <a:t>Are limitări:</a:t>
+            </a:r>
+          </a:p>
+          <a:p>
+            <a:pPr lvl="1"/>
+            <a:r>
+              <a:rPr lang="ro-RO" dirty="0">
+                <a:solidFill>
+                  <a:srgbClr val="C00000"/>
+                </a:solidFill>
+              </a:rPr>
+              <a:t>Pentru șiruri care au maximul prea mare nu poate aloca spațiul necesar.</a:t>
+            </a:r>
+          </a:p>
+          <a:p>
+            <a:pPr lvl="1"/>
+            <a:r>
+              <a:rPr lang="ro-RO" dirty="0">
+                <a:solidFill>
+                  <a:srgbClr val="C00000"/>
+                </a:solidFill>
+              </a:rPr>
+              <a:t>Pentru șiruri cu puține elemente și maximul mult mai mare devine mai încet decât alți algoritmi</a:t>
+            </a:r>
+          </a:p>
+        </p:txBody>
+      </p:sp>
+    </p:spTree>
+    <p:extLst>
+      <p:ext uri="{BB962C8B-B14F-4D97-AF65-F5344CB8AC3E}">
+        <p14:creationId xmlns:p14="http://schemas.microsoft.com/office/powerpoint/2010/main" val="2732253933"/>
+      </p:ext>
+    </p:extLst>
+  </p:cSld>
+  <p:clrMapOvr>
+    <a:masterClrMapping/>
+  </p:clrMapOvr>
+</p:sld>
+</file>
+
+<file path=ppt/slides/slide7.xml><?xml version="1.0" encoding="utf-8"?>
+<p:sld xmlns:a="http://schemas.openxmlformats.org/drawingml/2006/main" xmlns:r="http://schemas.openxmlformats.org/officeDocument/2006/relationships" xmlns:p="http://schemas.openxmlformats.org/presentationml/2006/main">
+  <p:cSld>
+    <p:spTree>
+      <p:nvGrpSpPr>
+        <p:cNvPr id="1" name=""/>
+        <p:cNvGrpSpPr/>
+        <p:nvPr/>
+      </p:nvGrpSpPr>
+      <p:grpSpPr>
+        <a:xfrm>
+          <a:off x="0" y="0"/>
+          <a:ext cx="0" cy="0"/>
+          <a:chOff x="0" y="0"/>
+          <a:chExt cx="0" cy="0"/>
+        </a:xfrm>
+      </p:grpSpPr>
+      <p:sp>
+        <p:nvSpPr>
+          <p:cNvPr id="2" name="Title 1">
+            <a:extLst>
+              <a:ext uri="{FF2B5EF4-FFF2-40B4-BE49-F238E27FC236}">
+                <a16:creationId xmlns:a16="http://schemas.microsoft.com/office/drawing/2014/main" id="{98BBFA3D-80C8-41F1-0230-6E0BDFAE06B7}"/>
+              </a:ext>
+            </a:extLst>
+          </p:cNvPr>
+          <p:cNvSpPr>
+            <a:spLocks noGrp="1"/>
+          </p:cNvSpPr>
+          <p:nvPr>
+            <p:ph type="title"/>
+          </p:nvPr>
+        </p:nvSpPr>
+        <p:spPr/>
+        <p:txBody>
+          <a:bodyPr/>
+          <a:lstStyle/>
+          <a:p>
+            <a:r>
+              <a:rPr lang="ro-RO" dirty="0"/>
+              <a:t>Graficul rentabilității</a:t>
+            </a:r>
+            <a:endParaRPr lang="en-US" dirty="0"/>
+          </a:p>
+        </p:txBody>
+      </p:sp>
+      <p:graphicFrame>
+        <p:nvGraphicFramePr>
+          <p:cNvPr id="6" name="Content Placeholder 5">
+            <a:extLst>
+              <a:ext uri="{FF2B5EF4-FFF2-40B4-BE49-F238E27FC236}">
+                <a16:creationId xmlns:a16="http://schemas.microsoft.com/office/drawing/2014/main" id="{30EE9E6F-83B8-B766-A1B3-6F21FD6B6012}"/>
+              </a:ext>
+            </a:extLst>
+          </p:cNvPr>
+          <p:cNvGraphicFramePr>
+            <a:graphicFrameLocks noGrp="1"/>
+          </p:cNvGraphicFramePr>
+          <p:nvPr>
+            <p:ph idx="1"/>
+            <p:extLst>
+              <p:ext uri="{D42A27DB-BD31-4B8C-83A1-F6EECF244321}">
+                <p14:modId xmlns:p14="http://schemas.microsoft.com/office/powerpoint/2010/main" val="1284094919"/>
+              </p:ext>
+            </p:extLst>
+          </p:nvPr>
+        </p:nvGraphicFramePr>
+        <p:xfrm>
+          <a:off x="2230438" y="2638425"/>
+          <a:ext cx="7731125" cy="3101975"/>
+        </p:xfrm>
+        <a:graphic>
+          <a:graphicData uri="http://schemas.openxmlformats.org/drawingml/2006/chart">
+            <c:chart xmlns:c="http://schemas.openxmlformats.org/drawingml/2006/chart" xmlns:r="http://schemas.openxmlformats.org/officeDocument/2006/relationships" r:id="rId2"/>
+          </a:graphicData>
+        </a:graphic>
+      </p:graphicFrame>
+      <p:sp>
+        <p:nvSpPr>
+          <p:cNvPr id="7" name="TextBox 6">
+            <a:extLst>
+              <a:ext uri="{FF2B5EF4-FFF2-40B4-BE49-F238E27FC236}">
+                <a16:creationId xmlns:a16="http://schemas.microsoft.com/office/drawing/2014/main" id="{90254474-30C8-3DAE-7B46-7C286F1041AD}"/>
+              </a:ext>
+            </a:extLst>
+          </p:cNvPr>
+          <p:cNvSpPr txBox="1"/>
+          <p:nvPr/>
+        </p:nvSpPr>
+        <p:spPr>
+          <a:xfrm>
+            <a:off x="2405848" y="5740400"/>
+            <a:ext cx="7555015" cy="861774"/>
+          </a:xfrm>
+          <a:prstGeom prst="rect">
+            <a:avLst/>
+          </a:prstGeom>
+          <a:noFill/>
+        </p:spPr>
+        <p:txBody>
+          <a:bodyPr wrap="square" rtlCol="0">
+            <a:spAutoFit/>
+          </a:bodyPr>
+          <a:lstStyle/>
+          <a:p>
+            <a:r>
+              <a:rPr lang="ro-RO" sz="1600" dirty="0">
+                <a:solidFill>
+                  <a:schemeClr val="bg1">
+                    <a:lumMod val="50000"/>
+                  </a:schemeClr>
+                </a:solidFill>
+              </a:rPr>
+              <a:t>S-a făcut media aritmetică dintre timpul în secunde de rulare al fiecărui test pentru fiecare sortare.</a:t>
+            </a:r>
+          </a:p>
+          <a:p>
+            <a:r>
+              <a:rPr lang="ro-RO" sz="1600" dirty="0">
+                <a:solidFill>
+                  <a:schemeClr val="bg1">
+                    <a:lumMod val="50000"/>
+                  </a:schemeClr>
+                </a:solidFill>
+              </a:rPr>
+              <a:t>Unde nu exista un rezultat valid s-a introdus valoarea maximă de la acel test.</a:t>
+            </a:r>
+            <a:endParaRPr lang="en-US" sz="1600" dirty="0">
+              <a:solidFill>
+                <a:schemeClr val="bg1">
+                  <a:lumMod val="50000"/>
+                </a:schemeClr>
+              </a:solidFill>
+            </a:endParaRPr>
+          </a:p>
+        </p:txBody>
+      </p:sp>
+    </p:spTree>
+    <p:extLst>
+      <p:ext uri="{BB962C8B-B14F-4D97-AF65-F5344CB8AC3E}">
+        <p14:creationId xmlns:p14="http://schemas.microsoft.com/office/powerpoint/2010/main" val="710059523"/>
+      </p:ext>
+    </p:extLst>
+  </p:cSld>
+  <p:clrMapOvr>
+    <a:masterClrMapping/>
+  </p:clrMapOvr>
+</p:sld>
+</file>
+
 <file path=ppt/theme/theme1.xml><?xml version="1.0" encoding="utf-8"?>
-<a:theme xmlns:a="http://schemas.openxmlformats.org/drawingml/2006/main" name="Office Theme">
+<a:theme xmlns:a="http://schemas.openxmlformats.org/drawingml/2006/main" name="Parcel">
   <a:themeElements>
-    <a:clrScheme name="Office">
+    <a:clrScheme name="Parcel">
       <a:dk1>
-        <a:sysClr val="windowText" lastClr="000000"/>
+        <a:srgbClr val="000000"/>
       </a:dk1>
       <a:lt1>
-        <a:sysClr val="window" lastClr="FFFFFF"/>
+        <a:srgbClr val="FFFFFF"/>
       </a:lt1>
       <a:dk2>
-        <a:srgbClr val="44546A"/>
+        <a:srgbClr val="4A5356"/>
       </a:dk2>
       <a:lt2>
-        <a:srgbClr val="E7E6E6"/>
+        <a:srgbClr val="E8E3CE"/>
       </a:lt2>
       <a:accent1>
-        <a:srgbClr val="4472C4"/>
+        <a:srgbClr val="F6A21D"/>
       </a:accent1>
       <a:accent2>
-        <a:srgbClr val="ED7D31"/>
+        <a:srgbClr val="9BAFB5"/>
       </a:accent2>
       <a:accent3>
-        <a:srgbClr val="A5A5A5"/>
+        <a:srgbClr val="C96731"/>
       </a:accent3>
       <a:accent4>
-        <a:srgbClr val="FFC000"/>
+        <a:srgbClr val="9CA383"/>
       </a:accent4>
       <a:accent5>
-        <a:srgbClr val="5B9BD5"/>
+        <a:srgbClr val="87795D"/>
       </a:accent5>
       <a:accent6>
-        <a:srgbClr val="70AD47"/>
+        <a:srgbClr val="A0988C"/>
       </a:accent6>
       <a:hlink>
-        <a:srgbClr val="0563C1"/>
+        <a:srgbClr val="00B0F0"/>
       </a:hlink>
       <a:folHlink>
-        <a:srgbClr val="954F72"/>
+        <a:srgbClr val="738F97"/>
       </a:folHlink>
     </a:clrScheme>
-    <a:fontScheme name="Office">
+    <a:fontScheme name="Parcel">
       <a:majorFont>
-        <a:latin typeface="Calibri Light" panose="020F0302020204030204"/>
+        <a:latin typeface="Gill Sans MT" panose="020B0502020104020203"/>
         <a:ea typeface=""/>
         <a:cs typeface=""/>
-        <a:font script="Jpan" typeface="游ゴシック Light"/>
-        <a:font script="Hang" typeface="맑은 고딕"/>
-        <a:font script="Hans" typeface="等线 Light"/>
-        <a:font script="Hant" typeface="新細明體"/>
-        <a:font script="Arab" typeface="Times New Roman"/>
-        <a:font script="Hebr" typeface="Times New Roman"/>
-        <a:font script="Thai" typeface="Angsana New"/>
-        <a:font script="Ethi" typeface="Nyala"/>
-        <a:font script="Beng" typeface="Vrinda"/>
-        <a:font script="Gujr" typeface="Shruti"/>
-        <a:font script="Khmr" typeface="MoolBoran"/>
-        <a:font script="Knda" typeface="Tunga"/>
-        <a:font script="Guru" typeface="Raavi"/>
-        <a:font script="Cans" typeface="Euphemia"/>
-        <a:font script="Cher" typeface="Plantagenet Cherokee"/>
-        <a:font script="Yiii" typeface="Microsoft Yi Baiti"/>
-        <a:font script="Tibt" typeface="Microsoft Himalaya"/>
-        <a:font script="Thaa" typeface="MV Boli"/>
-        <a:font script="Deva" typeface="Mangal"/>
-        <a:font script="Telu" typeface="Gautami"/>
-        <a:font script="Taml" typeface="Latha"/>
-        <a:font script="Syrc" typeface="Estrangelo Edessa"/>
-        <a:font script="Orya" typeface="Kalinga"/>
-        <a:font script="Mlym" typeface="Kartika"/>
-        <a:font script="Laoo" typeface="DokChampa"/>
-        <a:font script="Sinh" typeface="Iskoola Pota"/>
-        <a:font script="Mong" typeface="Mongolian Baiti"/>
-        <a:font script="Viet" typeface="Times New Roman"/>
-        <a:font script="Uigh" typeface="Microsoft Uighur"/>
-        <a:font script="Geor" typeface="Sylfaen"/>
-        <a:font script="Armn" typeface="Arial"/>
-        <a:font script="Bugi" typeface="Leelawadee UI"/>
-        <a:font script="Bopo" typeface="Microsoft JhengHei"/>
-        <a:font script="Java" typeface="Javanese Text"/>
-        <a:font script="Lisu" typeface="Segoe UI"/>
-        <a:font script="Mymr" typeface="Myanmar Text"/>
-        <a:font script="Nkoo" typeface="Ebrima"/>
-        <a:font script="Olck" typeface="Nirmala UI"/>
-        <a:font script="Osma" typeface="Ebrima"/>
-        <a:font script="Phag" typeface="Phagspa"/>
-        <a:font script="Syrn" typeface="Estrangelo Edessa"/>
-        <a:font script="Syrj" typeface="Estrangelo Edessa"/>
-        <a:font script="Syre" typeface="Estrangelo Edessa"/>
-        <a:font script="Sora" typeface="Nirmala UI"/>
-        <a:font script="Tale" typeface="Microsoft Tai Le"/>
-        <a:font script="Talu" typeface="Microsoft New Tai Lue"/>
-        <a:font script="Tfng" typeface="Ebrima"/>
-      </a:majorFont>
-      <a:minorFont>
-        <a:latin typeface="Calibri" panose="020F0502020204030204"/>
-        <a:ea typeface=""/>
-        <a:cs typeface=""/>
-        <a:font script="Jpan" typeface="游ゴシック"/>
-        <a:font script="Hang" typeface="맑은 고딕"/>
-        <a:font script="Hans" typeface="等线"/>
-        <a:font script="Hant" typeface="新細明體"/>
-        <a:font script="Arab" typeface="Arial"/>
+        <a:font script="Grek" typeface="Corbel"/>
+        <a:font script="Cyrl" typeface="Corbel"/>
+        <a:font script="Jpan" typeface="HGｺﾞｼｯｸE"/>
+        <a:font script="Hang" typeface="휴먼매직체"/>
+        <a:font script="Hans" typeface="华文中宋"/>
+        <a:font script="Hant" typeface="微軟正黑體"/>
+        <a:font script="Arab" typeface="Majalla UI"/>
         <a:font script="Hebr" typeface="Arial"/>
         <a:font script="Thai" typeface="Cordia New"/>
         <a:font script="Ethi" typeface="Nyala"/>
@@ -3606,29 +5690,49 @@
         <a:font script="Laoo" typeface="DokChampa"/>
         <a:font script="Sinh" typeface="Iskoola Pota"/>
         <a:font script="Mong" typeface="Mongolian Baiti"/>
-        <a:font script="Viet" typeface="Arial"/>
+        <a:font script="Viet" typeface="Tahoma"/>
         <a:font script="Uigh" typeface="Microsoft Uighur"/>
         <a:font script="Geor" typeface="Sylfaen"/>
-        <a:font script="Armn" typeface="Arial"/>
-        <a:font script="Bugi" typeface="Leelawadee UI"/>
-        <a:font script="Bopo" typeface="Microsoft JhengHei"/>
-        <a:font script="Java" typeface="Javanese Text"/>
-        <a:font script="Lisu" typeface="Segoe UI"/>
-        <a:font script="Mymr" typeface="Myanmar Text"/>
-        <a:font script="Nkoo" typeface="Ebrima"/>
-        <a:font script="Olck" typeface="Nirmala UI"/>
-        <a:font script="Osma" typeface="Ebrima"/>
-        <a:font script="Phag" typeface="Phagspa"/>
-        <a:font script="Syrn" typeface="Estrangelo Edessa"/>
-        <a:font script="Syrj" typeface="Estrangelo Edessa"/>
-        <a:font script="Syre" typeface="Estrangelo Edessa"/>
-        <a:font script="Sora" typeface="Nirmala UI"/>
-        <a:font script="Tale" typeface="Microsoft Tai Le"/>
-        <a:font script="Talu" typeface="Microsoft New Tai Lue"/>
-        <a:font script="Tfng" typeface="Ebrima"/>
+      </a:majorFont>
+      <a:minorFont>
+        <a:latin typeface="Gill Sans MT" panose="020B0502020104020203"/>
+        <a:ea typeface=""/>
+        <a:cs typeface=""/>
+        <a:font script="Grek" typeface="Corbel"/>
+        <a:font script="Cyrl" typeface="Corbel"/>
+        <a:font script="Jpan" typeface="HGｺﾞｼｯｸE"/>
+        <a:font script="Hang" typeface="휴먼매직체"/>
+        <a:font script="Hans" typeface="华文中宋"/>
+        <a:font script="Hant" typeface="微軟正黑體"/>
+        <a:font script="Arab" typeface="Majalla UI"/>
+        <a:font script="Hebr" typeface="Arial"/>
+        <a:font script="Thai" typeface="Cordia New"/>
+        <a:font script="Ethi" typeface="Nyala"/>
+        <a:font script="Beng" typeface="Vrinda"/>
+        <a:font script="Gujr" typeface="Shruti"/>
+        <a:font script="Khmr" typeface="DaunPenh"/>
+        <a:font script="Knda" typeface="Tunga"/>
+        <a:font script="Guru" typeface="Raavi"/>
+        <a:font script="Cans" typeface="Euphemia"/>
+        <a:font script="Cher" typeface="Plantagenet Cherokee"/>
+        <a:font script="Yiii" typeface="Microsoft Yi Baiti"/>
+        <a:font script="Tibt" typeface="Microsoft Himalaya"/>
+        <a:font script="Thaa" typeface="MV Boli"/>
+        <a:font script="Deva" typeface="Mangal"/>
+        <a:font script="Telu" typeface="Gautami"/>
+        <a:font script="Taml" typeface="Latha"/>
+        <a:font script="Syrc" typeface="Estrangelo Edessa"/>
+        <a:font script="Orya" typeface="Kalinga"/>
+        <a:font script="Mlym" typeface="Kartika"/>
+        <a:font script="Laoo" typeface="DokChampa"/>
+        <a:font script="Sinh" typeface="Iskoola Pota"/>
+        <a:font script="Mong" typeface="Mongolian Baiti"/>
+        <a:font script="Viet" typeface="Tahoma"/>
+        <a:font script="Uigh" typeface="Microsoft Uighur"/>
+        <a:font script="Geor" typeface="Sylfaen"/>
       </a:minorFont>
     </a:fontScheme>
-    <a:fmtScheme name="Office">
+    <a:fmtScheme name="Parcel">
       <a:fillStyleLst>
         <a:solidFill>
           <a:schemeClr val="phClr"/>
@@ -3637,23 +5741,16 @@
           <a:gsLst>
             <a:gs pos="0">
               <a:schemeClr val="phClr">
-                <a:lumMod val="110000"/>
-                <a:satMod val="105000"/>
-                <a:tint val="67000"/>
-              </a:schemeClr>
-            </a:gs>
-            <a:gs pos="50000">
-              <a:schemeClr val="phClr">
-                <a:lumMod val="105000"/>
-                <a:satMod val="103000"/>
-                <a:tint val="73000"/>
+                <a:tint val="80000"/>
+                <a:satMod val="107000"/>
+                <a:lumMod val="103000"/>
               </a:schemeClr>
             </a:gs>
             <a:gs pos="100000">
               <a:schemeClr val="phClr">
-                <a:lumMod val="105000"/>
+                <a:tint val="82000"/>
                 <a:satMod val="109000"/>
-                <a:tint val="81000"/>
+                <a:lumMod val="103000"/>
               </a:schemeClr>
             </a:gs>
           </a:gsLst>
@@ -3663,23 +5760,23 @@
           <a:gsLst>
             <a:gs pos="0">
               <a:schemeClr val="phClr">
-                <a:satMod val="103000"/>
+                <a:tint val="97000"/>
+                <a:satMod val="100000"/>
                 <a:lumMod val="102000"/>
-                <a:tint val="94000"/>
               </a:schemeClr>
             </a:gs>
             <a:gs pos="50000">
               <a:schemeClr val="phClr">
-                <a:satMod val="110000"/>
+                <a:shade val="100000"/>
+                <a:satMod val="103000"/>
                 <a:lumMod val="100000"/>
-                <a:shade val="100000"/>
               </a:schemeClr>
             </a:gs>
             <a:gs pos="100000">
               <a:schemeClr val="phClr">
+                <a:shade val="93000"/>
+                <a:satMod val="110000"/>
                 <a:lumMod val="99000"/>
-                <a:satMod val="120000"/>
-                <a:shade val="78000"/>
               </a:schemeClr>
             </a:gs>
           </a:gsLst>
@@ -3692,21 +5789,18 @@
             <a:schemeClr val="phClr"/>
           </a:solidFill>
           <a:prstDash val="solid"/>
-          <a:miter lim="800000"/>
         </a:ln>
         <a:ln w="12700" cap="flat" cmpd="sng" algn="ctr">
           <a:solidFill>
             <a:schemeClr val="phClr"/>
           </a:solidFill>
           <a:prstDash val="solid"/>
-          <a:miter lim="800000"/>
         </a:ln>
-        <a:ln w="19050" cap="flat" cmpd="sng" algn="ctr">
+        <a:ln w="31750" cap="flat" cmpd="sng" algn="ctr">
           <a:solidFill>
             <a:schemeClr val="phClr"/>
           </a:solidFill>
           <a:prstDash val="solid"/>
-          <a:miter lim="800000"/>
         </a:ln>
       </a:lnStyleLst>
       <a:effectStyleLst>
@@ -3718,12 +5812,21 @@
         </a:effectStyle>
         <a:effectStyle>
           <a:effectLst>
-            <a:outerShdw blurRad="57150" dist="19050" dir="5400000" algn="ctr" rotWithShape="0">
+            <a:outerShdw blurRad="55880" dist="15240" dir="5400000" algn="ctr" rotWithShape="0">
               <a:srgbClr val="000000">
-                <a:alpha val="63000"/>
+                <a:alpha val="45000"/>
               </a:srgbClr>
             </a:outerShdw>
           </a:effectLst>
+          <a:scene3d>
+            <a:camera prst="orthographicFront">
+              <a:rot lat="0" lon="0" rev="0"/>
+            </a:camera>
+            <a:lightRig rig="brightRoom" dir="tl"/>
+          </a:scene3d>
+          <a:sp3d prstMaterial="dkEdge">
+            <a:bevelT w="0" h="0"/>
+          </a:sp3d>
         </a:effectStyle>
       </a:effectStyleLst>
       <a:bgFillStyleLst>
@@ -3740,28 +5843,24 @@
           <a:gsLst>
             <a:gs pos="0">
               <a:schemeClr val="phClr">
-                <a:tint val="93000"/>
-                <a:satMod val="150000"/>
-                <a:shade val="98000"/>
-                <a:lumMod val="102000"/>
-              </a:schemeClr>
-            </a:gs>
-            <a:gs pos="50000">
-              <a:schemeClr val="phClr">
-                <a:tint val="98000"/>
-                <a:satMod val="130000"/>
-                <a:shade val="90000"/>
-                <a:lumMod val="103000"/>
+                <a:tint val="97000"/>
+                <a:shade val="100000"/>
+                <a:satMod val="185000"/>
+                <a:lumMod val="120000"/>
               </a:schemeClr>
             </a:gs>
             <a:gs pos="100000">
               <a:schemeClr val="phClr">
-                <a:shade val="63000"/>
-                <a:satMod val="120000"/>
+                <a:tint val="96000"/>
+                <a:shade val="95000"/>
+                <a:satMod val="215000"/>
+                <a:lumMod val="80000"/>
               </a:schemeClr>
             </a:gs>
           </a:gsLst>
-          <a:lin ang="5400000" scaled="0"/>
+          <a:path path="circle">
+            <a:fillToRect l="50000" t="55000" r="125000" b="100000"/>
+          </a:path>
         </a:gradFill>
       </a:bgFillStyleLst>
     </a:fmtScheme>
@@ -3770,7 +5869,7 @@
   <a:extraClrSchemeLst/>
   <a:extLst>
     <a:ext uri="{05A4C25C-085E-4340-85A3-A5531E510DB2}">
-      <thm15:themeFamily xmlns:thm15="http://schemas.microsoft.com/office/thememl/2012/main" name="Office Theme" id="{62F939B6-93AF-4DB8-9C6B-D6C7DFDC589F}" vid="{4A3C46E8-61CC-4603-A589-7422A47A8E4A}"/>
+      <thm15:themeFamily xmlns:thm15="http://schemas.microsoft.com/office/thememl/2012/main" name="Parcel" id="{8BEC4385-4EB9-4D53-BFB5-0EA123736B6D}" vid="{4DB32801-28C0-48B0-8C1D-A9A58613615A}"/>
     </a:ext>
   </a:extLst>
 </a:theme>
